--- a/初審簡報.pptx
+++ b/初審簡報.pptx
@@ -112,6 +112,11 @@
       </a:defRPr>
     </a:lvl9pPr>
   </p:defaultTextStyle>
+  <p:extLst>
+    <p:ext uri="{EFAFB233-063F-42B5-8137-9DF3F51BA10A}">
+      <p15:sldGuideLst xmlns:p15="http://schemas.microsoft.com/office/powerpoint/2012/main"/>
+    </p:ext>
+  </p:extLst>
 </p:presentation>
 </file>
 
@@ -3979,6 +3984,9 @@
           <a:bodyPr/>
           <a:lstStyle/>
           <a:p>
+            <a:pPr marL="0" indent="0">
+              <a:buNone/>
+            </a:pPr>
             <a:endParaRPr lang="zh-TW" altLang="en-US" dirty="0"/>
           </a:p>
         </p:txBody>
@@ -4062,7 +4070,10 @@
           <a:bodyPr/>
           <a:lstStyle/>
           <a:p>
-            <a:endParaRPr lang="zh-TW" altLang="en-US"/>
+            <a:pPr marL="0" indent="0">
+              <a:buNone/>
+            </a:pPr>
+            <a:endParaRPr lang="zh-TW" altLang="en-US" dirty="0"/>
           </a:p>
         </p:txBody>
       </p:sp>

--- a/初審簡報.pptx
+++ b/初審簡報.pptx
@@ -2,26 +2,28 @@
 <file path=ppt/presentation.xml><?xml version="1.0" encoding="utf-8"?>
 <p:presentation xmlns:a="http://schemas.openxmlformats.org/drawingml/2006/main" xmlns:r="http://schemas.openxmlformats.org/officeDocument/2006/relationships" xmlns:p="http://schemas.openxmlformats.org/presentationml/2006/main" saveSubsetFonts="1">
   <p:sldMasterIdLst>
-    <p:sldMasterId id="2147483648" r:id="rId1"/>
+    <p:sldMasterId id="2147483660" r:id="rId1"/>
   </p:sldMasterIdLst>
   <p:sldIdLst>
     <p:sldId id="256" r:id="rId2"/>
-    <p:sldId id="265" r:id="rId3"/>
-    <p:sldId id="257" r:id="rId4"/>
-    <p:sldId id="264" r:id="rId5"/>
-    <p:sldId id="258" r:id="rId6"/>
-    <p:sldId id="259" r:id="rId7"/>
-    <p:sldId id="260" r:id="rId8"/>
-    <p:sldId id="261" r:id="rId9"/>
-    <p:sldId id="262" r:id="rId10"/>
+    <p:sldId id="266" r:id="rId3"/>
+    <p:sldId id="265" r:id="rId4"/>
+    <p:sldId id="257" r:id="rId5"/>
+    <p:sldId id="264" r:id="rId6"/>
+    <p:sldId id="258" r:id="rId7"/>
+    <p:sldId id="259" r:id="rId8"/>
+    <p:sldId id="260" r:id="rId9"/>
+    <p:sldId id="261" r:id="rId10"/>
+    <p:sldId id="262" r:id="rId11"/>
+    <p:sldId id="267" r:id="rId12"/>
   </p:sldIdLst>
   <p:sldSz cx="12192000" cy="6858000"/>
   <p:notesSz cx="6858000" cy="9144000"/>
   <p:defaultTextStyle>
-    <a:defPPr>
-      <a:defRPr lang="zh-TW"/>
+    <a:defPPr rtl="0">
+      <a:defRPr lang="zh-tw"/>
     </a:defPPr>
-    <a:lvl1pPr marL="0" algn="l" defTabSz="914400" rtl="0" eaLnBrk="1" latinLnBrk="0" hangingPunct="1">
+    <a:lvl1pPr marL="0" algn="l" defTabSz="457200" rtl="0" eaLnBrk="1" latinLnBrk="0" hangingPunct="1">
       <a:defRPr sz="1800" kern="1200">
         <a:solidFill>
           <a:schemeClr val="tx1"/>
@@ -31,7 +33,7 @@
         <a:cs typeface="+mn-cs"/>
       </a:defRPr>
     </a:lvl1pPr>
-    <a:lvl2pPr marL="457200" algn="l" defTabSz="914400" rtl="0" eaLnBrk="1" latinLnBrk="0" hangingPunct="1">
+    <a:lvl2pPr marL="457200" algn="l" defTabSz="457200" rtl="0" eaLnBrk="1" latinLnBrk="0" hangingPunct="1">
       <a:defRPr sz="1800" kern="1200">
         <a:solidFill>
           <a:schemeClr val="tx1"/>
@@ -41,7 +43,7 @@
         <a:cs typeface="+mn-cs"/>
       </a:defRPr>
     </a:lvl2pPr>
-    <a:lvl3pPr marL="914400" algn="l" defTabSz="914400" rtl="0" eaLnBrk="1" latinLnBrk="0" hangingPunct="1">
+    <a:lvl3pPr marL="914400" algn="l" defTabSz="457200" rtl="0" eaLnBrk="1" latinLnBrk="0" hangingPunct="1">
       <a:defRPr sz="1800" kern="1200">
         <a:solidFill>
           <a:schemeClr val="tx1"/>
@@ -51,7 +53,7 @@
         <a:cs typeface="+mn-cs"/>
       </a:defRPr>
     </a:lvl3pPr>
-    <a:lvl4pPr marL="1371600" algn="l" defTabSz="914400" rtl="0" eaLnBrk="1" latinLnBrk="0" hangingPunct="1">
+    <a:lvl4pPr marL="1371600" algn="l" defTabSz="457200" rtl="0" eaLnBrk="1" latinLnBrk="0" hangingPunct="1">
       <a:defRPr sz="1800" kern="1200">
         <a:solidFill>
           <a:schemeClr val="tx1"/>
@@ -61,7 +63,7 @@
         <a:cs typeface="+mn-cs"/>
       </a:defRPr>
     </a:lvl4pPr>
-    <a:lvl5pPr marL="1828800" algn="l" defTabSz="914400" rtl="0" eaLnBrk="1" latinLnBrk="0" hangingPunct="1">
+    <a:lvl5pPr marL="1828800" algn="l" defTabSz="457200" rtl="0" eaLnBrk="1" latinLnBrk="0" hangingPunct="1">
       <a:defRPr sz="1800" kern="1200">
         <a:solidFill>
           <a:schemeClr val="tx1"/>
@@ -71,7 +73,7 @@
         <a:cs typeface="+mn-cs"/>
       </a:defRPr>
     </a:lvl5pPr>
-    <a:lvl6pPr marL="2286000" algn="l" defTabSz="914400" rtl="0" eaLnBrk="1" latinLnBrk="0" hangingPunct="1">
+    <a:lvl6pPr marL="2286000" algn="l" defTabSz="457200" rtl="0" eaLnBrk="1" latinLnBrk="0" hangingPunct="1">
       <a:defRPr sz="1800" kern="1200">
         <a:solidFill>
           <a:schemeClr val="tx1"/>
@@ -81,7 +83,7 @@
         <a:cs typeface="+mn-cs"/>
       </a:defRPr>
     </a:lvl6pPr>
-    <a:lvl7pPr marL="2743200" algn="l" defTabSz="914400" rtl="0" eaLnBrk="1" latinLnBrk="0" hangingPunct="1">
+    <a:lvl7pPr marL="2743200" algn="l" defTabSz="457200" rtl="0" eaLnBrk="1" latinLnBrk="0" hangingPunct="1">
       <a:defRPr sz="1800" kern="1200">
         <a:solidFill>
           <a:schemeClr val="tx1"/>
@@ -91,7 +93,7 @@
         <a:cs typeface="+mn-cs"/>
       </a:defRPr>
     </a:lvl7pPr>
-    <a:lvl8pPr marL="3200400" algn="l" defTabSz="914400" rtl="0" eaLnBrk="1" latinLnBrk="0" hangingPunct="1">
+    <a:lvl8pPr marL="3200400" algn="l" defTabSz="457200" rtl="0" eaLnBrk="1" latinLnBrk="0" hangingPunct="1">
       <a:defRPr sz="1800" kern="1200">
         <a:solidFill>
           <a:schemeClr val="tx1"/>
@@ -101,7 +103,7 @@
         <a:cs typeface="+mn-cs"/>
       </a:defRPr>
     </a:lvl8pPr>
-    <a:lvl9pPr marL="3657600" algn="l" defTabSz="914400" rtl="0" eaLnBrk="1" latinLnBrk="0" hangingPunct="1">
+    <a:lvl9pPr marL="3657600" algn="l" defTabSz="457200" rtl="0" eaLnBrk="1" latinLnBrk="0" hangingPunct="1">
       <a:defRPr sz="1800" kern="1200">
         <a:solidFill>
           <a:schemeClr val="tx1"/>
@@ -137,15 +139,39 @@
           <a:chExt cx="0" cy="0"/>
         </a:xfrm>
       </p:grpSpPr>
-      <p:sp>
-        <p:nvSpPr>
-          <p:cNvPr id="2" name="標題 1">
+      <p:pic>
+        <p:nvPicPr>
+          <p:cNvPr id="7" name="圖片 6" descr="水滴-HD-標題-R1d.png"/>
+          <p:cNvPicPr>
+            <a:picLocks noChangeAspect="1"/>
+          </p:cNvPicPr>
+          <p:nvPr/>
+        </p:nvPicPr>
+        <p:blipFill>
+          <a:blip r:embed="rId2">
             <a:extLst>
-              <a:ext uri="{FF2B5EF4-FFF2-40B4-BE49-F238E27FC236}">
-                <a16:creationId xmlns:a16="http://schemas.microsoft.com/office/drawing/2014/main" id="{FD4A1E6D-836F-475D-800D-C697599D9213}"/>
+              <a:ext uri="{28A0092B-C50C-407E-A947-70E740481C1C}">
+                <a14:useLocalDpi xmlns:a14="http://schemas.microsoft.com/office/drawing/2010/main" val="0"/>
               </a:ext>
             </a:extLst>
-          </p:cNvPr>
+          </a:blip>
+          <a:stretch>
+            <a:fillRect/>
+          </a:stretch>
+        </p:blipFill>
+        <p:spPr>
+          <a:xfrm>
+            <a:off x="0" y="0"/>
+            <a:ext cx="12192000" cy="6858000"/>
+          </a:xfrm>
+          <a:prstGeom prst="rect">
+            <a:avLst/>
+          </a:prstGeom>
+        </p:spPr>
+      </p:pic>
+      <p:sp>
+        <p:nvSpPr>
+          <p:cNvPr id="2" name="標題 1"/>
           <p:cNvSpPr>
             <a:spLocks noGrp="1"/>
           </p:cNvSpPr>
@@ -155,34 +181,32 @@
         </p:nvSpPr>
         <p:spPr>
           <a:xfrm>
-            <a:off x="1524000" y="1122363"/>
-            <a:ext cx="9144000" cy="2387600"/>
-          </a:xfrm>
-        </p:spPr>
-        <p:txBody>
-          <a:bodyPr anchor="b"/>
+            <a:off x="1751012" y="1300785"/>
+            <a:ext cx="8689976" cy="2509213"/>
+          </a:xfrm>
+        </p:spPr>
+        <p:txBody>
+          <a:bodyPr rtlCol="0" anchor="b">
+            <a:normAutofit/>
+          </a:bodyPr>
           <a:lstStyle>
             <a:lvl1pPr algn="ctr">
-              <a:defRPr sz="6000"/>
+              <a:defRPr sz="4800"/>
             </a:lvl1pPr>
           </a:lstStyle>
           <a:p>
-            <a:r>
-              <a:rPr lang="zh-TW" altLang="en-US"/>
+            <a:pPr rtl="0"/>
+            <a:r>
+              <a:rPr lang="zh-TW" altLang="en-US" noProof="0"/>
               <a:t>按一下以編輯母片標題樣式</a:t>
             </a:r>
-          </a:p>
-        </p:txBody>
-      </p:sp>
-      <p:sp>
-        <p:nvSpPr>
-          <p:cNvPr id="3" name="副標題 2">
-            <a:extLst>
-              <a:ext uri="{FF2B5EF4-FFF2-40B4-BE49-F238E27FC236}">
-                <a16:creationId xmlns:a16="http://schemas.microsoft.com/office/drawing/2014/main" id="{DA33FC07-5AEC-4F83-A8A5-E59F7E2F840C}"/>
-              </a:ext>
-            </a:extLst>
-          </p:cNvPr>
+            <a:endParaRPr lang="zh-TW" altLang="en-US" noProof="0" dirty="0"/>
+          </a:p>
+        </p:txBody>
+      </p:sp>
+      <p:sp>
+        <p:nvSpPr>
+          <p:cNvPr id="3" name="副標題 2"/>
           <p:cNvSpPr>
             <a:spLocks noGrp="1"/>
           </p:cNvSpPr>
@@ -192,16 +216,24 @@
         </p:nvSpPr>
         <p:spPr>
           <a:xfrm>
-            <a:off x="1524000" y="3602038"/>
-            <a:ext cx="9144000" cy="1655762"/>
-          </a:xfrm>
-        </p:spPr>
-        <p:txBody>
-          <a:bodyPr/>
+            <a:off x="1751012" y="3886200"/>
+            <a:ext cx="8689976" cy="1371599"/>
+          </a:xfrm>
+        </p:spPr>
+        <p:txBody>
+          <a:bodyPr rtlCol="0">
+            <a:normAutofit/>
+          </a:bodyPr>
           <a:lstStyle>
             <a:lvl1pPr marL="0" indent="0" algn="ctr">
               <a:buNone/>
-              <a:defRPr sz="2400"/>
+              <a:defRPr sz="2200">
+                <a:solidFill>
+                  <a:schemeClr val="bg1">
+                    <a:lumMod val="50000"/>
+                  </a:schemeClr>
+                </a:solidFill>
+              </a:defRPr>
             </a:lvl1pPr>
             <a:lvl2pPr marL="457200" indent="0" algn="ctr">
               <a:buNone/>
@@ -237,22 +269,18 @@
             </a:lvl9pPr>
           </a:lstStyle>
           <a:p>
-            <a:r>
-              <a:rPr lang="zh-TW" altLang="en-US"/>
+            <a:pPr rtl="0"/>
+            <a:r>
+              <a:rPr lang="zh-TW" altLang="en-US" noProof="0"/>
               <a:t>按一下以編輯母片子標題樣式</a:t>
             </a:r>
-          </a:p>
-        </p:txBody>
-      </p:sp>
-      <p:sp>
-        <p:nvSpPr>
-          <p:cNvPr id="4" name="日期版面配置區 3">
-            <a:extLst>
-              <a:ext uri="{FF2B5EF4-FFF2-40B4-BE49-F238E27FC236}">
-                <a16:creationId xmlns:a16="http://schemas.microsoft.com/office/drawing/2014/main" id="{9D3FF254-9D07-43E2-BE28-D4ECC7711972}"/>
-              </a:ext>
-            </a:extLst>
-          </p:cNvPr>
+            <a:endParaRPr lang="zh-TW" altLang="en-US" noProof="0" dirty="0"/>
+          </a:p>
+        </p:txBody>
+      </p:sp>
+      <p:sp>
+        <p:nvSpPr>
+          <p:cNvPr id="4" name="日期版面配置區 3"/>
           <p:cNvSpPr>
             <a:spLocks noGrp="1"/>
           </p:cNvSpPr>
@@ -262,12 +290,12 @@
         </p:nvSpPr>
         <p:spPr/>
         <p:txBody>
-          <a:bodyPr/>
+          <a:bodyPr rtlCol="0"/>
           <a:lstStyle/>
           <a:p>
             <a:fld id="{8737B4F4-F1D3-43E2-B425-0E71FA0E012F}" type="datetimeFigureOut">
               <a:rPr lang="zh-TW" altLang="en-US" smtClean="0"/>
-              <a:t>2020/5/2</a:t>
+              <a:t>2020/5/3</a:t>
             </a:fld>
             <a:endParaRPr lang="zh-TW" altLang="en-US"/>
           </a:p>
@@ -275,13 +303,7 @@
       </p:sp>
       <p:sp>
         <p:nvSpPr>
-          <p:cNvPr id="5" name="頁尾版面配置區 4">
-            <a:extLst>
-              <a:ext uri="{FF2B5EF4-FFF2-40B4-BE49-F238E27FC236}">
-                <a16:creationId xmlns:a16="http://schemas.microsoft.com/office/drawing/2014/main" id="{4EBBC5F1-EDB7-49B6-AE57-4E7F168D72E5}"/>
-              </a:ext>
-            </a:extLst>
-          </p:cNvPr>
+          <p:cNvPr id="5" name="頁尾版面配置區 4"/>
           <p:cNvSpPr>
             <a:spLocks noGrp="1"/>
           </p:cNvSpPr>
@@ -291,7 +313,7 @@
         </p:nvSpPr>
         <p:spPr/>
         <p:txBody>
-          <a:bodyPr/>
+          <a:bodyPr rtlCol="0"/>
           <a:lstStyle/>
           <a:p>
             <a:endParaRPr lang="zh-TW" altLang="en-US"/>
@@ -300,13 +322,7 @@
       </p:sp>
       <p:sp>
         <p:nvSpPr>
-          <p:cNvPr id="6" name="投影片編號版面配置區 5">
-            <a:extLst>
-              <a:ext uri="{FF2B5EF4-FFF2-40B4-BE49-F238E27FC236}">
-                <a16:creationId xmlns:a16="http://schemas.microsoft.com/office/drawing/2014/main" id="{6D38B350-C8ED-4372-8BF1-0B08A0CEAC9E}"/>
-              </a:ext>
-            </a:extLst>
-          </p:cNvPr>
+          <p:cNvPr id="6" name="投影片編號預留位置 5"/>
           <p:cNvSpPr>
             <a:spLocks noGrp="1"/>
           </p:cNvSpPr>
@@ -316,7 +332,7 @@
         </p:nvSpPr>
         <p:spPr/>
         <p:txBody>
-          <a:bodyPr/>
+          <a:bodyPr rtlCol="0"/>
           <a:lstStyle/>
           <a:p>
             <a:fld id="{C111C88A-28B0-4C11-A1A5-4D9ACEAA0798}" type="slidenum">
@@ -330,7 +346,7 @@
     </p:spTree>
     <p:extLst>
       <p:ext uri="{BB962C8B-B14F-4D97-AF65-F5344CB8AC3E}">
-        <p14:creationId xmlns:p14="http://schemas.microsoft.com/office/powerpoint/2010/main" val="2006603163"/>
+        <p14:creationId xmlns:p14="http://schemas.microsoft.com/office/powerpoint/2010/main" val="154342088"/>
       </p:ext>
     </p:extLst>
   </p:cSld>
@@ -341,6 +357,2757 @@
 </file>
 
 <file path=ppt/slideLayouts/slideLayout10.xml><?xml version="1.0" encoding="utf-8"?>
+<p:sldLayout xmlns:a="http://schemas.openxmlformats.org/drawingml/2006/main" xmlns:r="http://schemas.openxmlformats.org/officeDocument/2006/relationships" xmlns:p="http://schemas.openxmlformats.org/presentationml/2006/main" preserve="1">
+  <p:cSld name="含標題的全景圖片">
+    <p:spTree>
+      <p:nvGrpSpPr>
+        <p:cNvPr id="1" name=""/>
+        <p:cNvGrpSpPr/>
+        <p:nvPr/>
+      </p:nvGrpSpPr>
+      <p:grpSpPr>
+        <a:xfrm>
+          <a:off x="0" y="0"/>
+          <a:ext cx="0" cy="0"/>
+          <a:chOff x="0" y="0"/>
+          <a:chExt cx="0" cy="0"/>
+        </a:xfrm>
+      </p:grpSpPr>
+      <p:pic>
+        <p:nvPicPr>
+          <p:cNvPr id="10" name="圖片 9" descr="水滴-HD-內容-R1d.png"/>
+          <p:cNvPicPr>
+            <a:picLocks noChangeAspect="1"/>
+          </p:cNvPicPr>
+          <p:nvPr/>
+        </p:nvPicPr>
+        <p:blipFill>
+          <a:blip r:embed="rId2">
+            <a:extLst>
+              <a:ext uri="{28A0092B-C50C-407E-A947-70E740481C1C}">
+                <a14:useLocalDpi xmlns:a14="http://schemas.microsoft.com/office/drawing/2010/main" val="0"/>
+              </a:ext>
+            </a:extLst>
+          </a:blip>
+          <a:stretch>
+            <a:fillRect/>
+          </a:stretch>
+        </p:blipFill>
+        <p:spPr>
+          <a:xfrm>
+            <a:off x="0" y="0"/>
+            <a:ext cx="12192000" cy="6858000"/>
+          </a:xfrm>
+          <a:prstGeom prst="rect">
+            <a:avLst/>
+          </a:prstGeom>
+        </p:spPr>
+      </p:pic>
+      <p:sp>
+        <p:nvSpPr>
+          <p:cNvPr id="2" name="標題 1"/>
+          <p:cNvSpPr>
+            <a:spLocks noGrp="1"/>
+          </p:cNvSpPr>
+          <p:nvPr>
+            <p:ph type="title"/>
+          </p:nvPr>
+        </p:nvSpPr>
+        <p:spPr>
+          <a:xfrm>
+            <a:off x="913794" y="4289374"/>
+            <a:ext cx="10364432" cy="811610"/>
+          </a:xfrm>
+        </p:spPr>
+        <p:txBody>
+          <a:bodyPr rtlCol="0" anchor="b"/>
+          <a:lstStyle>
+            <a:lvl1pPr>
+              <a:defRPr sz="3200"/>
+            </a:lvl1pPr>
+          </a:lstStyle>
+          <a:p>
+            <a:pPr rtl="0"/>
+            <a:r>
+              <a:rPr lang="zh-TW" altLang="en-US" noProof="0"/>
+              <a:t>按一下以編輯母片標題樣式</a:t>
+            </a:r>
+            <a:endParaRPr lang="zh-TW" altLang="en-US" noProof="0" dirty="0"/>
+          </a:p>
+        </p:txBody>
+      </p:sp>
+      <p:sp>
+        <p:nvSpPr>
+          <p:cNvPr id="3" name="圖片預留位置 2"/>
+          <p:cNvSpPr>
+            <a:spLocks noGrp="1" noChangeAspect="1"/>
+          </p:cNvSpPr>
+          <p:nvPr>
+            <p:ph type="pic" idx="1"/>
+          </p:nvPr>
+        </p:nvSpPr>
+        <p:spPr>
+          <a:xfrm>
+            <a:off x="1184744" y="698261"/>
+            <a:ext cx="9822532" cy="3214136"/>
+          </a:xfrm>
+          <a:prstGeom prst="roundRect">
+            <a:avLst>
+              <a:gd name="adj" fmla="val 4944"/>
+            </a:avLst>
+          </a:prstGeom>
+          <a:noFill/>
+          <a:ln w="82550" cap="sq">
+            <a:solidFill>
+              <a:srgbClr val="EAEAEA"/>
+            </a:solidFill>
+            <a:miter lim="800000"/>
+          </a:ln>
+          <a:effectLst/>
+          <a:scene3d>
+            <a:camera prst="orthographicFront"/>
+            <a:lightRig rig="threePt" dir="t">
+              <a:rot lat="0" lon="0" rev="2700000"/>
+            </a:lightRig>
+          </a:scene3d>
+          <a:sp3d contourW="6350">
+            <a:bevelT h="38100"/>
+            <a:contourClr>
+              <a:srgbClr val="C0C0C0"/>
+            </a:contourClr>
+          </a:sp3d>
+        </p:spPr>
+        <p:txBody>
+          <a:bodyPr rtlCol="0" anchor="t"/>
+          <a:lstStyle>
+            <a:lvl1pPr marL="0" indent="0" algn="ctr">
+              <a:buNone/>
+              <a:defRPr sz="3200"/>
+            </a:lvl1pPr>
+            <a:lvl2pPr marL="457200" indent="0">
+              <a:buNone/>
+              <a:defRPr sz="2800"/>
+            </a:lvl2pPr>
+            <a:lvl3pPr marL="914400" indent="0">
+              <a:buNone/>
+              <a:defRPr sz="2400"/>
+            </a:lvl3pPr>
+            <a:lvl4pPr marL="1371600" indent="0">
+              <a:buNone/>
+              <a:defRPr sz="2000"/>
+            </a:lvl4pPr>
+            <a:lvl5pPr marL="1828800" indent="0">
+              <a:buNone/>
+              <a:defRPr sz="2000"/>
+            </a:lvl5pPr>
+            <a:lvl6pPr marL="2286000" indent="0">
+              <a:buNone/>
+              <a:defRPr sz="2000"/>
+            </a:lvl6pPr>
+            <a:lvl7pPr marL="2743200" indent="0">
+              <a:buNone/>
+              <a:defRPr sz="2000"/>
+            </a:lvl7pPr>
+            <a:lvl8pPr marL="3200400" indent="0">
+              <a:buNone/>
+              <a:defRPr sz="2000"/>
+            </a:lvl8pPr>
+            <a:lvl9pPr marL="3657600" indent="0">
+              <a:buNone/>
+              <a:defRPr sz="2000"/>
+            </a:lvl9pPr>
+          </a:lstStyle>
+          <a:p>
+            <a:pPr rtl="0"/>
+            <a:r>
+              <a:rPr lang="zh-TW" altLang="en-US" noProof="0"/>
+              <a:t>按一下圖示以新增圖片</a:t>
+            </a:r>
+            <a:endParaRPr lang="zh-TW" altLang="en-US" noProof="0" dirty="0"/>
+          </a:p>
+        </p:txBody>
+      </p:sp>
+      <p:sp>
+        <p:nvSpPr>
+          <p:cNvPr id="4" name="文字預留位置 3"/>
+          <p:cNvSpPr>
+            <a:spLocks noGrp="1"/>
+          </p:cNvSpPr>
+          <p:nvPr>
+            <p:ph type="body" sz="half" idx="2"/>
+          </p:nvPr>
+        </p:nvSpPr>
+        <p:spPr>
+          <a:xfrm>
+            <a:off x="913774" y="5108728"/>
+            <a:ext cx="10364452" cy="682472"/>
+          </a:xfrm>
+        </p:spPr>
+        <p:txBody>
+          <a:bodyPr rtlCol="0"/>
+          <a:lstStyle>
+            <a:lvl1pPr marL="0" indent="0" algn="ctr">
+              <a:buNone/>
+              <a:defRPr sz="1600"/>
+            </a:lvl1pPr>
+            <a:lvl2pPr marL="457200" indent="0">
+              <a:buNone/>
+              <a:defRPr sz="1400"/>
+            </a:lvl2pPr>
+            <a:lvl3pPr marL="914400" indent="0">
+              <a:buNone/>
+              <a:defRPr sz="1200"/>
+            </a:lvl3pPr>
+            <a:lvl4pPr marL="1371600" indent="0">
+              <a:buNone/>
+              <a:defRPr sz="1000"/>
+            </a:lvl4pPr>
+            <a:lvl5pPr marL="1828800" indent="0">
+              <a:buNone/>
+              <a:defRPr sz="1000"/>
+            </a:lvl5pPr>
+            <a:lvl6pPr marL="2286000" indent="0">
+              <a:buNone/>
+              <a:defRPr sz="1000"/>
+            </a:lvl6pPr>
+            <a:lvl7pPr marL="2743200" indent="0">
+              <a:buNone/>
+              <a:defRPr sz="1000"/>
+            </a:lvl7pPr>
+            <a:lvl8pPr marL="3200400" indent="0">
+              <a:buNone/>
+              <a:defRPr sz="1000"/>
+            </a:lvl8pPr>
+            <a:lvl9pPr marL="3657600" indent="0">
+              <a:buNone/>
+              <a:defRPr sz="1000"/>
+            </a:lvl9pPr>
+          </a:lstStyle>
+          <a:p>
+            <a:pPr lvl="0" rtl="0"/>
+            <a:r>
+              <a:rPr lang="zh-TW" altLang="en-US" noProof="0"/>
+              <a:t>按一下以編輯母片文字樣式</a:t>
+            </a:r>
+          </a:p>
+        </p:txBody>
+      </p:sp>
+      <p:sp>
+        <p:nvSpPr>
+          <p:cNvPr id="5" name="日期版面配置區 4"/>
+          <p:cNvSpPr>
+            <a:spLocks noGrp="1"/>
+          </p:cNvSpPr>
+          <p:nvPr>
+            <p:ph type="dt" sz="half" idx="10"/>
+          </p:nvPr>
+        </p:nvSpPr>
+        <p:spPr/>
+        <p:txBody>
+          <a:bodyPr rtlCol="0"/>
+          <a:lstStyle/>
+          <a:p>
+            <a:fld id="{8737B4F4-F1D3-43E2-B425-0E71FA0E012F}" type="datetimeFigureOut">
+              <a:rPr lang="zh-TW" altLang="en-US" smtClean="0"/>
+              <a:t>2020/5/3</a:t>
+            </a:fld>
+            <a:endParaRPr lang="zh-TW" altLang="en-US"/>
+          </a:p>
+        </p:txBody>
+      </p:sp>
+      <p:sp>
+        <p:nvSpPr>
+          <p:cNvPr id="6" name="頁尾版面配置區 5"/>
+          <p:cNvSpPr>
+            <a:spLocks noGrp="1"/>
+          </p:cNvSpPr>
+          <p:nvPr>
+            <p:ph type="ftr" sz="quarter" idx="11"/>
+          </p:nvPr>
+        </p:nvSpPr>
+        <p:spPr/>
+        <p:txBody>
+          <a:bodyPr rtlCol="0"/>
+          <a:lstStyle/>
+          <a:p>
+            <a:endParaRPr lang="zh-TW" altLang="en-US"/>
+          </a:p>
+        </p:txBody>
+      </p:sp>
+      <p:sp>
+        <p:nvSpPr>
+          <p:cNvPr id="7" name="投影片編號預留位置 6"/>
+          <p:cNvSpPr>
+            <a:spLocks noGrp="1"/>
+          </p:cNvSpPr>
+          <p:nvPr>
+            <p:ph type="sldNum" sz="quarter" idx="12"/>
+          </p:nvPr>
+        </p:nvSpPr>
+        <p:spPr/>
+        <p:txBody>
+          <a:bodyPr rtlCol="0"/>
+          <a:lstStyle/>
+          <a:p>
+            <a:fld id="{C111C88A-28B0-4C11-A1A5-4D9ACEAA0798}" type="slidenum">
+              <a:rPr lang="zh-TW" altLang="en-US" smtClean="0"/>
+              <a:t>‹#›</a:t>
+            </a:fld>
+            <a:endParaRPr lang="zh-TW" altLang="en-US"/>
+          </a:p>
+        </p:txBody>
+      </p:sp>
+    </p:spTree>
+    <p:extLst>
+      <p:ext uri="{BB962C8B-B14F-4D97-AF65-F5344CB8AC3E}">
+        <p14:creationId xmlns:p14="http://schemas.microsoft.com/office/powerpoint/2010/main" val="727518783"/>
+      </p:ext>
+    </p:extLst>
+  </p:cSld>
+  <p:clrMapOvr>
+    <a:masterClrMapping/>
+  </p:clrMapOvr>
+</p:sldLayout>
+</file>
+
+<file path=ppt/slideLayouts/slideLayout11.xml><?xml version="1.0" encoding="utf-8"?>
+<p:sldLayout xmlns:a="http://schemas.openxmlformats.org/drawingml/2006/main" xmlns:r="http://schemas.openxmlformats.org/officeDocument/2006/relationships" xmlns:p="http://schemas.openxmlformats.org/presentationml/2006/main" preserve="1">
+  <p:cSld name="標題與說明文字">
+    <p:spTree>
+      <p:nvGrpSpPr>
+        <p:cNvPr id="1" name=""/>
+        <p:cNvGrpSpPr/>
+        <p:nvPr/>
+      </p:nvGrpSpPr>
+      <p:grpSpPr>
+        <a:xfrm>
+          <a:off x="0" y="0"/>
+          <a:ext cx="0" cy="0"/>
+          <a:chOff x="0" y="0"/>
+          <a:chExt cx="0" cy="0"/>
+        </a:xfrm>
+      </p:grpSpPr>
+      <p:pic>
+        <p:nvPicPr>
+          <p:cNvPr id="8" name="圖片 7" descr="水滴-HD-內容-R1d.png"/>
+          <p:cNvPicPr>
+            <a:picLocks noChangeAspect="1"/>
+          </p:cNvPicPr>
+          <p:nvPr/>
+        </p:nvPicPr>
+        <p:blipFill>
+          <a:blip r:embed="rId2">
+            <a:extLst>
+              <a:ext uri="{28A0092B-C50C-407E-A947-70E740481C1C}">
+                <a14:useLocalDpi xmlns:a14="http://schemas.microsoft.com/office/drawing/2010/main" val="0"/>
+              </a:ext>
+            </a:extLst>
+          </a:blip>
+          <a:stretch>
+            <a:fillRect/>
+          </a:stretch>
+        </p:blipFill>
+        <p:spPr>
+          <a:xfrm>
+            <a:off x="0" y="0"/>
+            <a:ext cx="12192000" cy="6858000"/>
+          </a:xfrm>
+          <a:prstGeom prst="rect">
+            <a:avLst/>
+          </a:prstGeom>
+        </p:spPr>
+      </p:pic>
+      <p:sp>
+        <p:nvSpPr>
+          <p:cNvPr id="2" name="標題 1"/>
+          <p:cNvSpPr>
+            <a:spLocks noGrp="1"/>
+          </p:cNvSpPr>
+          <p:nvPr>
+            <p:ph type="title"/>
+          </p:nvPr>
+        </p:nvSpPr>
+        <p:spPr>
+          <a:xfrm>
+            <a:off x="913774" y="609599"/>
+            <a:ext cx="10364452" cy="3427245"/>
+          </a:xfrm>
+        </p:spPr>
+        <p:txBody>
+          <a:bodyPr rtlCol="0" anchor="ctr"/>
+          <a:lstStyle>
+            <a:lvl1pPr algn="ctr">
+              <a:defRPr sz="3200"/>
+            </a:lvl1pPr>
+          </a:lstStyle>
+          <a:p>
+            <a:pPr rtl="0"/>
+            <a:r>
+              <a:rPr lang="zh-TW" altLang="en-US" noProof="0"/>
+              <a:t>按一下以編輯母片標題樣式</a:t>
+            </a:r>
+            <a:endParaRPr lang="zh-TW" altLang="en-US" noProof="0" dirty="0"/>
+          </a:p>
+        </p:txBody>
+      </p:sp>
+      <p:sp>
+        <p:nvSpPr>
+          <p:cNvPr id="4" name="文字預留位置 3"/>
+          <p:cNvSpPr>
+            <a:spLocks noGrp="1"/>
+          </p:cNvSpPr>
+          <p:nvPr>
+            <p:ph type="body" sz="half" idx="2"/>
+          </p:nvPr>
+        </p:nvSpPr>
+        <p:spPr>
+          <a:xfrm>
+            <a:off x="913775" y="4204821"/>
+            <a:ext cx="10364452" cy="1586380"/>
+          </a:xfrm>
+        </p:spPr>
+        <p:txBody>
+          <a:bodyPr rtlCol="0" anchor="ctr"/>
+          <a:lstStyle>
+            <a:lvl1pPr marL="0" indent="0" algn="ctr">
+              <a:buNone/>
+              <a:defRPr sz="1600"/>
+            </a:lvl1pPr>
+            <a:lvl2pPr marL="457200" indent="0">
+              <a:buNone/>
+              <a:defRPr sz="1400"/>
+            </a:lvl2pPr>
+            <a:lvl3pPr marL="914400" indent="0">
+              <a:buNone/>
+              <a:defRPr sz="1200"/>
+            </a:lvl3pPr>
+            <a:lvl4pPr marL="1371600" indent="0">
+              <a:buNone/>
+              <a:defRPr sz="1000"/>
+            </a:lvl4pPr>
+            <a:lvl5pPr marL="1828800" indent="0">
+              <a:buNone/>
+              <a:defRPr sz="1000"/>
+            </a:lvl5pPr>
+            <a:lvl6pPr marL="2286000" indent="0">
+              <a:buNone/>
+              <a:defRPr sz="1000"/>
+            </a:lvl6pPr>
+            <a:lvl7pPr marL="2743200" indent="0">
+              <a:buNone/>
+              <a:defRPr sz="1000"/>
+            </a:lvl7pPr>
+            <a:lvl8pPr marL="3200400" indent="0">
+              <a:buNone/>
+              <a:defRPr sz="1000"/>
+            </a:lvl8pPr>
+            <a:lvl9pPr marL="3657600" indent="0">
+              <a:buNone/>
+              <a:defRPr sz="1000"/>
+            </a:lvl9pPr>
+          </a:lstStyle>
+          <a:p>
+            <a:pPr lvl="0" rtl="0"/>
+            <a:r>
+              <a:rPr lang="zh-TW" altLang="en-US" noProof="0"/>
+              <a:t>按一下以編輯母片文字樣式</a:t>
+            </a:r>
+          </a:p>
+        </p:txBody>
+      </p:sp>
+      <p:sp>
+        <p:nvSpPr>
+          <p:cNvPr id="5" name="日期版面配置區 4"/>
+          <p:cNvSpPr>
+            <a:spLocks noGrp="1"/>
+          </p:cNvSpPr>
+          <p:nvPr>
+            <p:ph type="dt" sz="half" idx="10"/>
+          </p:nvPr>
+        </p:nvSpPr>
+        <p:spPr/>
+        <p:txBody>
+          <a:bodyPr rtlCol="0"/>
+          <a:lstStyle/>
+          <a:p>
+            <a:fld id="{8737B4F4-F1D3-43E2-B425-0E71FA0E012F}" type="datetimeFigureOut">
+              <a:rPr lang="zh-TW" altLang="en-US" smtClean="0"/>
+              <a:t>2020/5/3</a:t>
+            </a:fld>
+            <a:endParaRPr lang="zh-TW" altLang="en-US"/>
+          </a:p>
+        </p:txBody>
+      </p:sp>
+      <p:sp>
+        <p:nvSpPr>
+          <p:cNvPr id="6" name="頁尾版面配置區 5"/>
+          <p:cNvSpPr>
+            <a:spLocks noGrp="1"/>
+          </p:cNvSpPr>
+          <p:nvPr>
+            <p:ph type="ftr" sz="quarter" idx="11"/>
+          </p:nvPr>
+        </p:nvSpPr>
+        <p:spPr/>
+        <p:txBody>
+          <a:bodyPr rtlCol="0"/>
+          <a:lstStyle/>
+          <a:p>
+            <a:endParaRPr lang="zh-TW" altLang="en-US"/>
+          </a:p>
+        </p:txBody>
+      </p:sp>
+      <p:sp>
+        <p:nvSpPr>
+          <p:cNvPr id="7" name="投影片編號預留位置 6"/>
+          <p:cNvSpPr>
+            <a:spLocks noGrp="1"/>
+          </p:cNvSpPr>
+          <p:nvPr>
+            <p:ph type="sldNum" sz="quarter" idx="12"/>
+          </p:nvPr>
+        </p:nvSpPr>
+        <p:spPr/>
+        <p:txBody>
+          <a:bodyPr rtlCol="0"/>
+          <a:lstStyle/>
+          <a:p>
+            <a:fld id="{C111C88A-28B0-4C11-A1A5-4D9ACEAA0798}" type="slidenum">
+              <a:rPr lang="zh-TW" altLang="en-US" smtClean="0"/>
+              <a:t>‹#›</a:t>
+            </a:fld>
+            <a:endParaRPr lang="zh-TW" altLang="en-US"/>
+          </a:p>
+        </p:txBody>
+      </p:sp>
+    </p:spTree>
+    <p:extLst>
+      <p:ext uri="{BB962C8B-B14F-4D97-AF65-F5344CB8AC3E}">
+        <p14:creationId xmlns:p14="http://schemas.microsoft.com/office/powerpoint/2010/main" val="3900904538"/>
+      </p:ext>
+    </p:extLst>
+  </p:cSld>
+  <p:clrMapOvr>
+    <a:masterClrMapping/>
+  </p:clrMapOvr>
+</p:sldLayout>
+</file>
+
+<file path=ppt/slideLayouts/slideLayout12.xml><?xml version="1.0" encoding="utf-8"?>
+<p:sldLayout xmlns:a="http://schemas.openxmlformats.org/drawingml/2006/main" xmlns:r="http://schemas.openxmlformats.org/officeDocument/2006/relationships" xmlns:p="http://schemas.openxmlformats.org/presentationml/2006/main" preserve="1">
+  <p:cSld name="含標題的引述">
+    <p:spTree>
+      <p:nvGrpSpPr>
+        <p:cNvPr id="1" name=""/>
+        <p:cNvGrpSpPr/>
+        <p:nvPr/>
+      </p:nvGrpSpPr>
+      <p:grpSpPr>
+        <a:xfrm>
+          <a:off x="0" y="0"/>
+          <a:ext cx="0" cy="0"/>
+          <a:chOff x="0" y="0"/>
+          <a:chExt cx="0" cy="0"/>
+        </a:xfrm>
+      </p:grpSpPr>
+      <p:pic>
+        <p:nvPicPr>
+          <p:cNvPr id="11" name="圖片 10" descr="水滴-HD-內容-R1d.png"/>
+          <p:cNvPicPr>
+            <a:picLocks noChangeAspect="1"/>
+          </p:cNvPicPr>
+          <p:nvPr/>
+        </p:nvPicPr>
+        <p:blipFill>
+          <a:blip r:embed="rId2">
+            <a:extLst>
+              <a:ext uri="{28A0092B-C50C-407E-A947-70E740481C1C}">
+                <a14:useLocalDpi xmlns:a14="http://schemas.microsoft.com/office/drawing/2010/main" val="0"/>
+              </a:ext>
+            </a:extLst>
+          </a:blip>
+          <a:stretch>
+            <a:fillRect/>
+          </a:stretch>
+        </p:blipFill>
+        <p:spPr>
+          <a:xfrm>
+            <a:off x="0" y="0"/>
+            <a:ext cx="12192000" cy="6858000"/>
+          </a:xfrm>
+          <a:prstGeom prst="rect">
+            <a:avLst/>
+          </a:prstGeom>
+        </p:spPr>
+      </p:pic>
+      <p:sp>
+        <p:nvSpPr>
+          <p:cNvPr id="2" name="標題 1"/>
+          <p:cNvSpPr>
+            <a:spLocks noGrp="1"/>
+          </p:cNvSpPr>
+          <p:nvPr>
+            <p:ph type="title"/>
+          </p:nvPr>
+        </p:nvSpPr>
+        <p:spPr>
+          <a:xfrm>
+            <a:off x="1446212" y="609600"/>
+            <a:ext cx="9302752" cy="2992904"/>
+          </a:xfrm>
+        </p:spPr>
+        <p:txBody>
+          <a:bodyPr rtlCol="0" anchor="ctr"/>
+          <a:lstStyle>
+            <a:lvl1pPr>
+              <a:defRPr sz="3200">
+                <a:latin typeface="Microsoft JhengHei UI" panose="020B0604030504040204" pitchFamily="34" charset="-120"/>
+                <a:ea typeface="Microsoft JhengHei UI" panose="020B0604030504040204" pitchFamily="34" charset="-120"/>
+              </a:defRPr>
+            </a:lvl1pPr>
+          </a:lstStyle>
+          <a:p>
+            <a:pPr rtl="0"/>
+            <a:r>
+              <a:rPr lang="zh-TW" altLang="en-US" noProof="0"/>
+              <a:t>按一下以編輯母片標題樣式</a:t>
+            </a:r>
+            <a:endParaRPr lang="zh-TW" altLang="en-US" noProof="0" dirty="0"/>
+          </a:p>
+        </p:txBody>
+      </p:sp>
+      <p:sp>
+        <p:nvSpPr>
+          <p:cNvPr id="12" name="文字預留位置 3"/>
+          <p:cNvSpPr>
+            <a:spLocks noGrp="1"/>
+          </p:cNvSpPr>
+          <p:nvPr>
+            <p:ph type="body" sz="half" idx="13"/>
+          </p:nvPr>
+        </p:nvSpPr>
+        <p:spPr>
+          <a:xfrm>
+            <a:off x="1720644" y="3610032"/>
+            <a:ext cx="8752299" cy="594788"/>
+          </a:xfrm>
+        </p:spPr>
+        <p:txBody>
+          <a:bodyPr rtlCol="0" anchor="t">
+            <a:normAutofit/>
+          </a:bodyPr>
+          <a:lstStyle>
+            <a:lvl1pPr marL="0" indent="0">
+              <a:buNone/>
+              <a:defRPr sz="1400">
+                <a:latin typeface="Microsoft JhengHei UI" panose="020B0604030504040204" pitchFamily="34" charset="-120"/>
+                <a:ea typeface="Microsoft JhengHei UI" panose="020B0604030504040204" pitchFamily="34" charset="-120"/>
+              </a:defRPr>
+            </a:lvl1pPr>
+            <a:lvl2pPr marL="457200" indent="0">
+              <a:buNone/>
+              <a:defRPr sz="1400"/>
+            </a:lvl2pPr>
+            <a:lvl3pPr marL="914400" indent="0">
+              <a:buNone/>
+              <a:defRPr sz="1200"/>
+            </a:lvl3pPr>
+            <a:lvl4pPr marL="1371600" indent="0">
+              <a:buNone/>
+              <a:defRPr sz="1000"/>
+            </a:lvl4pPr>
+            <a:lvl5pPr marL="1828800" indent="0">
+              <a:buNone/>
+              <a:defRPr sz="1000"/>
+            </a:lvl5pPr>
+            <a:lvl6pPr marL="2286000" indent="0">
+              <a:buNone/>
+              <a:defRPr sz="1000"/>
+            </a:lvl6pPr>
+            <a:lvl7pPr marL="2743200" indent="0">
+              <a:buNone/>
+              <a:defRPr sz="1000"/>
+            </a:lvl7pPr>
+            <a:lvl8pPr marL="3200400" indent="0">
+              <a:buNone/>
+              <a:defRPr sz="1000"/>
+            </a:lvl8pPr>
+            <a:lvl9pPr marL="3657600" indent="0">
+              <a:buNone/>
+              <a:defRPr sz="1000"/>
+            </a:lvl9pPr>
+          </a:lstStyle>
+          <a:p>
+            <a:pPr lvl="0" rtl="0"/>
+            <a:r>
+              <a:rPr lang="zh-TW" altLang="en-US" noProof="0"/>
+              <a:t>按一下以編輯母片文字樣式</a:t>
+            </a:r>
+          </a:p>
+        </p:txBody>
+      </p:sp>
+      <p:sp>
+        <p:nvSpPr>
+          <p:cNvPr id="4" name="文字預留位置 3"/>
+          <p:cNvSpPr>
+            <a:spLocks noGrp="1"/>
+          </p:cNvSpPr>
+          <p:nvPr>
+            <p:ph type="body" sz="half" idx="2"/>
+          </p:nvPr>
+        </p:nvSpPr>
+        <p:spPr>
+          <a:xfrm>
+            <a:off x="913774" y="4372796"/>
+            <a:ext cx="10364452" cy="1421053"/>
+          </a:xfrm>
+        </p:spPr>
+        <p:txBody>
+          <a:bodyPr rtlCol="0" anchor="ctr">
+            <a:normAutofit/>
+          </a:bodyPr>
+          <a:lstStyle>
+            <a:lvl1pPr marL="0" indent="0" algn="ctr">
+              <a:buNone/>
+              <a:defRPr sz="1600">
+                <a:latin typeface="Microsoft JhengHei UI" panose="020B0604030504040204" pitchFamily="34" charset="-120"/>
+                <a:ea typeface="Microsoft JhengHei UI" panose="020B0604030504040204" pitchFamily="34" charset="-120"/>
+              </a:defRPr>
+            </a:lvl1pPr>
+            <a:lvl2pPr marL="457200" indent="0">
+              <a:buNone/>
+              <a:defRPr sz="1400"/>
+            </a:lvl2pPr>
+            <a:lvl3pPr marL="914400" indent="0">
+              <a:buNone/>
+              <a:defRPr sz="1200"/>
+            </a:lvl3pPr>
+            <a:lvl4pPr marL="1371600" indent="0">
+              <a:buNone/>
+              <a:defRPr sz="1000"/>
+            </a:lvl4pPr>
+            <a:lvl5pPr marL="1828800" indent="0">
+              <a:buNone/>
+              <a:defRPr sz="1000"/>
+            </a:lvl5pPr>
+            <a:lvl6pPr marL="2286000" indent="0">
+              <a:buNone/>
+              <a:defRPr sz="1000"/>
+            </a:lvl6pPr>
+            <a:lvl7pPr marL="2743200" indent="0">
+              <a:buNone/>
+              <a:defRPr sz="1000"/>
+            </a:lvl7pPr>
+            <a:lvl8pPr marL="3200400" indent="0">
+              <a:buNone/>
+              <a:defRPr sz="1000"/>
+            </a:lvl8pPr>
+            <a:lvl9pPr marL="3657600" indent="0">
+              <a:buNone/>
+              <a:defRPr sz="1000"/>
+            </a:lvl9pPr>
+          </a:lstStyle>
+          <a:p>
+            <a:pPr lvl="0" rtl="0"/>
+            <a:r>
+              <a:rPr lang="zh-TW" altLang="en-US" noProof="0"/>
+              <a:t>按一下以編輯母片文字樣式</a:t>
+            </a:r>
+          </a:p>
+        </p:txBody>
+      </p:sp>
+      <p:sp>
+        <p:nvSpPr>
+          <p:cNvPr id="5" name="日期版面配置區 4"/>
+          <p:cNvSpPr>
+            <a:spLocks noGrp="1"/>
+          </p:cNvSpPr>
+          <p:nvPr>
+            <p:ph type="dt" sz="half" idx="10"/>
+          </p:nvPr>
+        </p:nvSpPr>
+        <p:spPr/>
+        <p:txBody>
+          <a:bodyPr rtlCol="0"/>
+          <a:lstStyle>
+            <a:lvl1pPr>
+              <a:defRPr>
+                <a:latin typeface="Microsoft JhengHei UI" panose="020B0604030504040204" pitchFamily="34" charset="-120"/>
+                <a:ea typeface="Microsoft JhengHei UI" panose="020B0604030504040204" pitchFamily="34" charset="-120"/>
+              </a:defRPr>
+            </a:lvl1pPr>
+          </a:lstStyle>
+          <a:p>
+            <a:fld id="{8737B4F4-F1D3-43E2-B425-0E71FA0E012F}" type="datetimeFigureOut">
+              <a:rPr lang="zh-TW" altLang="en-US" smtClean="0"/>
+              <a:t>2020/5/3</a:t>
+            </a:fld>
+            <a:endParaRPr lang="zh-TW" altLang="en-US"/>
+          </a:p>
+        </p:txBody>
+      </p:sp>
+      <p:sp>
+        <p:nvSpPr>
+          <p:cNvPr id="6" name="頁尾版面配置區 5"/>
+          <p:cNvSpPr>
+            <a:spLocks noGrp="1"/>
+          </p:cNvSpPr>
+          <p:nvPr>
+            <p:ph type="ftr" sz="quarter" idx="11"/>
+          </p:nvPr>
+        </p:nvSpPr>
+        <p:spPr/>
+        <p:txBody>
+          <a:bodyPr rtlCol="0"/>
+          <a:lstStyle>
+            <a:lvl1pPr>
+              <a:defRPr>
+                <a:latin typeface="Microsoft JhengHei UI" panose="020B0604030504040204" pitchFamily="34" charset="-120"/>
+                <a:ea typeface="Microsoft JhengHei UI" panose="020B0604030504040204" pitchFamily="34" charset="-120"/>
+              </a:defRPr>
+            </a:lvl1pPr>
+          </a:lstStyle>
+          <a:p>
+            <a:endParaRPr lang="zh-TW" altLang="en-US"/>
+          </a:p>
+        </p:txBody>
+      </p:sp>
+      <p:sp>
+        <p:nvSpPr>
+          <p:cNvPr id="7" name="投影片編號預留位置 6"/>
+          <p:cNvSpPr>
+            <a:spLocks noGrp="1"/>
+          </p:cNvSpPr>
+          <p:nvPr>
+            <p:ph type="sldNum" sz="quarter" idx="12"/>
+          </p:nvPr>
+        </p:nvSpPr>
+        <p:spPr/>
+        <p:txBody>
+          <a:bodyPr rtlCol="0"/>
+          <a:lstStyle>
+            <a:lvl1pPr>
+              <a:defRPr>
+                <a:latin typeface="Microsoft JhengHei UI" panose="020B0604030504040204" pitchFamily="34" charset="-120"/>
+                <a:ea typeface="Microsoft JhengHei UI" panose="020B0604030504040204" pitchFamily="34" charset="-120"/>
+              </a:defRPr>
+            </a:lvl1pPr>
+          </a:lstStyle>
+          <a:p>
+            <a:fld id="{C111C88A-28B0-4C11-A1A5-4D9ACEAA0798}" type="slidenum">
+              <a:rPr lang="zh-TW" altLang="en-US" smtClean="0"/>
+              <a:t>‹#›</a:t>
+            </a:fld>
+            <a:endParaRPr lang="zh-TW" altLang="en-US"/>
+          </a:p>
+        </p:txBody>
+      </p:sp>
+      <p:sp>
+        <p:nvSpPr>
+          <p:cNvPr id="13" name="文字方塊 12"/>
+          <p:cNvSpPr txBox="1"/>
+          <p:nvPr/>
+        </p:nvSpPr>
+        <p:spPr>
+          <a:xfrm>
+            <a:off x="1001488" y="754166"/>
+            <a:ext cx="609600" cy="584776"/>
+          </a:xfrm>
+          <a:prstGeom prst="rect">
+            <a:avLst/>
+          </a:prstGeom>
+        </p:spPr>
+        <p:txBody>
+          <a:bodyPr vert="horz" lIns="91440" tIns="45720" rIns="91440" bIns="45720" rtlCol="0" anchor="ctr">
+            <a:noAutofit/>
+          </a:bodyPr>
+          <a:lstStyle>
+            <a:lvl1pPr>
+              <a:spcBef>
+                <a:spcPct val="0"/>
+              </a:spcBef>
+              <a:buNone/>
+              <a:defRPr sz="3200" b="0" cap="all">
+                <a:ln w="3175" cmpd="sng">
+                  <a:noFill/>
+                </a:ln>
+                <a:effectLst>
+                  <a:glow rad="38100">
+                    <a:schemeClr val="bg1">
+                      <a:lumMod val="65000"/>
+                      <a:lumOff val="35000"/>
+                      <a:alpha val="40000"/>
+                    </a:schemeClr>
+                  </a:glow>
+                  <a:outerShdw blurRad="28575" dist="38100" dir="14040000" algn="tl" rotWithShape="0">
+                    <a:srgbClr val="000000">
+                      <a:alpha val="25000"/>
+                    </a:srgbClr>
+                  </a:outerShdw>
+                </a:effectLst>
+              </a:defRPr>
+            </a:lvl1pPr>
+            <a:lvl2pPr>
+              <a:defRPr>
+                <a:solidFill>
+                  <a:schemeClr val="tx2"/>
+                </a:solidFill>
+              </a:defRPr>
+            </a:lvl2pPr>
+            <a:lvl3pPr>
+              <a:defRPr>
+                <a:solidFill>
+                  <a:schemeClr val="tx2"/>
+                </a:solidFill>
+              </a:defRPr>
+            </a:lvl3pPr>
+            <a:lvl4pPr>
+              <a:defRPr>
+                <a:solidFill>
+                  <a:schemeClr val="tx2"/>
+                </a:solidFill>
+              </a:defRPr>
+            </a:lvl4pPr>
+            <a:lvl5pPr>
+              <a:defRPr>
+                <a:solidFill>
+                  <a:schemeClr val="tx2"/>
+                </a:solidFill>
+              </a:defRPr>
+            </a:lvl5pPr>
+            <a:lvl6pPr>
+              <a:defRPr>
+                <a:solidFill>
+                  <a:schemeClr val="tx2"/>
+                </a:solidFill>
+              </a:defRPr>
+            </a:lvl6pPr>
+            <a:lvl7pPr>
+              <a:defRPr>
+                <a:solidFill>
+                  <a:schemeClr val="tx2"/>
+                </a:solidFill>
+              </a:defRPr>
+            </a:lvl7pPr>
+            <a:lvl8pPr>
+              <a:defRPr>
+                <a:solidFill>
+                  <a:schemeClr val="tx2"/>
+                </a:solidFill>
+              </a:defRPr>
+            </a:lvl8pPr>
+            <a:lvl9pPr>
+              <a:defRPr>
+                <a:solidFill>
+                  <a:schemeClr val="tx2"/>
+                </a:solidFill>
+              </a:defRPr>
+            </a:lvl9pPr>
+          </a:lstStyle>
+          <a:p>
+            <a:pPr lvl="0" rtl="0"/>
+            <a:r>
+              <a:rPr lang="zh-TW" altLang="en-US" sz="8000" noProof="0" dirty="0">
+                <a:solidFill>
+                  <a:schemeClr val="tx1"/>
+                </a:solidFill>
+                <a:effectLst/>
+                <a:latin typeface="Microsoft JhengHei UI" panose="020B0604030504040204" pitchFamily="34" charset="-120"/>
+                <a:ea typeface="Microsoft JhengHei UI" panose="020B0604030504040204" pitchFamily="34" charset="-120"/>
+              </a:rPr>
+              <a:t>“</a:t>
+            </a:r>
+          </a:p>
+        </p:txBody>
+      </p:sp>
+      <p:sp>
+        <p:nvSpPr>
+          <p:cNvPr id="14" name="文字方塊 13"/>
+          <p:cNvSpPr txBox="1"/>
+          <p:nvPr/>
+        </p:nvSpPr>
+        <p:spPr>
+          <a:xfrm>
+            <a:off x="10557558" y="2993578"/>
+            <a:ext cx="609600" cy="584776"/>
+          </a:xfrm>
+          <a:prstGeom prst="rect">
+            <a:avLst/>
+          </a:prstGeom>
+        </p:spPr>
+        <p:txBody>
+          <a:bodyPr vert="horz" lIns="91440" tIns="45720" rIns="91440" bIns="45720" rtlCol="0" anchor="ctr">
+            <a:noAutofit/>
+          </a:bodyPr>
+          <a:lstStyle>
+            <a:lvl1pPr>
+              <a:spcBef>
+                <a:spcPct val="0"/>
+              </a:spcBef>
+              <a:buNone/>
+              <a:defRPr sz="3200" b="0" cap="all">
+                <a:ln w="3175" cmpd="sng">
+                  <a:noFill/>
+                </a:ln>
+                <a:effectLst>
+                  <a:glow rad="38100">
+                    <a:schemeClr val="bg1">
+                      <a:lumMod val="65000"/>
+                      <a:lumOff val="35000"/>
+                      <a:alpha val="40000"/>
+                    </a:schemeClr>
+                  </a:glow>
+                  <a:outerShdw blurRad="28575" dist="38100" dir="14040000" algn="tl" rotWithShape="0">
+                    <a:srgbClr val="000000">
+                      <a:alpha val="25000"/>
+                    </a:srgbClr>
+                  </a:outerShdw>
+                </a:effectLst>
+              </a:defRPr>
+            </a:lvl1pPr>
+            <a:lvl2pPr>
+              <a:defRPr>
+                <a:solidFill>
+                  <a:schemeClr val="tx2"/>
+                </a:solidFill>
+              </a:defRPr>
+            </a:lvl2pPr>
+            <a:lvl3pPr>
+              <a:defRPr>
+                <a:solidFill>
+                  <a:schemeClr val="tx2"/>
+                </a:solidFill>
+              </a:defRPr>
+            </a:lvl3pPr>
+            <a:lvl4pPr>
+              <a:defRPr>
+                <a:solidFill>
+                  <a:schemeClr val="tx2"/>
+                </a:solidFill>
+              </a:defRPr>
+            </a:lvl4pPr>
+            <a:lvl5pPr>
+              <a:defRPr>
+                <a:solidFill>
+                  <a:schemeClr val="tx2"/>
+                </a:solidFill>
+              </a:defRPr>
+            </a:lvl5pPr>
+            <a:lvl6pPr>
+              <a:defRPr>
+                <a:solidFill>
+                  <a:schemeClr val="tx2"/>
+                </a:solidFill>
+              </a:defRPr>
+            </a:lvl6pPr>
+            <a:lvl7pPr>
+              <a:defRPr>
+                <a:solidFill>
+                  <a:schemeClr val="tx2"/>
+                </a:solidFill>
+              </a:defRPr>
+            </a:lvl7pPr>
+            <a:lvl8pPr>
+              <a:defRPr>
+                <a:solidFill>
+                  <a:schemeClr val="tx2"/>
+                </a:solidFill>
+              </a:defRPr>
+            </a:lvl8pPr>
+            <a:lvl9pPr>
+              <a:defRPr>
+                <a:solidFill>
+                  <a:schemeClr val="tx2"/>
+                </a:solidFill>
+              </a:defRPr>
+            </a:lvl9pPr>
+          </a:lstStyle>
+          <a:p>
+            <a:pPr lvl="0" algn="r" rtl="0"/>
+            <a:r>
+              <a:rPr lang="zh-TW" altLang="en-US" sz="8000" noProof="0" dirty="0">
+                <a:solidFill>
+                  <a:schemeClr val="tx1"/>
+                </a:solidFill>
+                <a:effectLst/>
+                <a:latin typeface="Microsoft JhengHei UI" panose="020B0604030504040204" pitchFamily="34" charset="-120"/>
+                <a:ea typeface="Microsoft JhengHei UI" panose="020B0604030504040204" pitchFamily="34" charset="-120"/>
+              </a:rPr>
+              <a:t>”</a:t>
+            </a:r>
+          </a:p>
+        </p:txBody>
+      </p:sp>
+    </p:spTree>
+    <p:extLst>
+      <p:ext uri="{BB962C8B-B14F-4D97-AF65-F5344CB8AC3E}">
+        <p14:creationId xmlns:p14="http://schemas.microsoft.com/office/powerpoint/2010/main" val="3320559260"/>
+      </p:ext>
+    </p:extLst>
+  </p:cSld>
+  <p:clrMapOvr>
+    <a:masterClrMapping/>
+  </p:clrMapOvr>
+</p:sldLayout>
+</file>
+
+<file path=ppt/slideLayouts/slideLayout13.xml><?xml version="1.0" encoding="utf-8"?>
+<p:sldLayout xmlns:a="http://schemas.openxmlformats.org/drawingml/2006/main" xmlns:r="http://schemas.openxmlformats.org/officeDocument/2006/relationships" xmlns:p="http://schemas.openxmlformats.org/presentationml/2006/main" preserve="1">
+  <p:cSld name="名片">
+    <p:spTree>
+      <p:nvGrpSpPr>
+        <p:cNvPr id="1" name=""/>
+        <p:cNvGrpSpPr/>
+        <p:nvPr/>
+      </p:nvGrpSpPr>
+      <p:grpSpPr>
+        <a:xfrm>
+          <a:off x="0" y="0"/>
+          <a:ext cx="0" cy="0"/>
+          <a:chOff x="0" y="0"/>
+          <a:chExt cx="0" cy="0"/>
+        </a:xfrm>
+      </p:grpSpPr>
+      <p:pic>
+        <p:nvPicPr>
+          <p:cNvPr id="8" name="圖片 7" descr="水滴-HD-內容-R1d.png"/>
+          <p:cNvPicPr>
+            <a:picLocks noChangeAspect="1"/>
+          </p:cNvPicPr>
+          <p:nvPr/>
+        </p:nvPicPr>
+        <p:blipFill>
+          <a:blip r:embed="rId2">
+            <a:extLst>
+              <a:ext uri="{28A0092B-C50C-407E-A947-70E740481C1C}">
+                <a14:useLocalDpi xmlns:a14="http://schemas.microsoft.com/office/drawing/2010/main" val="0"/>
+              </a:ext>
+            </a:extLst>
+          </a:blip>
+          <a:stretch>
+            <a:fillRect/>
+          </a:stretch>
+        </p:blipFill>
+        <p:spPr>
+          <a:xfrm>
+            <a:off x="0" y="0"/>
+            <a:ext cx="12192000" cy="6858000"/>
+          </a:xfrm>
+          <a:prstGeom prst="rect">
+            <a:avLst/>
+          </a:prstGeom>
+        </p:spPr>
+      </p:pic>
+      <p:sp>
+        <p:nvSpPr>
+          <p:cNvPr id="2" name="標題 1"/>
+          <p:cNvSpPr>
+            <a:spLocks noGrp="1"/>
+          </p:cNvSpPr>
+          <p:nvPr>
+            <p:ph type="title"/>
+          </p:nvPr>
+        </p:nvSpPr>
+        <p:spPr>
+          <a:xfrm>
+            <a:off x="913775" y="2138721"/>
+            <a:ext cx="10364452" cy="2511835"/>
+          </a:xfrm>
+        </p:spPr>
+        <p:txBody>
+          <a:bodyPr rtlCol="0" anchor="b"/>
+          <a:lstStyle>
+            <a:lvl1pPr algn="ctr">
+              <a:defRPr sz="3200"/>
+            </a:lvl1pPr>
+          </a:lstStyle>
+          <a:p>
+            <a:pPr rtl="0"/>
+            <a:r>
+              <a:rPr lang="zh-TW" altLang="en-US" noProof="0"/>
+              <a:t>按一下以編輯母片標題樣式</a:t>
+            </a:r>
+            <a:endParaRPr lang="zh-TW" altLang="en-US" noProof="0" dirty="0"/>
+          </a:p>
+        </p:txBody>
+      </p:sp>
+      <p:sp>
+        <p:nvSpPr>
+          <p:cNvPr id="4" name="文字預留位置 3"/>
+          <p:cNvSpPr>
+            <a:spLocks noGrp="1"/>
+          </p:cNvSpPr>
+          <p:nvPr>
+            <p:ph type="body" sz="half" idx="2"/>
+          </p:nvPr>
+        </p:nvSpPr>
+        <p:spPr>
+          <a:xfrm>
+            <a:off x="913775" y="4662335"/>
+            <a:ext cx="10364452" cy="1140644"/>
+          </a:xfrm>
+        </p:spPr>
+        <p:txBody>
+          <a:bodyPr rtlCol="0" anchor="t"/>
+          <a:lstStyle>
+            <a:lvl1pPr marL="0" indent="0" algn="ctr">
+              <a:buNone/>
+              <a:defRPr sz="1600"/>
+            </a:lvl1pPr>
+            <a:lvl2pPr marL="457200" indent="0">
+              <a:buNone/>
+              <a:defRPr sz="1400"/>
+            </a:lvl2pPr>
+            <a:lvl3pPr marL="914400" indent="0">
+              <a:buNone/>
+              <a:defRPr sz="1200"/>
+            </a:lvl3pPr>
+            <a:lvl4pPr marL="1371600" indent="0">
+              <a:buNone/>
+              <a:defRPr sz="1000"/>
+            </a:lvl4pPr>
+            <a:lvl5pPr marL="1828800" indent="0">
+              <a:buNone/>
+              <a:defRPr sz="1000"/>
+            </a:lvl5pPr>
+            <a:lvl6pPr marL="2286000" indent="0">
+              <a:buNone/>
+              <a:defRPr sz="1000"/>
+            </a:lvl6pPr>
+            <a:lvl7pPr marL="2743200" indent="0">
+              <a:buNone/>
+              <a:defRPr sz="1000"/>
+            </a:lvl7pPr>
+            <a:lvl8pPr marL="3200400" indent="0">
+              <a:buNone/>
+              <a:defRPr sz="1000"/>
+            </a:lvl8pPr>
+            <a:lvl9pPr marL="3657600" indent="0">
+              <a:buNone/>
+              <a:defRPr sz="1000"/>
+            </a:lvl9pPr>
+          </a:lstStyle>
+          <a:p>
+            <a:pPr lvl="0" rtl="0"/>
+            <a:r>
+              <a:rPr lang="zh-TW" altLang="en-US" noProof="0"/>
+              <a:t>按一下以編輯母片文字樣式</a:t>
+            </a:r>
+          </a:p>
+        </p:txBody>
+      </p:sp>
+      <p:sp>
+        <p:nvSpPr>
+          <p:cNvPr id="5" name="日期版面配置區 4"/>
+          <p:cNvSpPr>
+            <a:spLocks noGrp="1"/>
+          </p:cNvSpPr>
+          <p:nvPr>
+            <p:ph type="dt" sz="half" idx="10"/>
+          </p:nvPr>
+        </p:nvSpPr>
+        <p:spPr/>
+        <p:txBody>
+          <a:bodyPr rtlCol="0"/>
+          <a:lstStyle/>
+          <a:p>
+            <a:fld id="{8737B4F4-F1D3-43E2-B425-0E71FA0E012F}" type="datetimeFigureOut">
+              <a:rPr lang="zh-TW" altLang="en-US" smtClean="0"/>
+              <a:t>2020/5/3</a:t>
+            </a:fld>
+            <a:endParaRPr lang="zh-TW" altLang="en-US"/>
+          </a:p>
+        </p:txBody>
+      </p:sp>
+      <p:sp>
+        <p:nvSpPr>
+          <p:cNvPr id="6" name="頁尾版面配置區 5"/>
+          <p:cNvSpPr>
+            <a:spLocks noGrp="1"/>
+          </p:cNvSpPr>
+          <p:nvPr>
+            <p:ph type="ftr" sz="quarter" idx="11"/>
+          </p:nvPr>
+        </p:nvSpPr>
+        <p:spPr/>
+        <p:txBody>
+          <a:bodyPr rtlCol="0"/>
+          <a:lstStyle/>
+          <a:p>
+            <a:endParaRPr lang="zh-TW" altLang="en-US"/>
+          </a:p>
+        </p:txBody>
+      </p:sp>
+      <p:sp>
+        <p:nvSpPr>
+          <p:cNvPr id="7" name="投影片編號預留位置 6"/>
+          <p:cNvSpPr>
+            <a:spLocks noGrp="1"/>
+          </p:cNvSpPr>
+          <p:nvPr>
+            <p:ph type="sldNum" sz="quarter" idx="12"/>
+          </p:nvPr>
+        </p:nvSpPr>
+        <p:spPr/>
+        <p:txBody>
+          <a:bodyPr rtlCol="0"/>
+          <a:lstStyle/>
+          <a:p>
+            <a:fld id="{C111C88A-28B0-4C11-A1A5-4D9ACEAA0798}" type="slidenum">
+              <a:rPr lang="zh-TW" altLang="en-US" smtClean="0"/>
+              <a:t>‹#›</a:t>
+            </a:fld>
+            <a:endParaRPr lang="zh-TW" altLang="en-US"/>
+          </a:p>
+        </p:txBody>
+      </p:sp>
+    </p:spTree>
+    <p:extLst>
+      <p:ext uri="{BB962C8B-B14F-4D97-AF65-F5344CB8AC3E}">
+        <p14:creationId xmlns:p14="http://schemas.microsoft.com/office/powerpoint/2010/main" val="2551060493"/>
+      </p:ext>
+    </p:extLst>
+  </p:cSld>
+  <p:clrMapOvr>
+    <a:masterClrMapping/>
+  </p:clrMapOvr>
+</p:sldLayout>
+</file>
+
+<file path=ppt/slideLayouts/slideLayout14.xml><?xml version="1.0" encoding="utf-8"?>
+<p:sldLayout xmlns:a="http://schemas.openxmlformats.org/drawingml/2006/main" xmlns:r="http://schemas.openxmlformats.org/officeDocument/2006/relationships" xmlns:p="http://schemas.openxmlformats.org/presentationml/2006/main" preserve="1">
+  <p:cSld name="3 欄">
+    <p:spTree>
+      <p:nvGrpSpPr>
+        <p:cNvPr id="1" name=""/>
+        <p:cNvGrpSpPr/>
+        <p:nvPr/>
+      </p:nvGrpSpPr>
+      <p:grpSpPr>
+        <a:xfrm>
+          <a:off x="0" y="0"/>
+          <a:ext cx="0" cy="0"/>
+          <a:chOff x="0" y="0"/>
+          <a:chExt cx="0" cy="0"/>
+        </a:xfrm>
+      </p:grpSpPr>
+      <p:pic>
+        <p:nvPicPr>
+          <p:cNvPr id="13" name="圖片 12" descr="水滴-HD-內容-R1d.png"/>
+          <p:cNvPicPr>
+            <a:picLocks noChangeAspect="1"/>
+          </p:cNvPicPr>
+          <p:nvPr/>
+        </p:nvPicPr>
+        <p:blipFill>
+          <a:blip r:embed="rId2">
+            <a:extLst>
+              <a:ext uri="{28A0092B-C50C-407E-A947-70E740481C1C}">
+                <a14:useLocalDpi xmlns:a14="http://schemas.microsoft.com/office/drawing/2010/main" val="0"/>
+              </a:ext>
+            </a:extLst>
+          </a:blip>
+          <a:stretch>
+            <a:fillRect/>
+          </a:stretch>
+        </p:blipFill>
+        <p:spPr>
+          <a:xfrm>
+            <a:off x="0" y="0"/>
+            <a:ext cx="12192000" cy="6858000"/>
+          </a:xfrm>
+          <a:prstGeom prst="rect">
+            <a:avLst/>
+          </a:prstGeom>
+        </p:spPr>
+      </p:pic>
+      <p:sp>
+        <p:nvSpPr>
+          <p:cNvPr id="15" name="標題 1"/>
+          <p:cNvSpPr>
+            <a:spLocks noGrp="1"/>
+          </p:cNvSpPr>
+          <p:nvPr>
+            <p:ph type="title"/>
+          </p:nvPr>
+        </p:nvSpPr>
+        <p:spPr>
+          <a:xfrm>
+            <a:off x="913774" y="609600"/>
+            <a:ext cx="10364452" cy="1605094"/>
+          </a:xfrm>
+        </p:spPr>
+        <p:txBody>
+          <a:bodyPr rtlCol="0"/>
+          <a:lstStyle/>
+          <a:p>
+            <a:pPr rtl="0"/>
+            <a:r>
+              <a:rPr lang="zh-TW" altLang="en-US" noProof="0"/>
+              <a:t>按一下以編輯母片標題樣式</a:t>
+            </a:r>
+            <a:endParaRPr lang="zh-TW" altLang="en-US" noProof="0" dirty="0"/>
+          </a:p>
+        </p:txBody>
+      </p:sp>
+      <p:sp>
+        <p:nvSpPr>
+          <p:cNvPr id="7" name="文字預留位置 2"/>
+          <p:cNvSpPr>
+            <a:spLocks noGrp="1"/>
+          </p:cNvSpPr>
+          <p:nvPr>
+            <p:ph type="body" idx="1"/>
+          </p:nvPr>
+        </p:nvSpPr>
+        <p:spPr>
+          <a:xfrm>
+            <a:off x="913774" y="2367093"/>
+            <a:ext cx="3298976" cy="576262"/>
+          </a:xfrm>
+        </p:spPr>
+        <p:txBody>
+          <a:bodyPr rtlCol="0" anchor="b">
+            <a:noAutofit/>
+          </a:bodyPr>
+          <a:lstStyle>
+            <a:lvl1pPr marL="0" indent="0" algn="ctr">
+              <a:lnSpc>
+                <a:spcPct val="85000"/>
+              </a:lnSpc>
+              <a:buNone/>
+              <a:defRPr sz="2400" b="0">
+                <a:solidFill>
+                  <a:schemeClr val="tx1"/>
+                </a:solidFill>
+              </a:defRPr>
+            </a:lvl1pPr>
+            <a:lvl2pPr marL="457200" indent="0">
+              <a:buNone/>
+              <a:defRPr sz="2000" b="1"/>
+            </a:lvl2pPr>
+            <a:lvl3pPr marL="914400" indent="0">
+              <a:buNone/>
+              <a:defRPr sz="1800" b="1"/>
+            </a:lvl3pPr>
+            <a:lvl4pPr marL="1371600" indent="0">
+              <a:buNone/>
+              <a:defRPr sz="1600" b="1"/>
+            </a:lvl4pPr>
+            <a:lvl5pPr marL="1828800" indent="0">
+              <a:buNone/>
+              <a:defRPr sz="1600" b="1"/>
+            </a:lvl5pPr>
+            <a:lvl6pPr marL="2286000" indent="0">
+              <a:buNone/>
+              <a:defRPr sz="1600" b="1"/>
+            </a:lvl6pPr>
+            <a:lvl7pPr marL="2743200" indent="0">
+              <a:buNone/>
+              <a:defRPr sz="1600" b="1"/>
+            </a:lvl7pPr>
+            <a:lvl8pPr marL="3200400" indent="0">
+              <a:buNone/>
+              <a:defRPr sz="1600" b="1"/>
+            </a:lvl8pPr>
+            <a:lvl9pPr marL="3657600" indent="0">
+              <a:buNone/>
+              <a:defRPr sz="1600" b="1"/>
+            </a:lvl9pPr>
+          </a:lstStyle>
+          <a:p>
+            <a:pPr lvl="0" rtl="0"/>
+            <a:r>
+              <a:rPr lang="zh-TW" altLang="en-US" noProof="0"/>
+              <a:t>按一下以編輯母片文字樣式</a:t>
+            </a:r>
+          </a:p>
+        </p:txBody>
+      </p:sp>
+      <p:sp>
+        <p:nvSpPr>
+          <p:cNvPr id="8" name="文字預留位置 3"/>
+          <p:cNvSpPr>
+            <a:spLocks noGrp="1"/>
+          </p:cNvSpPr>
+          <p:nvPr>
+            <p:ph type="body" sz="half" idx="15"/>
+          </p:nvPr>
+        </p:nvSpPr>
+        <p:spPr>
+          <a:xfrm>
+            <a:off x="913774" y="2943355"/>
+            <a:ext cx="3298976" cy="2847845"/>
+          </a:xfrm>
+        </p:spPr>
+        <p:txBody>
+          <a:bodyPr rtlCol="0" anchor="t">
+            <a:normAutofit/>
+          </a:bodyPr>
+          <a:lstStyle>
+            <a:lvl1pPr marL="0" indent="0" algn="ctr">
+              <a:buNone/>
+              <a:defRPr sz="1400"/>
+            </a:lvl1pPr>
+            <a:lvl2pPr marL="457200" indent="0">
+              <a:buNone/>
+              <a:defRPr sz="1200"/>
+            </a:lvl2pPr>
+            <a:lvl3pPr marL="914400" indent="0">
+              <a:buNone/>
+              <a:defRPr sz="1000"/>
+            </a:lvl3pPr>
+            <a:lvl4pPr marL="1371600" indent="0">
+              <a:buNone/>
+              <a:defRPr sz="900"/>
+            </a:lvl4pPr>
+            <a:lvl5pPr marL="1828800" indent="0">
+              <a:buNone/>
+              <a:defRPr sz="900"/>
+            </a:lvl5pPr>
+            <a:lvl6pPr marL="2286000" indent="0">
+              <a:buNone/>
+              <a:defRPr sz="900"/>
+            </a:lvl6pPr>
+            <a:lvl7pPr marL="2743200" indent="0">
+              <a:buNone/>
+              <a:defRPr sz="900"/>
+            </a:lvl7pPr>
+            <a:lvl8pPr marL="3200400" indent="0">
+              <a:buNone/>
+              <a:defRPr sz="900"/>
+            </a:lvl8pPr>
+            <a:lvl9pPr marL="3657600" indent="0">
+              <a:buNone/>
+              <a:defRPr sz="900"/>
+            </a:lvl9pPr>
+          </a:lstStyle>
+          <a:p>
+            <a:pPr lvl="0" rtl="0"/>
+            <a:r>
+              <a:rPr lang="zh-TW" altLang="en-US" noProof="0"/>
+              <a:t>按一下以編輯母片文字樣式</a:t>
+            </a:r>
+          </a:p>
+        </p:txBody>
+      </p:sp>
+      <p:sp>
+        <p:nvSpPr>
+          <p:cNvPr id="9" name="文字預留位置 4"/>
+          <p:cNvSpPr>
+            <a:spLocks noGrp="1"/>
+          </p:cNvSpPr>
+          <p:nvPr>
+            <p:ph type="body" sz="quarter" idx="3"/>
+          </p:nvPr>
+        </p:nvSpPr>
+        <p:spPr>
+          <a:xfrm>
+            <a:off x="4452389" y="2367093"/>
+            <a:ext cx="3291521" cy="576262"/>
+          </a:xfrm>
+        </p:spPr>
+        <p:txBody>
+          <a:bodyPr rtlCol="0" anchor="b">
+            <a:noAutofit/>
+          </a:bodyPr>
+          <a:lstStyle>
+            <a:lvl1pPr marL="0" indent="0" algn="ctr">
+              <a:lnSpc>
+                <a:spcPct val="85000"/>
+              </a:lnSpc>
+              <a:buNone/>
+              <a:defRPr sz="2400" b="0">
+                <a:solidFill>
+                  <a:schemeClr val="tx1"/>
+                </a:solidFill>
+              </a:defRPr>
+            </a:lvl1pPr>
+            <a:lvl2pPr marL="457200" indent="0">
+              <a:buNone/>
+              <a:defRPr sz="2000" b="1"/>
+            </a:lvl2pPr>
+            <a:lvl3pPr marL="914400" indent="0">
+              <a:buNone/>
+              <a:defRPr sz="1800" b="1"/>
+            </a:lvl3pPr>
+            <a:lvl4pPr marL="1371600" indent="0">
+              <a:buNone/>
+              <a:defRPr sz="1600" b="1"/>
+            </a:lvl4pPr>
+            <a:lvl5pPr marL="1828800" indent="0">
+              <a:buNone/>
+              <a:defRPr sz="1600" b="1"/>
+            </a:lvl5pPr>
+            <a:lvl6pPr marL="2286000" indent="0">
+              <a:buNone/>
+              <a:defRPr sz="1600" b="1"/>
+            </a:lvl6pPr>
+            <a:lvl7pPr marL="2743200" indent="0">
+              <a:buNone/>
+              <a:defRPr sz="1600" b="1"/>
+            </a:lvl7pPr>
+            <a:lvl8pPr marL="3200400" indent="0">
+              <a:buNone/>
+              <a:defRPr sz="1600" b="1"/>
+            </a:lvl8pPr>
+            <a:lvl9pPr marL="3657600" indent="0">
+              <a:buNone/>
+              <a:defRPr sz="1600" b="1"/>
+            </a:lvl9pPr>
+          </a:lstStyle>
+          <a:p>
+            <a:pPr lvl="0" rtl="0"/>
+            <a:r>
+              <a:rPr lang="zh-TW" altLang="en-US" noProof="0"/>
+              <a:t>按一下以編輯母片文字樣式</a:t>
+            </a:r>
+          </a:p>
+        </p:txBody>
+      </p:sp>
+      <p:sp>
+        <p:nvSpPr>
+          <p:cNvPr id="10" name="文字預留位置 3"/>
+          <p:cNvSpPr>
+            <a:spLocks noGrp="1"/>
+          </p:cNvSpPr>
+          <p:nvPr>
+            <p:ph type="body" sz="half" idx="16"/>
+          </p:nvPr>
+        </p:nvSpPr>
+        <p:spPr>
+          <a:xfrm>
+            <a:off x="4441348" y="2943355"/>
+            <a:ext cx="3303351" cy="2847845"/>
+          </a:xfrm>
+        </p:spPr>
+        <p:txBody>
+          <a:bodyPr rtlCol="0" anchor="t">
+            <a:normAutofit/>
+          </a:bodyPr>
+          <a:lstStyle>
+            <a:lvl1pPr marL="0" indent="0" algn="ctr">
+              <a:buNone/>
+              <a:defRPr sz="1400"/>
+            </a:lvl1pPr>
+            <a:lvl2pPr marL="457200" indent="0">
+              <a:buNone/>
+              <a:defRPr sz="1200"/>
+            </a:lvl2pPr>
+            <a:lvl3pPr marL="914400" indent="0">
+              <a:buNone/>
+              <a:defRPr sz="1000"/>
+            </a:lvl3pPr>
+            <a:lvl4pPr marL="1371600" indent="0">
+              <a:buNone/>
+              <a:defRPr sz="900"/>
+            </a:lvl4pPr>
+            <a:lvl5pPr marL="1828800" indent="0">
+              <a:buNone/>
+              <a:defRPr sz="900"/>
+            </a:lvl5pPr>
+            <a:lvl6pPr marL="2286000" indent="0">
+              <a:buNone/>
+              <a:defRPr sz="900"/>
+            </a:lvl6pPr>
+            <a:lvl7pPr marL="2743200" indent="0">
+              <a:buNone/>
+              <a:defRPr sz="900"/>
+            </a:lvl7pPr>
+            <a:lvl8pPr marL="3200400" indent="0">
+              <a:buNone/>
+              <a:defRPr sz="900"/>
+            </a:lvl8pPr>
+            <a:lvl9pPr marL="3657600" indent="0">
+              <a:buNone/>
+              <a:defRPr sz="900"/>
+            </a:lvl9pPr>
+          </a:lstStyle>
+          <a:p>
+            <a:pPr lvl="0" rtl="0"/>
+            <a:r>
+              <a:rPr lang="zh-TW" altLang="en-US" noProof="0"/>
+              <a:t>按一下以編輯母片文字樣式</a:t>
+            </a:r>
+          </a:p>
+        </p:txBody>
+      </p:sp>
+      <p:sp>
+        <p:nvSpPr>
+          <p:cNvPr id="11" name="文字預留位置 4"/>
+          <p:cNvSpPr>
+            <a:spLocks noGrp="1"/>
+          </p:cNvSpPr>
+          <p:nvPr>
+            <p:ph type="body" sz="quarter" idx="13"/>
+          </p:nvPr>
+        </p:nvSpPr>
+        <p:spPr>
+          <a:xfrm>
+            <a:off x="7973298" y="2367093"/>
+            <a:ext cx="3304928" cy="576262"/>
+          </a:xfrm>
+        </p:spPr>
+        <p:txBody>
+          <a:bodyPr rtlCol="0" anchor="b">
+            <a:noAutofit/>
+          </a:bodyPr>
+          <a:lstStyle>
+            <a:lvl1pPr marL="0" indent="0" algn="ctr">
+              <a:lnSpc>
+                <a:spcPct val="85000"/>
+              </a:lnSpc>
+              <a:buNone/>
+              <a:defRPr sz="2400" b="0">
+                <a:solidFill>
+                  <a:schemeClr val="tx1"/>
+                </a:solidFill>
+              </a:defRPr>
+            </a:lvl1pPr>
+            <a:lvl2pPr marL="457200" indent="0">
+              <a:buNone/>
+              <a:defRPr sz="2000" b="1"/>
+            </a:lvl2pPr>
+            <a:lvl3pPr marL="914400" indent="0">
+              <a:buNone/>
+              <a:defRPr sz="1800" b="1"/>
+            </a:lvl3pPr>
+            <a:lvl4pPr marL="1371600" indent="0">
+              <a:buNone/>
+              <a:defRPr sz="1600" b="1"/>
+            </a:lvl4pPr>
+            <a:lvl5pPr marL="1828800" indent="0">
+              <a:buNone/>
+              <a:defRPr sz="1600" b="1"/>
+            </a:lvl5pPr>
+            <a:lvl6pPr marL="2286000" indent="0">
+              <a:buNone/>
+              <a:defRPr sz="1600" b="1"/>
+            </a:lvl6pPr>
+            <a:lvl7pPr marL="2743200" indent="0">
+              <a:buNone/>
+              <a:defRPr sz="1600" b="1"/>
+            </a:lvl7pPr>
+            <a:lvl8pPr marL="3200400" indent="0">
+              <a:buNone/>
+              <a:defRPr sz="1600" b="1"/>
+            </a:lvl8pPr>
+            <a:lvl9pPr marL="3657600" indent="0">
+              <a:buNone/>
+              <a:defRPr sz="1600" b="1"/>
+            </a:lvl9pPr>
+          </a:lstStyle>
+          <a:p>
+            <a:pPr lvl="0" rtl="0"/>
+            <a:r>
+              <a:rPr lang="zh-TW" altLang="en-US" noProof="0"/>
+              <a:t>按一下以編輯母片文字樣式</a:t>
+            </a:r>
+          </a:p>
+        </p:txBody>
+      </p:sp>
+      <p:sp>
+        <p:nvSpPr>
+          <p:cNvPr id="12" name="文字預留位置 3"/>
+          <p:cNvSpPr>
+            <a:spLocks noGrp="1"/>
+          </p:cNvSpPr>
+          <p:nvPr>
+            <p:ph type="body" sz="half" idx="17"/>
+          </p:nvPr>
+        </p:nvSpPr>
+        <p:spPr>
+          <a:xfrm>
+            <a:off x="7973298" y="2943355"/>
+            <a:ext cx="3304928" cy="2847845"/>
+          </a:xfrm>
+        </p:spPr>
+        <p:txBody>
+          <a:bodyPr rtlCol="0" anchor="t">
+            <a:normAutofit/>
+          </a:bodyPr>
+          <a:lstStyle>
+            <a:lvl1pPr marL="0" indent="0" algn="ctr">
+              <a:buNone/>
+              <a:defRPr sz="1400"/>
+            </a:lvl1pPr>
+            <a:lvl2pPr marL="457200" indent="0">
+              <a:buNone/>
+              <a:defRPr sz="1200"/>
+            </a:lvl2pPr>
+            <a:lvl3pPr marL="914400" indent="0">
+              <a:buNone/>
+              <a:defRPr sz="1000"/>
+            </a:lvl3pPr>
+            <a:lvl4pPr marL="1371600" indent="0">
+              <a:buNone/>
+              <a:defRPr sz="900"/>
+            </a:lvl4pPr>
+            <a:lvl5pPr marL="1828800" indent="0">
+              <a:buNone/>
+              <a:defRPr sz="900"/>
+            </a:lvl5pPr>
+            <a:lvl6pPr marL="2286000" indent="0">
+              <a:buNone/>
+              <a:defRPr sz="900"/>
+            </a:lvl6pPr>
+            <a:lvl7pPr marL="2743200" indent="0">
+              <a:buNone/>
+              <a:defRPr sz="900"/>
+            </a:lvl7pPr>
+            <a:lvl8pPr marL="3200400" indent="0">
+              <a:buNone/>
+              <a:defRPr sz="900"/>
+            </a:lvl8pPr>
+            <a:lvl9pPr marL="3657600" indent="0">
+              <a:buNone/>
+              <a:defRPr sz="900"/>
+            </a:lvl9pPr>
+          </a:lstStyle>
+          <a:p>
+            <a:pPr lvl="0" rtl="0"/>
+            <a:r>
+              <a:rPr lang="zh-TW" altLang="en-US" noProof="0"/>
+              <a:t>按一下以編輯母片文字樣式</a:t>
+            </a:r>
+          </a:p>
+        </p:txBody>
+      </p:sp>
+      <p:sp>
+        <p:nvSpPr>
+          <p:cNvPr id="3" name="日期版面配置區 2"/>
+          <p:cNvSpPr>
+            <a:spLocks noGrp="1"/>
+          </p:cNvSpPr>
+          <p:nvPr>
+            <p:ph type="dt" sz="half" idx="10"/>
+          </p:nvPr>
+        </p:nvSpPr>
+        <p:spPr/>
+        <p:txBody>
+          <a:bodyPr rtlCol="0"/>
+          <a:lstStyle/>
+          <a:p>
+            <a:fld id="{8737B4F4-F1D3-43E2-B425-0E71FA0E012F}" type="datetimeFigureOut">
+              <a:rPr lang="zh-TW" altLang="en-US" smtClean="0"/>
+              <a:t>2020/5/3</a:t>
+            </a:fld>
+            <a:endParaRPr lang="zh-TW" altLang="en-US"/>
+          </a:p>
+        </p:txBody>
+      </p:sp>
+      <p:sp>
+        <p:nvSpPr>
+          <p:cNvPr id="4" name="頁尾版面配置區 3"/>
+          <p:cNvSpPr>
+            <a:spLocks noGrp="1"/>
+          </p:cNvSpPr>
+          <p:nvPr>
+            <p:ph type="ftr" sz="quarter" idx="11"/>
+          </p:nvPr>
+        </p:nvSpPr>
+        <p:spPr/>
+        <p:txBody>
+          <a:bodyPr rtlCol="0"/>
+          <a:lstStyle/>
+          <a:p>
+            <a:endParaRPr lang="zh-TW" altLang="en-US"/>
+          </a:p>
+        </p:txBody>
+      </p:sp>
+      <p:sp>
+        <p:nvSpPr>
+          <p:cNvPr id="5" name="投影片編號預留位置 4"/>
+          <p:cNvSpPr>
+            <a:spLocks noGrp="1"/>
+          </p:cNvSpPr>
+          <p:nvPr>
+            <p:ph type="sldNum" sz="quarter" idx="12"/>
+          </p:nvPr>
+        </p:nvSpPr>
+        <p:spPr/>
+        <p:txBody>
+          <a:bodyPr rtlCol="0"/>
+          <a:lstStyle/>
+          <a:p>
+            <a:fld id="{C111C88A-28B0-4C11-A1A5-4D9ACEAA0798}" type="slidenum">
+              <a:rPr lang="zh-TW" altLang="en-US" smtClean="0"/>
+              <a:t>‹#›</a:t>
+            </a:fld>
+            <a:endParaRPr lang="zh-TW" altLang="en-US"/>
+          </a:p>
+        </p:txBody>
+      </p:sp>
+    </p:spTree>
+    <p:extLst>
+      <p:ext uri="{BB962C8B-B14F-4D97-AF65-F5344CB8AC3E}">
+        <p14:creationId xmlns:p14="http://schemas.microsoft.com/office/powerpoint/2010/main" val="999643199"/>
+      </p:ext>
+    </p:extLst>
+  </p:cSld>
+  <p:clrMapOvr>
+    <a:masterClrMapping/>
+  </p:clrMapOvr>
+</p:sldLayout>
+</file>
+
+<file path=ppt/slideLayouts/slideLayout15.xml><?xml version="1.0" encoding="utf-8"?>
+<p:sldLayout xmlns:a="http://schemas.openxmlformats.org/drawingml/2006/main" xmlns:r="http://schemas.openxmlformats.org/officeDocument/2006/relationships" xmlns:p="http://schemas.openxmlformats.org/presentationml/2006/main" preserve="1">
+  <p:cSld name="3 圖片欄">
+    <p:spTree>
+      <p:nvGrpSpPr>
+        <p:cNvPr id="1" name=""/>
+        <p:cNvGrpSpPr/>
+        <p:nvPr/>
+      </p:nvGrpSpPr>
+      <p:grpSpPr>
+        <a:xfrm>
+          <a:off x="0" y="0"/>
+          <a:ext cx="0" cy="0"/>
+          <a:chOff x="0" y="0"/>
+          <a:chExt cx="0" cy="0"/>
+        </a:xfrm>
+      </p:grpSpPr>
+      <p:pic>
+        <p:nvPicPr>
+          <p:cNvPr id="16" name="圖片 15" descr="水滴-HD-內容-R1d.png"/>
+          <p:cNvPicPr>
+            <a:picLocks noChangeAspect="1"/>
+          </p:cNvPicPr>
+          <p:nvPr/>
+        </p:nvPicPr>
+        <p:blipFill>
+          <a:blip r:embed="rId2">
+            <a:extLst>
+              <a:ext uri="{28A0092B-C50C-407E-A947-70E740481C1C}">
+                <a14:useLocalDpi xmlns:a14="http://schemas.microsoft.com/office/drawing/2010/main" val="0"/>
+              </a:ext>
+            </a:extLst>
+          </a:blip>
+          <a:stretch>
+            <a:fillRect/>
+          </a:stretch>
+        </p:blipFill>
+        <p:spPr>
+          <a:xfrm>
+            <a:off x="0" y="0"/>
+            <a:ext cx="12192000" cy="6858000"/>
+          </a:xfrm>
+          <a:prstGeom prst="rect">
+            <a:avLst/>
+          </a:prstGeom>
+        </p:spPr>
+      </p:pic>
+      <p:sp>
+        <p:nvSpPr>
+          <p:cNvPr id="30" name="標題 1"/>
+          <p:cNvSpPr>
+            <a:spLocks noGrp="1"/>
+          </p:cNvSpPr>
+          <p:nvPr>
+            <p:ph type="title"/>
+          </p:nvPr>
+        </p:nvSpPr>
+        <p:spPr>
+          <a:xfrm>
+            <a:off x="913774" y="610772"/>
+            <a:ext cx="10364452" cy="1603922"/>
+          </a:xfrm>
+        </p:spPr>
+        <p:txBody>
+          <a:bodyPr rtlCol="0"/>
+          <a:lstStyle/>
+          <a:p>
+            <a:pPr rtl="0"/>
+            <a:r>
+              <a:rPr lang="zh-TW" altLang="en-US" noProof="0"/>
+              <a:t>按一下以編輯母片標題樣式</a:t>
+            </a:r>
+            <a:endParaRPr lang="zh-TW" altLang="en-US" noProof="0" dirty="0"/>
+          </a:p>
+        </p:txBody>
+      </p:sp>
+      <p:sp>
+        <p:nvSpPr>
+          <p:cNvPr id="19" name="文字版面配置區 2"/>
+          <p:cNvSpPr>
+            <a:spLocks noGrp="1"/>
+          </p:cNvSpPr>
+          <p:nvPr>
+            <p:ph type="body" idx="1"/>
+          </p:nvPr>
+        </p:nvSpPr>
+        <p:spPr>
+          <a:xfrm>
+            <a:off x="913774" y="4204820"/>
+            <a:ext cx="3296409" cy="576262"/>
+          </a:xfrm>
+        </p:spPr>
+        <p:txBody>
+          <a:bodyPr rtlCol="0" anchor="b">
+            <a:noAutofit/>
+          </a:bodyPr>
+          <a:lstStyle>
+            <a:lvl1pPr marL="0" indent="0" algn="ctr">
+              <a:lnSpc>
+                <a:spcPct val="85000"/>
+              </a:lnSpc>
+              <a:buNone/>
+              <a:defRPr sz="2200" b="0">
+                <a:solidFill>
+                  <a:schemeClr val="tx1"/>
+                </a:solidFill>
+              </a:defRPr>
+            </a:lvl1pPr>
+            <a:lvl2pPr marL="457200" indent="0">
+              <a:buNone/>
+              <a:defRPr sz="2000" b="1"/>
+            </a:lvl2pPr>
+            <a:lvl3pPr marL="914400" indent="0">
+              <a:buNone/>
+              <a:defRPr sz="1800" b="1"/>
+            </a:lvl3pPr>
+            <a:lvl4pPr marL="1371600" indent="0">
+              <a:buNone/>
+              <a:defRPr sz="1600" b="1"/>
+            </a:lvl4pPr>
+            <a:lvl5pPr marL="1828800" indent="0">
+              <a:buNone/>
+              <a:defRPr sz="1600" b="1"/>
+            </a:lvl5pPr>
+            <a:lvl6pPr marL="2286000" indent="0">
+              <a:buNone/>
+              <a:defRPr sz="1600" b="1"/>
+            </a:lvl6pPr>
+            <a:lvl7pPr marL="2743200" indent="0">
+              <a:buNone/>
+              <a:defRPr sz="1600" b="1"/>
+            </a:lvl7pPr>
+            <a:lvl8pPr marL="3200400" indent="0">
+              <a:buNone/>
+              <a:defRPr sz="1600" b="1"/>
+            </a:lvl8pPr>
+            <a:lvl9pPr marL="3657600" indent="0">
+              <a:buNone/>
+              <a:defRPr sz="1600" b="1"/>
+            </a:lvl9pPr>
+          </a:lstStyle>
+          <a:p>
+            <a:pPr lvl="0" rtl="0"/>
+            <a:r>
+              <a:rPr lang="zh-TW" altLang="en-US" noProof="0"/>
+              <a:t>按一下以編輯母片文字樣式</a:t>
+            </a:r>
+          </a:p>
+        </p:txBody>
+      </p:sp>
+      <p:sp>
+        <p:nvSpPr>
+          <p:cNvPr id="20" name="圖片預留位置 2"/>
+          <p:cNvSpPr>
+            <a:spLocks noGrp="1" noChangeAspect="1"/>
+          </p:cNvSpPr>
+          <p:nvPr>
+            <p:ph type="pic" idx="15"/>
+          </p:nvPr>
+        </p:nvSpPr>
+        <p:spPr>
+          <a:xfrm>
+            <a:off x="913774" y="2367093"/>
+            <a:ext cx="3296409" cy="1524000"/>
+          </a:xfrm>
+          <a:prstGeom prst="roundRect">
+            <a:avLst>
+              <a:gd name="adj" fmla="val 9363"/>
+            </a:avLst>
+          </a:prstGeom>
+          <a:noFill/>
+          <a:ln w="82550" cap="sq">
+            <a:solidFill>
+              <a:srgbClr val="EAEAEA"/>
+            </a:solidFill>
+            <a:miter lim="800000"/>
+          </a:ln>
+          <a:effectLst/>
+          <a:scene3d>
+            <a:camera prst="orthographicFront"/>
+            <a:lightRig rig="threePt" dir="t">
+              <a:rot lat="0" lon="0" rev="2700000"/>
+            </a:lightRig>
+          </a:scene3d>
+          <a:sp3d contourW="6350">
+            <a:bevelT h="38100"/>
+            <a:contourClr>
+              <a:srgbClr val="C0C0C0"/>
+            </a:contourClr>
+          </a:sp3d>
+        </p:spPr>
+        <p:txBody>
+          <a:bodyPr rtlCol="0" anchor="t">
+            <a:normAutofit/>
+          </a:bodyPr>
+          <a:lstStyle>
+            <a:lvl1pPr marL="0" indent="0" algn="ctr">
+              <a:buNone/>
+              <a:defRPr sz="1600"/>
+            </a:lvl1pPr>
+            <a:lvl2pPr marL="457200" indent="0">
+              <a:buNone/>
+              <a:defRPr sz="1600"/>
+            </a:lvl2pPr>
+            <a:lvl3pPr marL="914400" indent="0">
+              <a:buNone/>
+              <a:defRPr sz="1600"/>
+            </a:lvl3pPr>
+            <a:lvl4pPr marL="1371600" indent="0">
+              <a:buNone/>
+              <a:defRPr sz="1600"/>
+            </a:lvl4pPr>
+            <a:lvl5pPr marL="1828800" indent="0">
+              <a:buNone/>
+              <a:defRPr sz="1600"/>
+            </a:lvl5pPr>
+            <a:lvl6pPr marL="2286000" indent="0">
+              <a:buNone/>
+              <a:defRPr sz="1600"/>
+            </a:lvl6pPr>
+            <a:lvl7pPr marL="2743200" indent="0">
+              <a:buNone/>
+              <a:defRPr sz="1600"/>
+            </a:lvl7pPr>
+            <a:lvl8pPr marL="3200400" indent="0">
+              <a:buNone/>
+              <a:defRPr sz="1600"/>
+            </a:lvl8pPr>
+            <a:lvl9pPr marL="3657600" indent="0">
+              <a:buNone/>
+              <a:defRPr sz="1600"/>
+            </a:lvl9pPr>
+          </a:lstStyle>
+          <a:p>
+            <a:pPr rtl="0"/>
+            <a:r>
+              <a:rPr lang="zh-TW" altLang="en-US" noProof="0"/>
+              <a:t>按一下圖示以新增圖片</a:t>
+            </a:r>
+            <a:endParaRPr lang="zh-TW" altLang="en-US" noProof="0" dirty="0"/>
+          </a:p>
+        </p:txBody>
+      </p:sp>
+      <p:sp>
+        <p:nvSpPr>
+          <p:cNvPr id="21" name="文字預留位置 3"/>
+          <p:cNvSpPr>
+            <a:spLocks noGrp="1"/>
+          </p:cNvSpPr>
+          <p:nvPr>
+            <p:ph type="body" sz="half" idx="18"/>
+          </p:nvPr>
+        </p:nvSpPr>
+        <p:spPr>
+          <a:xfrm>
+            <a:off x="913774" y="4781082"/>
+            <a:ext cx="3296409" cy="1010118"/>
+          </a:xfrm>
+        </p:spPr>
+        <p:txBody>
+          <a:bodyPr rtlCol="0" anchor="t">
+            <a:normAutofit/>
+          </a:bodyPr>
+          <a:lstStyle>
+            <a:lvl1pPr marL="0" indent="0" algn="ctr">
+              <a:buNone/>
+              <a:defRPr sz="1400"/>
+            </a:lvl1pPr>
+            <a:lvl2pPr marL="457200" indent="0">
+              <a:buNone/>
+              <a:defRPr sz="1200"/>
+            </a:lvl2pPr>
+            <a:lvl3pPr marL="914400" indent="0">
+              <a:buNone/>
+              <a:defRPr sz="1000"/>
+            </a:lvl3pPr>
+            <a:lvl4pPr marL="1371600" indent="0">
+              <a:buNone/>
+              <a:defRPr sz="900"/>
+            </a:lvl4pPr>
+            <a:lvl5pPr marL="1828800" indent="0">
+              <a:buNone/>
+              <a:defRPr sz="900"/>
+            </a:lvl5pPr>
+            <a:lvl6pPr marL="2286000" indent="0">
+              <a:buNone/>
+              <a:defRPr sz="900"/>
+            </a:lvl6pPr>
+            <a:lvl7pPr marL="2743200" indent="0">
+              <a:buNone/>
+              <a:defRPr sz="900"/>
+            </a:lvl7pPr>
+            <a:lvl8pPr marL="3200400" indent="0">
+              <a:buNone/>
+              <a:defRPr sz="900"/>
+            </a:lvl8pPr>
+            <a:lvl9pPr marL="3657600" indent="0">
+              <a:buNone/>
+              <a:defRPr sz="900"/>
+            </a:lvl9pPr>
+          </a:lstStyle>
+          <a:p>
+            <a:pPr lvl="0" rtl="0"/>
+            <a:r>
+              <a:rPr lang="zh-TW" altLang="en-US" noProof="0"/>
+              <a:t>按一下以編輯母片文字樣式</a:t>
+            </a:r>
+          </a:p>
+        </p:txBody>
+      </p:sp>
+      <p:sp>
+        <p:nvSpPr>
+          <p:cNvPr id="22" name="文字預留位置 4"/>
+          <p:cNvSpPr>
+            <a:spLocks noGrp="1"/>
+          </p:cNvSpPr>
+          <p:nvPr>
+            <p:ph type="body" sz="quarter" idx="3"/>
+          </p:nvPr>
+        </p:nvSpPr>
+        <p:spPr>
+          <a:xfrm>
+            <a:off x="4442759" y="4204820"/>
+            <a:ext cx="3301828" cy="576262"/>
+          </a:xfrm>
+        </p:spPr>
+        <p:txBody>
+          <a:bodyPr rtlCol="0" anchor="b">
+            <a:noAutofit/>
+          </a:bodyPr>
+          <a:lstStyle>
+            <a:lvl1pPr marL="0" indent="0" algn="ctr">
+              <a:lnSpc>
+                <a:spcPct val="85000"/>
+              </a:lnSpc>
+              <a:buNone/>
+              <a:defRPr sz="2200" b="0">
+                <a:solidFill>
+                  <a:schemeClr val="tx1"/>
+                </a:solidFill>
+              </a:defRPr>
+            </a:lvl1pPr>
+            <a:lvl2pPr marL="457200" indent="0">
+              <a:buNone/>
+              <a:defRPr sz="2000" b="1"/>
+            </a:lvl2pPr>
+            <a:lvl3pPr marL="914400" indent="0">
+              <a:buNone/>
+              <a:defRPr sz="1800" b="1"/>
+            </a:lvl3pPr>
+            <a:lvl4pPr marL="1371600" indent="0">
+              <a:buNone/>
+              <a:defRPr sz="1600" b="1"/>
+            </a:lvl4pPr>
+            <a:lvl5pPr marL="1828800" indent="0">
+              <a:buNone/>
+              <a:defRPr sz="1600" b="1"/>
+            </a:lvl5pPr>
+            <a:lvl6pPr marL="2286000" indent="0">
+              <a:buNone/>
+              <a:defRPr sz="1600" b="1"/>
+            </a:lvl6pPr>
+            <a:lvl7pPr marL="2743200" indent="0">
+              <a:buNone/>
+              <a:defRPr sz="1600" b="1"/>
+            </a:lvl7pPr>
+            <a:lvl8pPr marL="3200400" indent="0">
+              <a:buNone/>
+              <a:defRPr sz="1600" b="1"/>
+            </a:lvl8pPr>
+            <a:lvl9pPr marL="3657600" indent="0">
+              <a:buNone/>
+              <a:defRPr sz="1600" b="1"/>
+            </a:lvl9pPr>
+          </a:lstStyle>
+          <a:p>
+            <a:pPr lvl="0" rtl="0"/>
+            <a:r>
+              <a:rPr lang="zh-TW" altLang="en-US" noProof="0"/>
+              <a:t>按一下以編輯母片文字樣式</a:t>
+            </a:r>
+          </a:p>
+        </p:txBody>
+      </p:sp>
+      <p:sp>
+        <p:nvSpPr>
+          <p:cNvPr id="23" name="圖片預留位置 2"/>
+          <p:cNvSpPr>
+            <a:spLocks noGrp="1" noChangeAspect="1"/>
+          </p:cNvSpPr>
+          <p:nvPr>
+            <p:ph type="pic" idx="21"/>
+          </p:nvPr>
+        </p:nvSpPr>
+        <p:spPr>
+          <a:xfrm>
+            <a:off x="4441348" y="2367093"/>
+            <a:ext cx="3303352" cy="1524000"/>
+          </a:xfrm>
+          <a:prstGeom prst="roundRect">
+            <a:avLst>
+              <a:gd name="adj" fmla="val 8841"/>
+            </a:avLst>
+          </a:prstGeom>
+          <a:noFill/>
+          <a:ln w="82550" cap="sq">
+            <a:solidFill>
+              <a:srgbClr val="EAEAEA"/>
+            </a:solidFill>
+            <a:miter lim="800000"/>
+          </a:ln>
+          <a:effectLst/>
+          <a:scene3d>
+            <a:camera prst="orthographicFront"/>
+            <a:lightRig rig="threePt" dir="t">
+              <a:rot lat="0" lon="0" rev="2700000"/>
+            </a:lightRig>
+          </a:scene3d>
+          <a:sp3d contourW="6350">
+            <a:bevelT h="38100"/>
+            <a:contourClr>
+              <a:srgbClr val="C0C0C0"/>
+            </a:contourClr>
+          </a:sp3d>
+        </p:spPr>
+        <p:txBody>
+          <a:bodyPr rtlCol="0" anchor="t">
+            <a:normAutofit/>
+          </a:bodyPr>
+          <a:lstStyle>
+            <a:lvl1pPr marL="0" indent="0" algn="ctr">
+              <a:buNone/>
+              <a:defRPr sz="1600"/>
+            </a:lvl1pPr>
+            <a:lvl2pPr marL="457200" indent="0">
+              <a:buNone/>
+              <a:defRPr sz="1600"/>
+            </a:lvl2pPr>
+            <a:lvl3pPr marL="914400" indent="0">
+              <a:buNone/>
+              <a:defRPr sz="1600"/>
+            </a:lvl3pPr>
+            <a:lvl4pPr marL="1371600" indent="0">
+              <a:buNone/>
+              <a:defRPr sz="1600"/>
+            </a:lvl4pPr>
+            <a:lvl5pPr marL="1828800" indent="0">
+              <a:buNone/>
+              <a:defRPr sz="1600"/>
+            </a:lvl5pPr>
+            <a:lvl6pPr marL="2286000" indent="0">
+              <a:buNone/>
+              <a:defRPr sz="1600"/>
+            </a:lvl6pPr>
+            <a:lvl7pPr marL="2743200" indent="0">
+              <a:buNone/>
+              <a:defRPr sz="1600"/>
+            </a:lvl7pPr>
+            <a:lvl8pPr marL="3200400" indent="0">
+              <a:buNone/>
+              <a:defRPr sz="1600"/>
+            </a:lvl8pPr>
+            <a:lvl9pPr marL="3657600" indent="0">
+              <a:buNone/>
+              <a:defRPr sz="1600"/>
+            </a:lvl9pPr>
+          </a:lstStyle>
+          <a:p>
+            <a:pPr rtl="0"/>
+            <a:r>
+              <a:rPr lang="zh-TW" altLang="en-US" noProof="0"/>
+              <a:t>按一下圖示以新增圖片</a:t>
+            </a:r>
+            <a:endParaRPr lang="zh-TW" altLang="en-US" noProof="0" dirty="0"/>
+          </a:p>
+        </p:txBody>
+      </p:sp>
+      <p:sp>
+        <p:nvSpPr>
+          <p:cNvPr id="24" name="文字預留位置 3"/>
+          <p:cNvSpPr>
+            <a:spLocks noGrp="1"/>
+          </p:cNvSpPr>
+          <p:nvPr>
+            <p:ph type="body" sz="half" idx="19"/>
+          </p:nvPr>
+        </p:nvSpPr>
+        <p:spPr>
+          <a:xfrm>
+            <a:off x="4441348" y="4781080"/>
+            <a:ext cx="3303352" cy="1010119"/>
+          </a:xfrm>
+        </p:spPr>
+        <p:txBody>
+          <a:bodyPr rtlCol="0" anchor="t">
+            <a:normAutofit/>
+          </a:bodyPr>
+          <a:lstStyle>
+            <a:lvl1pPr marL="0" indent="0" algn="ctr">
+              <a:buNone/>
+              <a:defRPr sz="1400"/>
+            </a:lvl1pPr>
+            <a:lvl2pPr marL="457200" indent="0">
+              <a:buNone/>
+              <a:defRPr sz="1200"/>
+            </a:lvl2pPr>
+            <a:lvl3pPr marL="914400" indent="0">
+              <a:buNone/>
+              <a:defRPr sz="1000"/>
+            </a:lvl3pPr>
+            <a:lvl4pPr marL="1371600" indent="0">
+              <a:buNone/>
+              <a:defRPr sz="900"/>
+            </a:lvl4pPr>
+            <a:lvl5pPr marL="1828800" indent="0">
+              <a:buNone/>
+              <a:defRPr sz="900"/>
+            </a:lvl5pPr>
+            <a:lvl6pPr marL="2286000" indent="0">
+              <a:buNone/>
+              <a:defRPr sz="900"/>
+            </a:lvl6pPr>
+            <a:lvl7pPr marL="2743200" indent="0">
+              <a:buNone/>
+              <a:defRPr sz="900"/>
+            </a:lvl7pPr>
+            <a:lvl8pPr marL="3200400" indent="0">
+              <a:buNone/>
+              <a:defRPr sz="900"/>
+            </a:lvl8pPr>
+            <a:lvl9pPr marL="3657600" indent="0">
+              <a:buNone/>
+              <a:defRPr sz="900"/>
+            </a:lvl9pPr>
+          </a:lstStyle>
+          <a:p>
+            <a:pPr lvl="0" rtl="0"/>
+            <a:r>
+              <a:rPr lang="zh-TW" altLang="en-US" noProof="0"/>
+              <a:t>按一下以編輯母片文字樣式</a:t>
+            </a:r>
+          </a:p>
+        </p:txBody>
+      </p:sp>
+      <p:sp>
+        <p:nvSpPr>
+          <p:cNvPr id="25" name="文字預留位置 4"/>
+          <p:cNvSpPr>
+            <a:spLocks noGrp="1"/>
+          </p:cNvSpPr>
+          <p:nvPr>
+            <p:ph type="body" sz="quarter" idx="13"/>
+          </p:nvPr>
+        </p:nvSpPr>
+        <p:spPr>
+          <a:xfrm>
+            <a:off x="7973298" y="4204820"/>
+            <a:ext cx="3300681" cy="576262"/>
+          </a:xfrm>
+        </p:spPr>
+        <p:txBody>
+          <a:bodyPr rtlCol="0" anchor="b">
+            <a:noAutofit/>
+          </a:bodyPr>
+          <a:lstStyle>
+            <a:lvl1pPr marL="0" indent="0" algn="ctr">
+              <a:lnSpc>
+                <a:spcPct val="85000"/>
+              </a:lnSpc>
+              <a:buNone/>
+              <a:defRPr sz="2200" b="0">
+                <a:solidFill>
+                  <a:schemeClr val="tx1"/>
+                </a:solidFill>
+              </a:defRPr>
+            </a:lvl1pPr>
+            <a:lvl2pPr marL="457200" indent="0">
+              <a:buNone/>
+              <a:defRPr sz="2000" b="1"/>
+            </a:lvl2pPr>
+            <a:lvl3pPr marL="914400" indent="0">
+              <a:buNone/>
+              <a:defRPr sz="1800" b="1"/>
+            </a:lvl3pPr>
+            <a:lvl4pPr marL="1371600" indent="0">
+              <a:buNone/>
+              <a:defRPr sz="1600" b="1"/>
+            </a:lvl4pPr>
+            <a:lvl5pPr marL="1828800" indent="0">
+              <a:buNone/>
+              <a:defRPr sz="1600" b="1"/>
+            </a:lvl5pPr>
+            <a:lvl6pPr marL="2286000" indent="0">
+              <a:buNone/>
+              <a:defRPr sz="1600" b="1"/>
+            </a:lvl6pPr>
+            <a:lvl7pPr marL="2743200" indent="0">
+              <a:buNone/>
+              <a:defRPr sz="1600" b="1"/>
+            </a:lvl7pPr>
+            <a:lvl8pPr marL="3200400" indent="0">
+              <a:buNone/>
+              <a:defRPr sz="1600" b="1"/>
+            </a:lvl8pPr>
+            <a:lvl9pPr marL="3657600" indent="0">
+              <a:buNone/>
+              <a:defRPr sz="1600" b="1"/>
+            </a:lvl9pPr>
+          </a:lstStyle>
+          <a:p>
+            <a:pPr lvl="0" rtl="0"/>
+            <a:r>
+              <a:rPr lang="zh-TW" altLang="en-US" noProof="0"/>
+              <a:t>按一下以編輯母片文字樣式</a:t>
+            </a:r>
+          </a:p>
+        </p:txBody>
+      </p:sp>
+      <p:sp>
+        <p:nvSpPr>
+          <p:cNvPr id="26" name="圖片預留位置 2"/>
+          <p:cNvSpPr>
+            <a:spLocks noGrp="1" noChangeAspect="1"/>
+          </p:cNvSpPr>
+          <p:nvPr>
+            <p:ph type="pic" idx="22"/>
+          </p:nvPr>
+        </p:nvSpPr>
+        <p:spPr>
+          <a:xfrm>
+            <a:off x="7973298" y="2367093"/>
+            <a:ext cx="3304928" cy="1524000"/>
+          </a:xfrm>
+          <a:prstGeom prst="roundRect">
+            <a:avLst>
+              <a:gd name="adj" fmla="val 8841"/>
+            </a:avLst>
+          </a:prstGeom>
+          <a:noFill/>
+          <a:ln w="82550" cap="sq">
+            <a:solidFill>
+              <a:srgbClr val="EAEAEA"/>
+            </a:solidFill>
+            <a:miter lim="800000"/>
+          </a:ln>
+          <a:effectLst/>
+          <a:scene3d>
+            <a:camera prst="orthographicFront"/>
+            <a:lightRig rig="threePt" dir="t">
+              <a:rot lat="0" lon="0" rev="2700000"/>
+            </a:lightRig>
+          </a:scene3d>
+          <a:sp3d contourW="6350">
+            <a:bevelT h="38100"/>
+            <a:contourClr>
+              <a:srgbClr val="C0C0C0"/>
+            </a:contourClr>
+          </a:sp3d>
+        </p:spPr>
+        <p:txBody>
+          <a:bodyPr rtlCol="0" anchor="t">
+            <a:normAutofit/>
+          </a:bodyPr>
+          <a:lstStyle>
+            <a:lvl1pPr marL="0" indent="0" algn="ctr">
+              <a:buNone/>
+              <a:defRPr sz="1600"/>
+            </a:lvl1pPr>
+            <a:lvl2pPr marL="457200" indent="0">
+              <a:buNone/>
+              <a:defRPr sz="1600"/>
+            </a:lvl2pPr>
+            <a:lvl3pPr marL="914400" indent="0">
+              <a:buNone/>
+              <a:defRPr sz="1600"/>
+            </a:lvl3pPr>
+            <a:lvl4pPr marL="1371600" indent="0">
+              <a:buNone/>
+              <a:defRPr sz="1600"/>
+            </a:lvl4pPr>
+            <a:lvl5pPr marL="1828800" indent="0">
+              <a:buNone/>
+              <a:defRPr sz="1600"/>
+            </a:lvl5pPr>
+            <a:lvl6pPr marL="2286000" indent="0">
+              <a:buNone/>
+              <a:defRPr sz="1600"/>
+            </a:lvl6pPr>
+            <a:lvl7pPr marL="2743200" indent="0">
+              <a:buNone/>
+              <a:defRPr sz="1600"/>
+            </a:lvl7pPr>
+            <a:lvl8pPr marL="3200400" indent="0">
+              <a:buNone/>
+              <a:defRPr sz="1600"/>
+            </a:lvl8pPr>
+            <a:lvl9pPr marL="3657600" indent="0">
+              <a:buNone/>
+              <a:defRPr sz="1600"/>
+            </a:lvl9pPr>
+          </a:lstStyle>
+          <a:p>
+            <a:pPr rtl="0"/>
+            <a:r>
+              <a:rPr lang="zh-TW" altLang="en-US" noProof="0"/>
+              <a:t>按一下圖示以新增圖片</a:t>
+            </a:r>
+            <a:endParaRPr lang="zh-TW" altLang="en-US" noProof="0" dirty="0"/>
+          </a:p>
+        </p:txBody>
+      </p:sp>
+      <p:sp>
+        <p:nvSpPr>
+          <p:cNvPr id="27" name="文字預留位置 3"/>
+          <p:cNvSpPr>
+            <a:spLocks noGrp="1"/>
+          </p:cNvSpPr>
+          <p:nvPr>
+            <p:ph type="body" sz="half" idx="20"/>
+          </p:nvPr>
+        </p:nvSpPr>
+        <p:spPr>
+          <a:xfrm>
+            <a:off x="7973173" y="4781078"/>
+            <a:ext cx="3305053" cy="1010121"/>
+          </a:xfrm>
+        </p:spPr>
+        <p:txBody>
+          <a:bodyPr rtlCol="0" anchor="t">
+            <a:normAutofit/>
+          </a:bodyPr>
+          <a:lstStyle>
+            <a:lvl1pPr marL="0" indent="0" algn="ctr">
+              <a:buNone/>
+              <a:defRPr sz="1400"/>
+            </a:lvl1pPr>
+            <a:lvl2pPr marL="457200" indent="0">
+              <a:buNone/>
+              <a:defRPr sz="1200"/>
+            </a:lvl2pPr>
+            <a:lvl3pPr marL="914400" indent="0">
+              <a:buNone/>
+              <a:defRPr sz="1000"/>
+            </a:lvl3pPr>
+            <a:lvl4pPr marL="1371600" indent="0">
+              <a:buNone/>
+              <a:defRPr sz="900"/>
+            </a:lvl4pPr>
+            <a:lvl5pPr marL="1828800" indent="0">
+              <a:buNone/>
+              <a:defRPr sz="900"/>
+            </a:lvl5pPr>
+            <a:lvl6pPr marL="2286000" indent="0">
+              <a:buNone/>
+              <a:defRPr sz="900"/>
+            </a:lvl6pPr>
+            <a:lvl7pPr marL="2743200" indent="0">
+              <a:buNone/>
+              <a:defRPr sz="900"/>
+            </a:lvl7pPr>
+            <a:lvl8pPr marL="3200400" indent="0">
+              <a:buNone/>
+              <a:defRPr sz="900"/>
+            </a:lvl8pPr>
+            <a:lvl9pPr marL="3657600" indent="0">
+              <a:buNone/>
+              <a:defRPr sz="900"/>
+            </a:lvl9pPr>
+          </a:lstStyle>
+          <a:p>
+            <a:pPr lvl="0" rtl="0"/>
+            <a:r>
+              <a:rPr lang="zh-TW" altLang="en-US" noProof="0"/>
+              <a:t>按一下以編輯母片文字樣式</a:t>
+            </a:r>
+          </a:p>
+        </p:txBody>
+      </p:sp>
+      <p:sp>
+        <p:nvSpPr>
+          <p:cNvPr id="3" name="日期版面配置區 2"/>
+          <p:cNvSpPr>
+            <a:spLocks noGrp="1"/>
+          </p:cNvSpPr>
+          <p:nvPr>
+            <p:ph type="dt" sz="half" idx="10"/>
+          </p:nvPr>
+        </p:nvSpPr>
+        <p:spPr/>
+        <p:txBody>
+          <a:bodyPr rtlCol="0"/>
+          <a:lstStyle/>
+          <a:p>
+            <a:fld id="{8737B4F4-F1D3-43E2-B425-0E71FA0E012F}" type="datetimeFigureOut">
+              <a:rPr lang="zh-TW" altLang="en-US" smtClean="0"/>
+              <a:t>2020/5/3</a:t>
+            </a:fld>
+            <a:endParaRPr lang="zh-TW" altLang="en-US"/>
+          </a:p>
+        </p:txBody>
+      </p:sp>
+      <p:sp>
+        <p:nvSpPr>
+          <p:cNvPr id="4" name="頁尾版面配置區 3"/>
+          <p:cNvSpPr>
+            <a:spLocks noGrp="1"/>
+          </p:cNvSpPr>
+          <p:nvPr>
+            <p:ph type="ftr" sz="quarter" idx="11"/>
+          </p:nvPr>
+        </p:nvSpPr>
+        <p:spPr/>
+        <p:txBody>
+          <a:bodyPr rtlCol="0"/>
+          <a:lstStyle/>
+          <a:p>
+            <a:endParaRPr lang="zh-TW" altLang="en-US"/>
+          </a:p>
+        </p:txBody>
+      </p:sp>
+      <p:sp>
+        <p:nvSpPr>
+          <p:cNvPr id="5" name="投影片編號預留位置 4"/>
+          <p:cNvSpPr>
+            <a:spLocks noGrp="1"/>
+          </p:cNvSpPr>
+          <p:nvPr>
+            <p:ph type="sldNum" sz="quarter" idx="12"/>
+          </p:nvPr>
+        </p:nvSpPr>
+        <p:spPr/>
+        <p:txBody>
+          <a:bodyPr rtlCol="0"/>
+          <a:lstStyle/>
+          <a:p>
+            <a:fld id="{C111C88A-28B0-4C11-A1A5-4D9ACEAA0798}" type="slidenum">
+              <a:rPr lang="zh-TW" altLang="en-US" smtClean="0"/>
+              <a:t>‹#›</a:t>
+            </a:fld>
+            <a:endParaRPr lang="zh-TW" altLang="en-US"/>
+          </a:p>
+        </p:txBody>
+      </p:sp>
+    </p:spTree>
+    <p:extLst>
+      <p:ext uri="{BB962C8B-B14F-4D97-AF65-F5344CB8AC3E}">
+        <p14:creationId xmlns:p14="http://schemas.microsoft.com/office/powerpoint/2010/main" val="3423525077"/>
+      </p:ext>
+    </p:extLst>
+  </p:cSld>
+  <p:clrMapOvr>
+    <a:masterClrMapping/>
+  </p:clrMapOvr>
+</p:sldLayout>
+</file>
+
+<file path=ppt/slideLayouts/slideLayout16.xml><?xml version="1.0" encoding="utf-8"?>
 <p:sldLayout xmlns:a="http://schemas.openxmlformats.org/drawingml/2006/main" xmlns:r="http://schemas.openxmlformats.org/officeDocument/2006/relationships" xmlns:p="http://schemas.openxmlformats.org/presentationml/2006/main" type="vertTx" preserve="1">
   <p:cSld name="標題及直排文字">
     <p:spTree>
@@ -357,15 +3124,39 @@
           <a:chExt cx="0" cy="0"/>
         </a:xfrm>
       </p:grpSpPr>
-      <p:sp>
-        <p:nvSpPr>
-          <p:cNvPr id="2" name="標題 1">
+      <p:pic>
+        <p:nvPicPr>
+          <p:cNvPr id="8" name="圖片 7" descr="水滴-HD-內容-R1d.png"/>
+          <p:cNvPicPr>
+            <a:picLocks noChangeAspect="1"/>
+          </p:cNvPicPr>
+          <p:nvPr/>
+        </p:nvPicPr>
+        <p:blipFill>
+          <a:blip r:embed="rId2">
             <a:extLst>
-              <a:ext uri="{FF2B5EF4-FFF2-40B4-BE49-F238E27FC236}">
-                <a16:creationId xmlns:a16="http://schemas.microsoft.com/office/drawing/2014/main" id="{5B50A875-D6E3-4428-AED9-14E16550EFDB}"/>
+              <a:ext uri="{28A0092B-C50C-407E-A947-70E740481C1C}">
+                <a14:useLocalDpi xmlns:a14="http://schemas.microsoft.com/office/drawing/2010/main" val="0"/>
               </a:ext>
             </a:extLst>
-          </p:cNvPr>
+          </a:blip>
+          <a:stretch>
+            <a:fillRect/>
+          </a:stretch>
+        </p:blipFill>
+        <p:spPr>
+          <a:xfrm>
+            <a:off x="0" y="0"/>
+            <a:ext cx="12192000" cy="6858000"/>
+          </a:xfrm>
+          <a:prstGeom prst="rect">
+            <a:avLst/>
+          </a:prstGeom>
+        </p:spPr>
+      </p:pic>
+      <p:sp>
+        <p:nvSpPr>
+          <p:cNvPr id="2" name="標題 1"/>
           <p:cNvSpPr>
             <a:spLocks noGrp="1"/>
           </p:cNvSpPr>
@@ -375,97 +3166,93 @@
         </p:nvSpPr>
         <p:spPr/>
         <p:txBody>
-          <a:bodyPr/>
-          <a:lstStyle/>
-          <a:p>
-            <a:r>
-              <a:rPr lang="zh-TW" altLang="en-US"/>
+          <a:bodyPr rtlCol="0"/>
+          <a:lstStyle/>
+          <a:p>
+            <a:pPr rtl="0"/>
+            <a:r>
+              <a:rPr lang="zh-TW" altLang="en-US" noProof="0"/>
               <a:t>按一下以編輯母片標題樣式</a:t>
             </a:r>
-          </a:p>
-        </p:txBody>
-      </p:sp>
-      <p:sp>
-        <p:nvSpPr>
-          <p:cNvPr id="3" name="直排文字版面配置區 2">
-            <a:extLst>
-              <a:ext uri="{FF2B5EF4-FFF2-40B4-BE49-F238E27FC236}">
-                <a16:creationId xmlns:a16="http://schemas.microsoft.com/office/drawing/2014/main" id="{451E9112-B2BC-4387-8D91-1E7A7C785CC6}"/>
-              </a:ext>
-            </a:extLst>
-          </p:cNvPr>
-          <p:cNvSpPr>
-            <a:spLocks noGrp="1"/>
-          </p:cNvSpPr>
-          <p:nvPr>
-            <p:ph type="body" orient="vert" idx="1"/>
+            <a:endParaRPr lang="zh-TW" altLang="en-US" noProof="0" dirty="0"/>
+          </a:p>
+        </p:txBody>
+      </p:sp>
+      <p:sp>
+        <p:nvSpPr>
+          <p:cNvPr id="11" name="直排文字預留位置 2"/>
+          <p:cNvSpPr>
+            <a:spLocks noGrp="1"/>
+          </p:cNvSpPr>
+          <p:nvPr>
+            <p:ph type="body" orient="vert" sz="quarter" idx="13"/>
+          </p:nvPr>
+        </p:nvSpPr>
+        <p:spPr>
+          <a:xfrm>
+            <a:off x="913775" y="2367093"/>
+            <a:ext cx="10364452" cy="3424107"/>
+          </a:xfrm>
+        </p:spPr>
+        <p:txBody>
+          <a:bodyPr vert="eaVert" rtlCol="0"/>
+          <a:lstStyle/>
+          <a:p>
+            <a:pPr lvl="0" rtl="0"/>
+            <a:r>
+              <a:rPr lang="zh-TW" altLang="en-US" noProof="0"/>
+              <a:t>按一下以編輯母片文字樣式</a:t>
+            </a:r>
+          </a:p>
+          <a:p>
+            <a:pPr lvl="1" rtl="0"/>
+            <a:r>
+              <a:rPr lang="zh-TW" altLang="en-US" noProof="0"/>
+              <a:t>第二層</a:t>
+            </a:r>
+          </a:p>
+          <a:p>
+            <a:pPr lvl="2" rtl="0"/>
+            <a:r>
+              <a:rPr lang="zh-TW" altLang="en-US" noProof="0"/>
+              <a:t>第三層</a:t>
+            </a:r>
+          </a:p>
+          <a:p>
+            <a:pPr lvl="3" rtl="0"/>
+            <a:r>
+              <a:rPr lang="zh-TW" altLang="en-US" noProof="0"/>
+              <a:t>第四層</a:t>
+            </a:r>
+          </a:p>
+          <a:p>
+            <a:pPr lvl="4" rtl="0"/>
+            <a:r>
+              <a:rPr lang="zh-TW" altLang="en-US" noProof="0"/>
+              <a:t>第五層</a:t>
+            </a:r>
+            <a:endParaRPr lang="zh-TW" altLang="en-US" noProof="0" dirty="0"/>
+          </a:p>
+        </p:txBody>
+      </p:sp>
+      <p:sp>
+        <p:nvSpPr>
+          <p:cNvPr id="4" name="日期版面配置區 3"/>
+          <p:cNvSpPr>
+            <a:spLocks noGrp="1"/>
+          </p:cNvSpPr>
+          <p:nvPr>
+            <p:ph type="dt" sz="half" idx="10"/>
           </p:nvPr>
         </p:nvSpPr>
         <p:spPr/>
         <p:txBody>
-          <a:bodyPr vert="eaVert"/>
-          <a:lstStyle/>
-          <a:p>
-            <a:pPr lvl="0"/>
-            <a:r>
-              <a:rPr lang="zh-TW" altLang="en-US"/>
-              <a:t>按一下以編輯母片文字樣式</a:t>
-            </a:r>
-          </a:p>
-          <a:p>
-            <a:pPr lvl="1"/>
-            <a:r>
-              <a:rPr lang="zh-TW" altLang="en-US"/>
-              <a:t>第二層</a:t>
-            </a:r>
-          </a:p>
-          <a:p>
-            <a:pPr lvl="2"/>
-            <a:r>
-              <a:rPr lang="zh-TW" altLang="en-US"/>
-              <a:t>第三層</a:t>
-            </a:r>
-          </a:p>
-          <a:p>
-            <a:pPr lvl="3"/>
-            <a:r>
-              <a:rPr lang="zh-TW" altLang="en-US"/>
-              <a:t>第四層</a:t>
-            </a:r>
-          </a:p>
-          <a:p>
-            <a:pPr lvl="4"/>
-            <a:r>
-              <a:rPr lang="zh-TW" altLang="en-US"/>
-              <a:t>第五層</a:t>
-            </a:r>
-          </a:p>
-        </p:txBody>
-      </p:sp>
-      <p:sp>
-        <p:nvSpPr>
-          <p:cNvPr id="4" name="日期版面配置區 3">
-            <a:extLst>
-              <a:ext uri="{FF2B5EF4-FFF2-40B4-BE49-F238E27FC236}">
-                <a16:creationId xmlns:a16="http://schemas.microsoft.com/office/drawing/2014/main" id="{3D1DA51B-12AC-43F2-B0E3-447DBABADC0A}"/>
-              </a:ext>
-            </a:extLst>
-          </p:cNvPr>
-          <p:cNvSpPr>
-            <a:spLocks noGrp="1"/>
-          </p:cNvSpPr>
-          <p:nvPr>
-            <p:ph type="dt" sz="half" idx="10"/>
-          </p:nvPr>
-        </p:nvSpPr>
-        <p:spPr/>
-        <p:txBody>
-          <a:bodyPr/>
+          <a:bodyPr rtlCol="0"/>
           <a:lstStyle/>
           <a:p>
             <a:fld id="{8737B4F4-F1D3-43E2-B425-0E71FA0E012F}" type="datetimeFigureOut">
               <a:rPr lang="zh-TW" altLang="en-US" smtClean="0"/>
-              <a:t>2020/5/2</a:t>
+              <a:t>2020/5/3</a:t>
             </a:fld>
             <a:endParaRPr lang="zh-TW" altLang="en-US"/>
           </a:p>
@@ -473,13 +3260,7 @@
       </p:sp>
       <p:sp>
         <p:nvSpPr>
-          <p:cNvPr id="5" name="頁尾版面配置區 4">
-            <a:extLst>
-              <a:ext uri="{FF2B5EF4-FFF2-40B4-BE49-F238E27FC236}">
-                <a16:creationId xmlns:a16="http://schemas.microsoft.com/office/drawing/2014/main" id="{47B2FBD5-F78A-42DE-8166-DA127B6A1A46}"/>
-              </a:ext>
-            </a:extLst>
-          </p:cNvPr>
+          <p:cNvPr id="5" name="頁尾版面配置區 4"/>
           <p:cNvSpPr>
             <a:spLocks noGrp="1"/>
           </p:cNvSpPr>
@@ -489,7 +3270,7 @@
         </p:nvSpPr>
         <p:spPr/>
         <p:txBody>
-          <a:bodyPr/>
+          <a:bodyPr rtlCol="0"/>
           <a:lstStyle/>
           <a:p>
             <a:endParaRPr lang="zh-TW" altLang="en-US"/>
@@ -498,13 +3279,7 @@
       </p:sp>
       <p:sp>
         <p:nvSpPr>
-          <p:cNvPr id="6" name="投影片編號版面配置區 5">
-            <a:extLst>
-              <a:ext uri="{FF2B5EF4-FFF2-40B4-BE49-F238E27FC236}">
-                <a16:creationId xmlns:a16="http://schemas.microsoft.com/office/drawing/2014/main" id="{5005AAB6-380D-42A9-BD18-18E4FC1E1244}"/>
-              </a:ext>
-            </a:extLst>
-          </p:cNvPr>
+          <p:cNvPr id="6" name="投影片編號預留位置 5"/>
           <p:cNvSpPr>
             <a:spLocks noGrp="1"/>
           </p:cNvSpPr>
@@ -514,7 +3289,7 @@
         </p:nvSpPr>
         <p:spPr/>
         <p:txBody>
-          <a:bodyPr/>
+          <a:bodyPr rtlCol="0"/>
           <a:lstStyle/>
           <a:p>
             <a:fld id="{C111C88A-28B0-4C11-A1A5-4D9ACEAA0798}" type="slidenum">
@@ -528,7 +3303,7 @@
     </p:spTree>
     <p:extLst>
       <p:ext uri="{BB962C8B-B14F-4D97-AF65-F5344CB8AC3E}">
-        <p14:creationId xmlns:p14="http://schemas.microsoft.com/office/powerpoint/2010/main" val="2196154800"/>
+        <p14:creationId xmlns:p14="http://schemas.microsoft.com/office/powerpoint/2010/main" val="3982954679"/>
       </p:ext>
     </p:extLst>
   </p:cSld>
@@ -538,7 +3313,7 @@
 </p:sldLayout>
 </file>
 
-<file path=ppt/slideLayouts/slideLayout11.xml><?xml version="1.0" encoding="utf-8"?>
+<file path=ppt/slideLayouts/slideLayout17.xml><?xml version="1.0" encoding="utf-8"?>
 <p:sldLayout xmlns:a="http://schemas.openxmlformats.org/drawingml/2006/main" xmlns:r="http://schemas.openxmlformats.org/officeDocument/2006/relationships" xmlns:p="http://schemas.openxmlformats.org/presentationml/2006/main" type="vertTitleAndTx" preserve="1">
   <p:cSld name="直排標題及文字">
     <p:spTree>
@@ -555,15 +3330,39 @@
           <a:chExt cx="0" cy="0"/>
         </a:xfrm>
       </p:grpSpPr>
-      <p:sp>
-        <p:nvSpPr>
-          <p:cNvPr id="2" name="直排標題 1">
+      <p:pic>
+        <p:nvPicPr>
+          <p:cNvPr id="9" name="圖片 8" descr="水滴-HD-內容-R1d.png"/>
+          <p:cNvPicPr>
+            <a:picLocks noChangeAspect="1"/>
+          </p:cNvPicPr>
+          <p:nvPr/>
+        </p:nvPicPr>
+        <p:blipFill>
+          <a:blip r:embed="rId2">
             <a:extLst>
-              <a:ext uri="{FF2B5EF4-FFF2-40B4-BE49-F238E27FC236}">
-                <a16:creationId xmlns:a16="http://schemas.microsoft.com/office/drawing/2014/main" id="{557A258C-5D7E-4A59-AE3B-41378FF4ACED}"/>
+              <a:ext uri="{28A0092B-C50C-407E-A947-70E740481C1C}">
+                <a14:useLocalDpi xmlns:a14="http://schemas.microsoft.com/office/drawing/2010/main" val="0"/>
               </a:ext>
             </a:extLst>
-          </p:cNvPr>
+          </a:blip>
+          <a:stretch>
+            <a:fillRect/>
+          </a:stretch>
+        </p:blipFill>
+        <p:spPr>
+          <a:xfrm>
+            <a:off x="0" y="0"/>
+            <a:ext cx="12192000" cy="6858000"/>
+          </a:xfrm>
+          <a:prstGeom prst="rect">
+            <a:avLst/>
+          </a:prstGeom>
+        </p:spPr>
+      </p:pic>
+      <p:sp>
+        <p:nvSpPr>
+          <p:cNvPr id="2" name="直排標題 1"/>
           <p:cNvSpPr>
             <a:spLocks noGrp="1"/>
           </p:cNvSpPr>
@@ -573,92 +3372,87 @@
         </p:nvSpPr>
         <p:spPr>
           <a:xfrm>
-            <a:off x="8724900" y="365125"/>
-            <a:ext cx="2628900" cy="5811838"/>
-          </a:xfrm>
-        </p:spPr>
-        <p:txBody>
-          <a:bodyPr vert="eaVert"/>
-          <a:lstStyle/>
-          <a:p>
-            <a:r>
-              <a:rPr lang="zh-TW" altLang="en-US"/>
+            <a:off x="8724900" y="609601"/>
+            <a:ext cx="2553326" cy="5181599"/>
+          </a:xfrm>
+        </p:spPr>
+        <p:txBody>
+          <a:bodyPr vert="eaVert" rtlCol="0"/>
+          <a:lstStyle>
+            <a:lvl1pPr algn="l">
+              <a:defRPr/>
+            </a:lvl1pPr>
+          </a:lstStyle>
+          <a:p>
+            <a:pPr rtl="0"/>
+            <a:r>
+              <a:rPr lang="zh-TW" altLang="en-US" noProof="0"/>
               <a:t>按一下以編輯母片標題樣式</a:t>
             </a:r>
-          </a:p>
-        </p:txBody>
-      </p:sp>
-      <p:sp>
-        <p:nvSpPr>
-          <p:cNvPr id="3" name="直排文字版面配置區 2">
-            <a:extLst>
-              <a:ext uri="{FF2B5EF4-FFF2-40B4-BE49-F238E27FC236}">
-                <a16:creationId xmlns:a16="http://schemas.microsoft.com/office/drawing/2014/main" id="{8E1DE768-B2EA-4C6B-BC50-A4B970562CC7}"/>
-              </a:ext>
-            </a:extLst>
-          </p:cNvPr>
-          <p:cNvSpPr>
-            <a:spLocks noGrp="1"/>
-          </p:cNvSpPr>
-          <p:nvPr>
-            <p:ph type="body" orient="vert" idx="1"/>
+            <a:endParaRPr lang="zh-TW" altLang="en-US" noProof="0" dirty="0"/>
+          </a:p>
+        </p:txBody>
+      </p:sp>
+      <p:sp>
+        <p:nvSpPr>
+          <p:cNvPr id="8" name="直排文字預留位置 2"/>
+          <p:cNvSpPr>
+            <a:spLocks noGrp="1"/>
+          </p:cNvSpPr>
+          <p:nvPr>
+            <p:ph type="body" orient="vert" sz="quarter" idx="13"/>
           </p:nvPr>
         </p:nvSpPr>
         <p:spPr>
           <a:xfrm>
-            <a:off x="838200" y="365125"/>
-            <a:ext cx="7734300" cy="5811838"/>
-          </a:xfrm>
-        </p:spPr>
-        <p:txBody>
-          <a:bodyPr vert="eaVert"/>
-          <a:lstStyle/>
-          <a:p>
-            <a:pPr lvl="0"/>
-            <a:r>
-              <a:rPr lang="zh-TW" altLang="en-US"/>
+            <a:off x="913775" y="609601"/>
+            <a:ext cx="7658724" cy="5181599"/>
+          </a:xfrm>
+        </p:spPr>
+        <p:txBody>
+          <a:bodyPr vert="eaVert" rtlCol="0"/>
+          <a:lstStyle/>
+          <a:p>
+            <a:pPr lvl="0" rtl="0"/>
+            <a:r>
+              <a:rPr lang="zh-TW" altLang="en-US" noProof="0"/>
               <a:t>按一下以編輯母片文字樣式</a:t>
             </a:r>
           </a:p>
           <a:p>
-            <a:pPr lvl="1"/>
-            <a:r>
-              <a:rPr lang="zh-TW" altLang="en-US"/>
+            <a:pPr lvl="1" rtl="0"/>
+            <a:r>
+              <a:rPr lang="zh-TW" altLang="en-US" noProof="0"/>
               <a:t>第二層</a:t>
             </a:r>
           </a:p>
           <a:p>
-            <a:pPr lvl="2"/>
-            <a:r>
-              <a:rPr lang="zh-TW" altLang="en-US"/>
+            <a:pPr lvl="2" rtl="0"/>
+            <a:r>
+              <a:rPr lang="zh-TW" altLang="en-US" noProof="0"/>
               <a:t>第三層</a:t>
             </a:r>
           </a:p>
           <a:p>
-            <a:pPr lvl="3"/>
-            <a:r>
-              <a:rPr lang="zh-TW" altLang="en-US"/>
+            <a:pPr lvl="3" rtl="0"/>
+            <a:r>
+              <a:rPr lang="zh-TW" altLang="en-US" noProof="0"/>
               <a:t>第四層</a:t>
             </a:r>
           </a:p>
           <a:p>
-            <a:pPr lvl="4"/>
-            <a:r>
-              <a:rPr lang="zh-TW" altLang="en-US"/>
+            <a:pPr lvl="4" rtl="0"/>
+            <a:r>
+              <a:rPr lang="zh-TW" altLang="en-US" noProof="0"/>
               <a:t>第五層</a:t>
             </a:r>
-          </a:p>
-        </p:txBody>
-      </p:sp>
-      <p:sp>
-        <p:nvSpPr>
-          <p:cNvPr id="4" name="日期版面配置區 3">
-            <a:extLst>
-              <a:ext uri="{FF2B5EF4-FFF2-40B4-BE49-F238E27FC236}">
-                <a16:creationId xmlns:a16="http://schemas.microsoft.com/office/drawing/2014/main" id="{EEA923BE-E05E-49EA-8E0C-369C06203F43}"/>
-              </a:ext>
-            </a:extLst>
-          </p:cNvPr>
+            <a:endParaRPr lang="zh-TW" altLang="en-US" noProof="0" dirty="0"/>
+          </a:p>
+        </p:txBody>
+      </p:sp>
+      <p:sp>
+        <p:nvSpPr>
+          <p:cNvPr id="4" name="日期版面配置區 3"/>
           <p:cNvSpPr>
             <a:spLocks noGrp="1"/>
           </p:cNvSpPr>
@@ -668,12 +3462,12 @@
         </p:nvSpPr>
         <p:spPr/>
         <p:txBody>
-          <a:bodyPr/>
+          <a:bodyPr rtlCol="0"/>
           <a:lstStyle/>
           <a:p>
             <a:fld id="{8737B4F4-F1D3-43E2-B425-0E71FA0E012F}" type="datetimeFigureOut">
               <a:rPr lang="zh-TW" altLang="en-US" smtClean="0"/>
-              <a:t>2020/5/2</a:t>
+              <a:t>2020/5/3</a:t>
             </a:fld>
             <a:endParaRPr lang="zh-TW" altLang="en-US"/>
           </a:p>
@@ -681,13 +3475,7 @@
       </p:sp>
       <p:sp>
         <p:nvSpPr>
-          <p:cNvPr id="5" name="頁尾版面配置區 4">
-            <a:extLst>
-              <a:ext uri="{FF2B5EF4-FFF2-40B4-BE49-F238E27FC236}">
-                <a16:creationId xmlns:a16="http://schemas.microsoft.com/office/drawing/2014/main" id="{330CAC01-F1E6-4C8A-B5EF-0E754A7B7D11}"/>
-              </a:ext>
-            </a:extLst>
-          </p:cNvPr>
+          <p:cNvPr id="5" name="頁尾版面配置區 4"/>
           <p:cNvSpPr>
             <a:spLocks noGrp="1"/>
           </p:cNvSpPr>
@@ -697,7 +3485,7 @@
         </p:nvSpPr>
         <p:spPr/>
         <p:txBody>
-          <a:bodyPr/>
+          <a:bodyPr rtlCol="0"/>
           <a:lstStyle/>
           <a:p>
             <a:endParaRPr lang="zh-TW" altLang="en-US"/>
@@ -706,13 +3494,7 @@
       </p:sp>
       <p:sp>
         <p:nvSpPr>
-          <p:cNvPr id="6" name="投影片編號版面配置區 5">
-            <a:extLst>
-              <a:ext uri="{FF2B5EF4-FFF2-40B4-BE49-F238E27FC236}">
-                <a16:creationId xmlns:a16="http://schemas.microsoft.com/office/drawing/2014/main" id="{C0025F4C-607D-4436-A986-F1471DEC6C63}"/>
-              </a:ext>
-            </a:extLst>
-          </p:cNvPr>
+          <p:cNvPr id="6" name="投影片編號預留位置 5"/>
           <p:cNvSpPr>
             <a:spLocks noGrp="1"/>
           </p:cNvSpPr>
@@ -722,7 +3504,7 @@
         </p:nvSpPr>
         <p:spPr/>
         <p:txBody>
-          <a:bodyPr/>
+          <a:bodyPr rtlCol="0"/>
           <a:lstStyle/>
           <a:p>
             <a:fld id="{C111C88A-28B0-4C11-A1A5-4D9ACEAA0798}" type="slidenum">
@@ -736,7 +3518,205 @@
     </p:spTree>
     <p:extLst>
       <p:ext uri="{BB962C8B-B14F-4D97-AF65-F5344CB8AC3E}">
-        <p14:creationId xmlns:p14="http://schemas.microsoft.com/office/powerpoint/2010/main" val="50418038"/>
+        <p14:creationId xmlns:p14="http://schemas.microsoft.com/office/powerpoint/2010/main" val="2107201574"/>
+      </p:ext>
+    </p:extLst>
+  </p:cSld>
+  <p:clrMapOvr>
+    <a:masterClrMapping/>
+  </p:clrMapOvr>
+</p:sldLayout>
+</file>
+
+<file path=ppt/slideLayouts/slideLayout18.xml><?xml version="1.0" encoding="utf-8"?>
+<p:sldLayout xmlns:a="http://schemas.openxmlformats.org/drawingml/2006/main" xmlns:r="http://schemas.openxmlformats.org/officeDocument/2006/relationships" xmlns:p="http://schemas.openxmlformats.org/presentationml/2006/main" type="obj">
+  <p:cSld name="1_標題及內容">
+    <p:spTree>
+      <p:nvGrpSpPr>
+        <p:cNvPr id="1" name=""/>
+        <p:cNvGrpSpPr/>
+        <p:nvPr/>
+      </p:nvGrpSpPr>
+      <p:grpSpPr>
+        <a:xfrm>
+          <a:off x="0" y="0"/>
+          <a:ext cx="0" cy="0"/>
+          <a:chOff x="0" y="0"/>
+          <a:chExt cx="0" cy="0"/>
+        </a:xfrm>
+      </p:grpSpPr>
+      <p:sp>
+        <p:nvSpPr>
+          <p:cNvPr id="2" name="標題 1">
+            <a:extLst>
+              <a:ext uri="{FF2B5EF4-FFF2-40B4-BE49-F238E27FC236}">
+                <a16:creationId xmlns:a16="http://schemas.microsoft.com/office/drawing/2014/main" id="{0E2EA5B2-4229-4360-8DA7-094C8141A010}"/>
+              </a:ext>
+            </a:extLst>
+          </p:cNvPr>
+          <p:cNvSpPr>
+            <a:spLocks noGrp="1"/>
+          </p:cNvSpPr>
+          <p:nvPr>
+            <p:ph type="title"/>
+          </p:nvPr>
+        </p:nvSpPr>
+        <p:spPr/>
+        <p:txBody>
+          <a:bodyPr/>
+          <a:lstStyle/>
+          <a:p>
+            <a:r>
+              <a:rPr lang="zh-TW" altLang="en-US"/>
+              <a:t>按一下以編輯母片標題樣式</a:t>
+            </a:r>
+          </a:p>
+        </p:txBody>
+      </p:sp>
+      <p:sp>
+        <p:nvSpPr>
+          <p:cNvPr id="3" name="內容版面配置區 2">
+            <a:extLst>
+              <a:ext uri="{FF2B5EF4-FFF2-40B4-BE49-F238E27FC236}">
+                <a16:creationId xmlns:a16="http://schemas.microsoft.com/office/drawing/2014/main" id="{ABF6CDC3-2449-4612-83A2-9542D41553CA}"/>
+              </a:ext>
+            </a:extLst>
+          </p:cNvPr>
+          <p:cNvSpPr>
+            <a:spLocks noGrp="1"/>
+          </p:cNvSpPr>
+          <p:nvPr>
+            <p:ph idx="1"/>
+          </p:nvPr>
+        </p:nvSpPr>
+        <p:spPr/>
+        <p:txBody>
+          <a:bodyPr/>
+          <a:lstStyle/>
+          <a:p>
+            <a:pPr lvl="0"/>
+            <a:r>
+              <a:rPr lang="zh-TW" altLang="en-US"/>
+              <a:t>按一下以編輯母片文字樣式</a:t>
+            </a:r>
+          </a:p>
+          <a:p>
+            <a:pPr lvl="1"/>
+            <a:r>
+              <a:rPr lang="zh-TW" altLang="en-US"/>
+              <a:t>第二層</a:t>
+            </a:r>
+          </a:p>
+          <a:p>
+            <a:pPr lvl="2"/>
+            <a:r>
+              <a:rPr lang="zh-TW" altLang="en-US"/>
+              <a:t>第三層</a:t>
+            </a:r>
+          </a:p>
+          <a:p>
+            <a:pPr lvl="3"/>
+            <a:r>
+              <a:rPr lang="zh-TW" altLang="en-US"/>
+              <a:t>第四層</a:t>
+            </a:r>
+          </a:p>
+          <a:p>
+            <a:pPr lvl="4"/>
+            <a:r>
+              <a:rPr lang="zh-TW" altLang="en-US"/>
+              <a:t>第五層</a:t>
+            </a:r>
+          </a:p>
+        </p:txBody>
+      </p:sp>
+      <p:sp>
+        <p:nvSpPr>
+          <p:cNvPr id="4" name="日期版面配置區 3">
+            <a:extLst>
+              <a:ext uri="{FF2B5EF4-FFF2-40B4-BE49-F238E27FC236}">
+                <a16:creationId xmlns:a16="http://schemas.microsoft.com/office/drawing/2014/main" id="{F9B96815-4CFF-4DA6-896E-145A52B22CED}"/>
+              </a:ext>
+            </a:extLst>
+          </p:cNvPr>
+          <p:cNvSpPr>
+            <a:spLocks noGrp="1"/>
+          </p:cNvSpPr>
+          <p:nvPr>
+            <p:ph type="dt" sz="half" idx="10"/>
+          </p:nvPr>
+        </p:nvSpPr>
+        <p:spPr/>
+        <p:txBody>
+          <a:bodyPr/>
+          <a:lstStyle/>
+          <a:p>
+            <a:fld id="{8737B4F4-F1D3-43E2-B425-0E71FA0E012F}" type="datetimeFigureOut">
+              <a:rPr lang="zh-TW" altLang="en-US" smtClean="0"/>
+              <a:t>2020/5/3</a:t>
+            </a:fld>
+            <a:endParaRPr lang="zh-TW" altLang="en-US"/>
+          </a:p>
+        </p:txBody>
+      </p:sp>
+      <p:sp>
+        <p:nvSpPr>
+          <p:cNvPr id="5" name="頁尾版面配置區 4">
+            <a:extLst>
+              <a:ext uri="{FF2B5EF4-FFF2-40B4-BE49-F238E27FC236}">
+                <a16:creationId xmlns:a16="http://schemas.microsoft.com/office/drawing/2014/main" id="{32618ED2-4FB4-43CE-A04C-F61DE480E420}"/>
+              </a:ext>
+            </a:extLst>
+          </p:cNvPr>
+          <p:cNvSpPr>
+            <a:spLocks noGrp="1"/>
+          </p:cNvSpPr>
+          <p:nvPr>
+            <p:ph type="ftr" sz="quarter" idx="11"/>
+          </p:nvPr>
+        </p:nvSpPr>
+        <p:spPr/>
+        <p:txBody>
+          <a:bodyPr/>
+          <a:lstStyle/>
+          <a:p>
+            <a:endParaRPr lang="zh-TW" altLang="en-US"/>
+          </a:p>
+        </p:txBody>
+      </p:sp>
+      <p:sp>
+        <p:nvSpPr>
+          <p:cNvPr id="6" name="投影片編號版面配置區 5">
+            <a:extLst>
+              <a:ext uri="{FF2B5EF4-FFF2-40B4-BE49-F238E27FC236}">
+                <a16:creationId xmlns:a16="http://schemas.microsoft.com/office/drawing/2014/main" id="{E9161801-13C2-4EE0-BA96-A524A19B0BD6}"/>
+              </a:ext>
+            </a:extLst>
+          </p:cNvPr>
+          <p:cNvSpPr>
+            <a:spLocks noGrp="1"/>
+          </p:cNvSpPr>
+          <p:nvPr>
+            <p:ph type="sldNum" sz="quarter" idx="12"/>
+          </p:nvPr>
+        </p:nvSpPr>
+        <p:spPr/>
+        <p:txBody>
+          <a:bodyPr/>
+          <a:lstStyle/>
+          <a:p>
+            <a:fld id="{C111C88A-28B0-4C11-A1A5-4D9ACEAA0798}" type="slidenum">
+              <a:rPr lang="zh-TW" altLang="en-US" smtClean="0"/>
+              <a:t>‹#›</a:t>
+            </a:fld>
+            <a:endParaRPr lang="zh-TW" altLang="en-US"/>
+          </a:p>
+        </p:txBody>
+      </p:sp>
+    </p:spTree>
+    <p:extLst>
+      <p:ext uri="{BB962C8B-B14F-4D97-AF65-F5344CB8AC3E}">
+        <p14:creationId xmlns:p14="http://schemas.microsoft.com/office/powerpoint/2010/main" val="4193726799"/>
       </p:ext>
     </p:extLst>
   </p:cSld>
@@ -763,15 +3743,39 @@
           <a:chExt cx="0" cy="0"/>
         </a:xfrm>
       </p:grpSpPr>
-      <p:sp>
-        <p:nvSpPr>
-          <p:cNvPr id="2" name="標題 1">
+      <p:pic>
+        <p:nvPicPr>
+          <p:cNvPr id="3" name="圖片 2" descr="水滴-HD-內容-R1d.png"/>
+          <p:cNvPicPr>
+            <a:picLocks noChangeAspect="1"/>
+          </p:cNvPicPr>
+          <p:nvPr/>
+        </p:nvPicPr>
+        <p:blipFill>
+          <a:blip r:embed="rId2">
             <a:extLst>
-              <a:ext uri="{FF2B5EF4-FFF2-40B4-BE49-F238E27FC236}">
-                <a16:creationId xmlns:a16="http://schemas.microsoft.com/office/drawing/2014/main" id="{0E2EA5B2-4229-4360-8DA7-094C8141A010}"/>
+              <a:ext uri="{28A0092B-C50C-407E-A947-70E740481C1C}">
+                <a14:useLocalDpi xmlns:a14="http://schemas.microsoft.com/office/drawing/2010/main" val="0"/>
               </a:ext>
             </a:extLst>
-          </p:cNvPr>
+          </a:blip>
+          <a:stretch>
+            <a:fillRect/>
+          </a:stretch>
+        </p:blipFill>
+        <p:spPr>
+          <a:xfrm>
+            <a:off x="0" y="0"/>
+            <a:ext cx="12192000" cy="6858000"/>
+          </a:xfrm>
+          <a:prstGeom prst="rect">
+            <a:avLst/>
+          </a:prstGeom>
+        </p:spPr>
+      </p:pic>
+      <p:sp>
+        <p:nvSpPr>
+          <p:cNvPr id="2" name="標題 1"/>
           <p:cNvSpPr>
             <a:spLocks noGrp="1"/>
           </p:cNvSpPr>
@@ -781,97 +3785,93 @@
         </p:nvSpPr>
         <p:spPr/>
         <p:txBody>
-          <a:bodyPr/>
-          <a:lstStyle/>
-          <a:p>
-            <a:r>
-              <a:rPr lang="zh-TW" altLang="en-US"/>
+          <a:bodyPr rtlCol="0"/>
+          <a:lstStyle/>
+          <a:p>
+            <a:pPr rtl="0"/>
+            <a:r>
+              <a:rPr lang="zh-TW" altLang="en-US" noProof="0"/>
               <a:t>按一下以編輯母片標題樣式</a:t>
             </a:r>
-          </a:p>
-        </p:txBody>
-      </p:sp>
-      <p:sp>
-        <p:nvSpPr>
-          <p:cNvPr id="3" name="內容版面配置區 2">
-            <a:extLst>
-              <a:ext uri="{FF2B5EF4-FFF2-40B4-BE49-F238E27FC236}">
-                <a16:creationId xmlns:a16="http://schemas.microsoft.com/office/drawing/2014/main" id="{ABF6CDC3-2449-4612-83A2-9542D41553CA}"/>
-              </a:ext>
-            </a:extLst>
-          </p:cNvPr>
-          <p:cNvSpPr>
-            <a:spLocks noGrp="1"/>
-          </p:cNvSpPr>
-          <p:nvPr>
-            <p:ph idx="1"/>
+            <a:endParaRPr lang="zh-TW" altLang="en-US" noProof="0" dirty="0"/>
+          </a:p>
+        </p:txBody>
+      </p:sp>
+      <p:sp>
+        <p:nvSpPr>
+          <p:cNvPr id="12" name="內容預留位置 2"/>
+          <p:cNvSpPr>
+            <a:spLocks noGrp="1"/>
+          </p:cNvSpPr>
+          <p:nvPr>
+            <p:ph sz="quarter" idx="13"/>
+          </p:nvPr>
+        </p:nvSpPr>
+        <p:spPr>
+          <a:xfrm>
+            <a:off x="913774" y="2367092"/>
+            <a:ext cx="10363826" cy="3424107"/>
+          </a:xfrm>
+        </p:spPr>
+        <p:txBody>
+          <a:bodyPr rtlCol="0"/>
+          <a:lstStyle/>
+          <a:p>
+            <a:pPr lvl="0" rtl="0"/>
+            <a:r>
+              <a:rPr lang="zh-TW" altLang="en-US" noProof="0"/>
+              <a:t>按一下以編輯母片文字樣式</a:t>
+            </a:r>
+          </a:p>
+          <a:p>
+            <a:pPr lvl="1" rtl="0"/>
+            <a:r>
+              <a:rPr lang="zh-TW" altLang="en-US" noProof="0"/>
+              <a:t>第二層</a:t>
+            </a:r>
+          </a:p>
+          <a:p>
+            <a:pPr lvl="2" rtl="0"/>
+            <a:r>
+              <a:rPr lang="zh-TW" altLang="en-US" noProof="0"/>
+              <a:t>第三層</a:t>
+            </a:r>
+          </a:p>
+          <a:p>
+            <a:pPr lvl="3" rtl="0"/>
+            <a:r>
+              <a:rPr lang="zh-TW" altLang="en-US" noProof="0"/>
+              <a:t>第四層</a:t>
+            </a:r>
+          </a:p>
+          <a:p>
+            <a:pPr lvl="4" rtl="0"/>
+            <a:r>
+              <a:rPr lang="zh-TW" altLang="en-US" noProof="0"/>
+              <a:t>第五層</a:t>
+            </a:r>
+            <a:endParaRPr lang="zh-TW" altLang="en-US" noProof="0" dirty="0"/>
+          </a:p>
+        </p:txBody>
+      </p:sp>
+      <p:sp>
+        <p:nvSpPr>
+          <p:cNvPr id="4" name="日期版面配置區 3"/>
+          <p:cNvSpPr>
+            <a:spLocks noGrp="1"/>
+          </p:cNvSpPr>
+          <p:nvPr>
+            <p:ph type="dt" sz="half" idx="10"/>
           </p:nvPr>
         </p:nvSpPr>
         <p:spPr/>
         <p:txBody>
-          <a:bodyPr/>
-          <a:lstStyle/>
-          <a:p>
-            <a:pPr lvl="0"/>
-            <a:r>
-              <a:rPr lang="zh-TW" altLang="en-US"/>
-              <a:t>按一下以編輯母片文字樣式</a:t>
-            </a:r>
-          </a:p>
-          <a:p>
-            <a:pPr lvl="1"/>
-            <a:r>
-              <a:rPr lang="zh-TW" altLang="en-US"/>
-              <a:t>第二層</a:t>
-            </a:r>
-          </a:p>
-          <a:p>
-            <a:pPr lvl="2"/>
-            <a:r>
-              <a:rPr lang="zh-TW" altLang="en-US"/>
-              <a:t>第三層</a:t>
-            </a:r>
-          </a:p>
-          <a:p>
-            <a:pPr lvl="3"/>
-            <a:r>
-              <a:rPr lang="zh-TW" altLang="en-US"/>
-              <a:t>第四層</a:t>
-            </a:r>
-          </a:p>
-          <a:p>
-            <a:pPr lvl="4"/>
-            <a:r>
-              <a:rPr lang="zh-TW" altLang="en-US"/>
-              <a:t>第五層</a:t>
-            </a:r>
-          </a:p>
-        </p:txBody>
-      </p:sp>
-      <p:sp>
-        <p:nvSpPr>
-          <p:cNvPr id="4" name="日期版面配置區 3">
-            <a:extLst>
-              <a:ext uri="{FF2B5EF4-FFF2-40B4-BE49-F238E27FC236}">
-                <a16:creationId xmlns:a16="http://schemas.microsoft.com/office/drawing/2014/main" id="{F9B96815-4CFF-4DA6-896E-145A52B22CED}"/>
-              </a:ext>
-            </a:extLst>
-          </p:cNvPr>
-          <p:cNvSpPr>
-            <a:spLocks noGrp="1"/>
-          </p:cNvSpPr>
-          <p:nvPr>
-            <p:ph type="dt" sz="half" idx="10"/>
-          </p:nvPr>
-        </p:nvSpPr>
-        <p:spPr/>
-        <p:txBody>
-          <a:bodyPr/>
+          <a:bodyPr rtlCol="0"/>
           <a:lstStyle/>
           <a:p>
             <a:fld id="{8737B4F4-F1D3-43E2-B425-0E71FA0E012F}" type="datetimeFigureOut">
               <a:rPr lang="zh-TW" altLang="en-US" smtClean="0"/>
-              <a:t>2020/5/2</a:t>
+              <a:t>2020/5/3</a:t>
             </a:fld>
             <a:endParaRPr lang="zh-TW" altLang="en-US"/>
           </a:p>
@@ -879,13 +3879,7 @@
       </p:sp>
       <p:sp>
         <p:nvSpPr>
-          <p:cNvPr id="5" name="頁尾版面配置區 4">
-            <a:extLst>
-              <a:ext uri="{FF2B5EF4-FFF2-40B4-BE49-F238E27FC236}">
-                <a16:creationId xmlns:a16="http://schemas.microsoft.com/office/drawing/2014/main" id="{32618ED2-4FB4-43CE-A04C-F61DE480E420}"/>
-              </a:ext>
-            </a:extLst>
-          </p:cNvPr>
+          <p:cNvPr id="5" name="頁尾版面配置區 4"/>
           <p:cNvSpPr>
             <a:spLocks noGrp="1"/>
           </p:cNvSpPr>
@@ -895,7 +3889,7 @@
         </p:nvSpPr>
         <p:spPr/>
         <p:txBody>
-          <a:bodyPr/>
+          <a:bodyPr rtlCol="0"/>
           <a:lstStyle/>
           <a:p>
             <a:endParaRPr lang="zh-TW" altLang="en-US"/>
@@ -904,13 +3898,7 @@
       </p:sp>
       <p:sp>
         <p:nvSpPr>
-          <p:cNvPr id="6" name="投影片編號版面配置區 5">
-            <a:extLst>
-              <a:ext uri="{FF2B5EF4-FFF2-40B4-BE49-F238E27FC236}">
-                <a16:creationId xmlns:a16="http://schemas.microsoft.com/office/drawing/2014/main" id="{E9161801-13C2-4EE0-BA96-A524A19B0BD6}"/>
-              </a:ext>
-            </a:extLst>
-          </p:cNvPr>
+          <p:cNvPr id="6" name="投影片編號預留位置 5"/>
           <p:cNvSpPr>
             <a:spLocks noGrp="1"/>
           </p:cNvSpPr>
@@ -920,7 +3908,7 @@
         </p:nvSpPr>
         <p:spPr/>
         <p:txBody>
-          <a:bodyPr/>
+          <a:bodyPr rtlCol="0"/>
           <a:lstStyle/>
           <a:p>
             <a:fld id="{C111C88A-28B0-4C11-A1A5-4D9ACEAA0798}" type="slidenum">
@@ -934,7 +3922,7 @@
     </p:spTree>
     <p:extLst>
       <p:ext uri="{BB962C8B-B14F-4D97-AF65-F5344CB8AC3E}">
-        <p14:creationId xmlns:p14="http://schemas.microsoft.com/office/powerpoint/2010/main" val="2476510028"/>
+        <p14:creationId xmlns:p14="http://schemas.microsoft.com/office/powerpoint/2010/main" val="582825359"/>
       </p:ext>
     </p:extLst>
   </p:cSld>
@@ -961,15 +3949,39 @@
           <a:chExt cx="0" cy="0"/>
         </a:xfrm>
       </p:grpSpPr>
-      <p:sp>
-        <p:nvSpPr>
-          <p:cNvPr id="2" name="標題 1">
+      <p:pic>
+        <p:nvPicPr>
+          <p:cNvPr id="9" name="圖片 8" descr="水滴-HD-內容-R1d.png"/>
+          <p:cNvPicPr>
+            <a:picLocks noChangeAspect="1"/>
+          </p:cNvPicPr>
+          <p:nvPr/>
+        </p:nvPicPr>
+        <p:blipFill>
+          <a:blip r:embed="rId2">
             <a:extLst>
-              <a:ext uri="{FF2B5EF4-FFF2-40B4-BE49-F238E27FC236}">
-                <a16:creationId xmlns:a16="http://schemas.microsoft.com/office/drawing/2014/main" id="{AD90232C-6AFA-471B-BDF5-F69F3A0B2EA8}"/>
+              <a:ext uri="{28A0092B-C50C-407E-A947-70E740481C1C}">
+                <a14:useLocalDpi xmlns:a14="http://schemas.microsoft.com/office/drawing/2010/main" val="0"/>
               </a:ext>
             </a:extLst>
-          </p:cNvPr>
+          </a:blip>
+          <a:stretch>
+            <a:fillRect/>
+          </a:stretch>
+        </p:blipFill>
+        <p:spPr>
+          <a:xfrm>
+            <a:off x="0" y="0"/>
+            <a:ext cx="12192000" cy="6858000"/>
+          </a:xfrm>
+          <a:prstGeom prst="rect">
+            <a:avLst/>
+          </a:prstGeom>
+        </p:spPr>
+      </p:pic>
+      <p:sp>
+        <p:nvSpPr>
+          <p:cNvPr id="2" name="標題 1"/>
           <p:cNvSpPr>
             <a:spLocks noGrp="1"/>
           </p:cNvSpPr>
@@ -979,34 +3991,32 @@
         </p:nvSpPr>
         <p:spPr>
           <a:xfrm>
-            <a:off x="831850" y="1709738"/>
-            <a:ext cx="10515600" cy="2852737"/>
-          </a:xfrm>
-        </p:spPr>
-        <p:txBody>
-          <a:bodyPr anchor="b"/>
+            <a:off x="913774" y="828563"/>
+            <a:ext cx="10351752" cy="2736819"/>
+          </a:xfrm>
+        </p:spPr>
+        <p:txBody>
+          <a:bodyPr rtlCol="0" anchor="b">
+            <a:normAutofit/>
+          </a:bodyPr>
           <a:lstStyle>
             <a:lvl1pPr>
-              <a:defRPr sz="6000"/>
+              <a:defRPr sz="4000"/>
             </a:lvl1pPr>
           </a:lstStyle>
           <a:p>
-            <a:r>
-              <a:rPr lang="zh-TW" altLang="en-US"/>
+            <a:pPr rtl="0"/>
+            <a:r>
+              <a:rPr lang="zh-TW" altLang="en-US" noProof="0"/>
               <a:t>按一下以編輯母片標題樣式</a:t>
             </a:r>
-          </a:p>
-        </p:txBody>
-      </p:sp>
-      <p:sp>
-        <p:nvSpPr>
-          <p:cNvPr id="3" name="文字版面配置區 2">
-            <a:extLst>
-              <a:ext uri="{FF2B5EF4-FFF2-40B4-BE49-F238E27FC236}">
-                <a16:creationId xmlns:a16="http://schemas.microsoft.com/office/drawing/2014/main" id="{6B9A73EB-DEB3-4F27-817D-362ED02D841B}"/>
-              </a:ext>
-            </a:extLst>
-          </p:cNvPr>
+            <a:endParaRPr lang="zh-TW" altLang="en-US" noProof="0" dirty="0"/>
+          </a:p>
+        </p:txBody>
+      </p:sp>
+      <p:sp>
+        <p:nvSpPr>
+          <p:cNvPr id="3" name="文字預留位置 2"/>
           <p:cNvSpPr>
             <a:spLocks noGrp="1"/>
           </p:cNvSpPr>
@@ -1016,19 +4026,21 @@
         </p:nvSpPr>
         <p:spPr>
           <a:xfrm>
-            <a:off x="831850" y="4589463"/>
-            <a:ext cx="10515600" cy="1500187"/>
-          </a:xfrm>
-        </p:spPr>
-        <p:txBody>
-          <a:bodyPr/>
+            <a:off x="913774" y="3657457"/>
+            <a:ext cx="10351752" cy="1368183"/>
+          </a:xfrm>
+        </p:spPr>
+        <p:txBody>
+          <a:bodyPr rtlCol="0">
+            <a:normAutofit/>
+          </a:bodyPr>
           <a:lstStyle>
-            <a:lvl1pPr marL="0" indent="0">
-              <a:buNone/>
-              <a:defRPr sz="2400">
+            <a:lvl1pPr marL="0" indent="0" algn="ctr">
+              <a:buNone/>
+              <a:defRPr sz="2000">
                 <a:solidFill>
-                  <a:schemeClr val="tx1">
-                    <a:tint val="75000"/>
+                  <a:schemeClr val="bg1">
+                    <a:lumMod val="50000"/>
                   </a:schemeClr>
                 </a:solidFill>
               </a:defRPr>
@@ -1115,9 +4127,9 @@
             </a:lvl9pPr>
           </a:lstStyle>
           <a:p>
-            <a:pPr lvl="0"/>
-            <a:r>
-              <a:rPr lang="zh-TW" altLang="en-US"/>
+            <a:pPr lvl="0" rtl="0"/>
+            <a:r>
+              <a:rPr lang="zh-TW" altLang="en-US" noProof="0"/>
               <a:t>按一下以編輯母片文字樣式</a:t>
             </a:r>
           </a:p>
@@ -1125,13 +4137,7 @@
       </p:sp>
       <p:sp>
         <p:nvSpPr>
-          <p:cNvPr id="4" name="日期版面配置區 3">
-            <a:extLst>
-              <a:ext uri="{FF2B5EF4-FFF2-40B4-BE49-F238E27FC236}">
-                <a16:creationId xmlns:a16="http://schemas.microsoft.com/office/drawing/2014/main" id="{EF08CF92-115D-4453-A613-4B8ED7DB7110}"/>
-              </a:ext>
-            </a:extLst>
-          </p:cNvPr>
+          <p:cNvPr id="4" name="日期版面配置區 3"/>
           <p:cNvSpPr>
             <a:spLocks noGrp="1"/>
           </p:cNvSpPr>
@@ -1141,12 +4147,12 @@
         </p:nvSpPr>
         <p:spPr/>
         <p:txBody>
-          <a:bodyPr/>
+          <a:bodyPr rtlCol="0"/>
           <a:lstStyle/>
           <a:p>
             <a:fld id="{8737B4F4-F1D3-43E2-B425-0E71FA0E012F}" type="datetimeFigureOut">
               <a:rPr lang="zh-TW" altLang="en-US" smtClean="0"/>
-              <a:t>2020/5/2</a:t>
+              <a:t>2020/5/3</a:t>
             </a:fld>
             <a:endParaRPr lang="zh-TW" altLang="en-US"/>
           </a:p>
@@ -1154,13 +4160,7 @@
       </p:sp>
       <p:sp>
         <p:nvSpPr>
-          <p:cNvPr id="5" name="頁尾版面配置區 4">
-            <a:extLst>
-              <a:ext uri="{FF2B5EF4-FFF2-40B4-BE49-F238E27FC236}">
-                <a16:creationId xmlns:a16="http://schemas.microsoft.com/office/drawing/2014/main" id="{037C65C9-DC6D-4047-BD84-4F20834C4F60}"/>
-              </a:ext>
-            </a:extLst>
-          </p:cNvPr>
+          <p:cNvPr id="5" name="頁尾版面配置區 4"/>
           <p:cNvSpPr>
             <a:spLocks noGrp="1"/>
           </p:cNvSpPr>
@@ -1170,7 +4170,7 @@
         </p:nvSpPr>
         <p:spPr/>
         <p:txBody>
-          <a:bodyPr/>
+          <a:bodyPr rtlCol="0"/>
           <a:lstStyle/>
           <a:p>
             <a:endParaRPr lang="zh-TW" altLang="en-US"/>
@@ -1179,13 +4179,7 @@
       </p:sp>
       <p:sp>
         <p:nvSpPr>
-          <p:cNvPr id="6" name="投影片編號版面配置區 5">
-            <a:extLst>
-              <a:ext uri="{FF2B5EF4-FFF2-40B4-BE49-F238E27FC236}">
-                <a16:creationId xmlns:a16="http://schemas.microsoft.com/office/drawing/2014/main" id="{56AB023E-4A2F-452E-A124-88FD8F8673FA}"/>
-              </a:ext>
-            </a:extLst>
-          </p:cNvPr>
+          <p:cNvPr id="6" name="投影片編號預留位置 5"/>
           <p:cNvSpPr>
             <a:spLocks noGrp="1"/>
           </p:cNvSpPr>
@@ -1195,7 +4189,7 @@
         </p:nvSpPr>
         <p:spPr/>
         <p:txBody>
-          <a:bodyPr/>
+          <a:bodyPr rtlCol="0"/>
           <a:lstStyle/>
           <a:p>
             <a:fld id="{C111C88A-28B0-4C11-A1A5-4D9ACEAA0798}" type="slidenum">
@@ -1209,7 +4203,7 @@
     </p:spTree>
     <p:extLst>
       <p:ext uri="{BB962C8B-B14F-4D97-AF65-F5344CB8AC3E}">
-        <p14:creationId xmlns:p14="http://schemas.microsoft.com/office/powerpoint/2010/main" val="2595330192"/>
+        <p14:creationId xmlns:p14="http://schemas.microsoft.com/office/powerpoint/2010/main" val="4059707015"/>
       </p:ext>
     </p:extLst>
   </p:cSld>
@@ -1236,15 +4230,39 @@
           <a:chExt cx="0" cy="0"/>
         </a:xfrm>
       </p:grpSpPr>
-      <p:sp>
-        <p:nvSpPr>
-          <p:cNvPr id="2" name="標題 1">
+      <p:pic>
+        <p:nvPicPr>
+          <p:cNvPr id="10" name="圖片 9" descr="水滴-HD-內容-R1d.png"/>
+          <p:cNvPicPr>
+            <a:picLocks noChangeAspect="1"/>
+          </p:cNvPicPr>
+          <p:nvPr/>
+        </p:nvPicPr>
+        <p:blipFill>
+          <a:blip r:embed="rId2">
             <a:extLst>
-              <a:ext uri="{FF2B5EF4-FFF2-40B4-BE49-F238E27FC236}">
-                <a16:creationId xmlns:a16="http://schemas.microsoft.com/office/drawing/2014/main" id="{567C5059-C38B-4401-9139-4A0AA9055DA9}"/>
+              <a:ext uri="{28A0092B-C50C-407E-A947-70E740481C1C}">
+                <a14:useLocalDpi xmlns:a14="http://schemas.microsoft.com/office/drawing/2010/main" val="0"/>
               </a:ext>
             </a:extLst>
-          </p:cNvPr>
+          </a:blip>
+          <a:stretch>
+            <a:fillRect/>
+          </a:stretch>
+        </p:blipFill>
+        <p:spPr>
+          <a:xfrm>
+            <a:off x="0" y="0"/>
+            <a:ext cx="12192000" cy="6858000"/>
+          </a:xfrm>
+          <a:prstGeom prst="rect">
+            <a:avLst/>
+          </a:prstGeom>
+        </p:spPr>
+      </p:pic>
+      <p:sp>
+        <p:nvSpPr>
+          <p:cNvPr id="14" name="標題 1"/>
           <p:cNvSpPr>
             <a:spLocks noGrp="1"/>
           </p:cNvSpPr>
@@ -1252,166 +4270,157 @@
             <p:ph type="title"/>
           </p:nvPr>
         </p:nvSpPr>
+        <p:spPr>
+          <a:xfrm>
+            <a:off x="913775" y="618517"/>
+            <a:ext cx="10364451" cy="1596177"/>
+          </a:xfrm>
+        </p:spPr>
+        <p:txBody>
+          <a:bodyPr rtlCol="0"/>
+          <a:lstStyle/>
+          <a:p>
+            <a:pPr rtl="0"/>
+            <a:r>
+              <a:rPr lang="zh-TW" altLang="en-US" noProof="0"/>
+              <a:t>按一下以編輯母片標題樣式</a:t>
+            </a:r>
+            <a:endParaRPr lang="zh-TW" altLang="en-US" noProof="0" dirty="0"/>
+          </a:p>
+        </p:txBody>
+      </p:sp>
+      <p:sp>
+        <p:nvSpPr>
+          <p:cNvPr id="12" name="內容預留位置 2"/>
+          <p:cNvSpPr>
+            <a:spLocks noGrp="1"/>
+          </p:cNvSpPr>
+          <p:nvPr>
+            <p:ph sz="quarter" idx="13"/>
+          </p:nvPr>
+        </p:nvSpPr>
+        <p:spPr>
+          <a:xfrm>
+            <a:off x="913774" y="2367092"/>
+            <a:ext cx="5106026" cy="3424107"/>
+          </a:xfrm>
+        </p:spPr>
+        <p:txBody>
+          <a:bodyPr rtlCol="0"/>
+          <a:lstStyle/>
+          <a:p>
+            <a:pPr lvl="0" rtl="0"/>
+            <a:r>
+              <a:rPr lang="zh-TW" altLang="en-US" noProof="0"/>
+              <a:t>按一下以編輯母片文字樣式</a:t>
+            </a:r>
+          </a:p>
+          <a:p>
+            <a:pPr lvl="1" rtl="0"/>
+            <a:r>
+              <a:rPr lang="zh-TW" altLang="en-US" noProof="0"/>
+              <a:t>第二層</a:t>
+            </a:r>
+          </a:p>
+          <a:p>
+            <a:pPr lvl="2" rtl="0"/>
+            <a:r>
+              <a:rPr lang="zh-TW" altLang="en-US" noProof="0"/>
+              <a:t>第三層</a:t>
+            </a:r>
+          </a:p>
+          <a:p>
+            <a:pPr lvl="3" rtl="0"/>
+            <a:r>
+              <a:rPr lang="zh-TW" altLang="en-US" noProof="0"/>
+              <a:t>第四層</a:t>
+            </a:r>
+          </a:p>
+          <a:p>
+            <a:pPr lvl="4" rtl="0"/>
+            <a:r>
+              <a:rPr lang="zh-TW" altLang="en-US" noProof="0"/>
+              <a:t>第五層</a:t>
+            </a:r>
+            <a:endParaRPr lang="zh-TW" altLang="en-US" noProof="0" dirty="0"/>
+          </a:p>
+        </p:txBody>
+      </p:sp>
+      <p:sp>
+        <p:nvSpPr>
+          <p:cNvPr id="13" name="內容預留位置 3"/>
+          <p:cNvSpPr>
+            <a:spLocks noGrp="1"/>
+          </p:cNvSpPr>
+          <p:nvPr>
+            <p:ph sz="quarter" idx="14"/>
+          </p:nvPr>
+        </p:nvSpPr>
+        <p:spPr>
+          <a:xfrm>
+            <a:off x="6172200" y="2367092"/>
+            <a:ext cx="5105400" cy="3424107"/>
+          </a:xfrm>
+        </p:spPr>
+        <p:txBody>
+          <a:bodyPr rtlCol="0"/>
+          <a:lstStyle/>
+          <a:p>
+            <a:pPr lvl="0" rtl="0"/>
+            <a:r>
+              <a:rPr lang="zh-TW" altLang="en-US" noProof="0"/>
+              <a:t>按一下以編輯母片文字樣式</a:t>
+            </a:r>
+          </a:p>
+          <a:p>
+            <a:pPr lvl="1" rtl="0"/>
+            <a:r>
+              <a:rPr lang="zh-TW" altLang="en-US" noProof="0"/>
+              <a:t>第二層</a:t>
+            </a:r>
+          </a:p>
+          <a:p>
+            <a:pPr lvl="2" rtl="0"/>
+            <a:r>
+              <a:rPr lang="zh-TW" altLang="en-US" noProof="0"/>
+              <a:t>第三層</a:t>
+            </a:r>
+          </a:p>
+          <a:p>
+            <a:pPr lvl="3" rtl="0"/>
+            <a:r>
+              <a:rPr lang="zh-TW" altLang="en-US" noProof="0"/>
+              <a:t>第四層</a:t>
+            </a:r>
+          </a:p>
+          <a:p>
+            <a:pPr lvl="4" rtl="0"/>
+            <a:r>
+              <a:rPr lang="zh-TW" altLang="en-US" noProof="0"/>
+              <a:t>第五層</a:t>
+            </a:r>
+            <a:endParaRPr lang="zh-TW" altLang="en-US" noProof="0" dirty="0"/>
+          </a:p>
+        </p:txBody>
+      </p:sp>
+      <p:sp>
+        <p:nvSpPr>
+          <p:cNvPr id="5" name="日期版面配置區 4"/>
+          <p:cNvSpPr>
+            <a:spLocks noGrp="1"/>
+          </p:cNvSpPr>
+          <p:nvPr>
+            <p:ph type="dt" sz="half" idx="10"/>
+          </p:nvPr>
+        </p:nvSpPr>
         <p:spPr/>
         <p:txBody>
-          <a:bodyPr/>
-          <a:lstStyle/>
-          <a:p>
-            <a:r>
-              <a:rPr lang="zh-TW" altLang="en-US"/>
-              <a:t>按一下以編輯母片標題樣式</a:t>
-            </a:r>
-          </a:p>
-        </p:txBody>
-      </p:sp>
-      <p:sp>
-        <p:nvSpPr>
-          <p:cNvPr id="3" name="內容版面配置區 2">
-            <a:extLst>
-              <a:ext uri="{FF2B5EF4-FFF2-40B4-BE49-F238E27FC236}">
-                <a16:creationId xmlns:a16="http://schemas.microsoft.com/office/drawing/2014/main" id="{8EC344B1-BF58-474A-918B-D9C1C3C03F83}"/>
-              </a:ext>
-            </a:extLst>
-          </p:cNvPr>
-          <p:cNvSpPr>
-            <a:spLocks noGrp="1"/>
-          </p:cNvSpPr>
-          <p:nvPr>
-            <p:ph sz="half" idx="1"/>
-          </p:nvPr>
-        </p:nvSpPr>
-        <p:spPr>
-          <a:xfrm>
-            <a:off x="838200" y="1825625"/>
-            <a:ext cx="5181600" cy="4351338"/>
-          </a:xfrm>
-        </p:spPr>
-        <p:txBody>
-          <a:bodyPr/>
-          <a:lstStyle/>
-          <a:p>
-            <a:pPr lvl="0"/>
-            <a:r>
-              <a:rPr lang="zh-TW" altLang="en-US"/>
-              <a:t>按一下以編輯母片文字樣式</a:t>
-            </a:r>
-          </a:p>
-          <a:p>
-            <a:pPr lvl="1"/>
-            <a:r>
-              <a:rPr lang="zh-TW" altLang="en-US"/>
-              <a:t>第二層</a:t>
-            </a:r>
-          </a:p>
-          <a:p>
-            <a:pPr lvl="2"/>
-            <a:r>
-              <a:rPr lang="zh-TW" altLang="en-US"/>
-              <a:t>第三層</a:t>
-            </a:r>
-          </a:p>
-          <a:p>
-            <a:pPr lvl="3"/>
-            <a:r>
-              <a:rPr lang="zh-TW" altLang="en-US"/>
-              <a:t>第四層</a:t>
-            </a:r>
-          </a:p>
-          <a:p>
-            <a:pPr lvl="4"/>
-            <a:r>
-              <a:rPr lang="zh-TW" altLang="en-US"/>
-              <a:t>第五層</a:t>
-            </a:r>
-          </a:p>
-        </p:txBody>
-      </p:sp>
-      <p:sp>
-        <p:nvSpPr>
-          <p:cNvPr id="4" name="內容版面配置區 3">
-            <a:extLst>
-              <a:ext uri="{FF2B5EF4-FFF2-40B4-BE49-F238E27FC236}">
-                <a16:creationId xmlns:a16="http://schemas.microsoft.com/office/drawing/2014/main" id="{12347C5C-F09B-426F-B114-0CDF32ABA0B7}"/>
-              </a:ext>
-            </a:extLst>
-          </p:cNvPr>
-          <p:cNvSpPr>
-            <a:spLocks noGrp="1"/>
-          </p:cNvSpPr>
-          <p:nvPr>
-            <p:ph sz="half" idx="2"/>
-          </p:nvPr>
-        </p:nvSpPr>
-        <p:spPr>
-          <a:xfrm>
-            <a:off x="6172200" y="1825625"/>
-            <a:ext cx="5181600" cy="4351338"/>
-          </a:xfrm>
-        </p:spPr>
-        <p:txBody>
-          <a:bodyPr/>
-          <a:lstStyle/>
-          <a:p>
-            <a:pPr lvl="0"/>
-            <a:r>
-              <a:rPr lang="zh-TW" altLang="en-US"/>
-              <a:t>按一下以編輯母片文字樣式</a:t>
-            </a:r>
-          </a:p>
-          <a:p>
-            <a:pPr lvl="1"/>
-            <a:r>
-              <a:rPr lang="zh-TW" altLang="en-US"/>
-              <a:t>第二層</a:t>
-            </a:r>
-          </a:p>
-          <a:p>
-            <a:pPr lvl="2"/>
-            <a:r>
-              <a:rPr lang="zh-TW" altLang="en-US"/>
-              <a:t>第三層</a:t>
-            </a:r>
-          </a:p>
-          <a:p>
-            <a:pPr lvl="3"/>
-            <a:r>
-              <a:rPr lang="zh-TW" altLang="en-US"/>
-              <a:t>第四層</a:t>
-            </a:r>
-          </a:p>
-          <a:p>
-            <a:pPr lvl="4"/>
-            <a:r>
-              <a:rPr lang="zh-TW" altLang="en-US"/>
-              <a:t>第五層</a:t>
-            </a:r>
-          </a:p>
-        </p:txBody>
-      </p:sp>
-      <p:sp>
-        <p:nvSpPr>
-          <p:cNvPr id="5" name="日期版面配置區 4">
-            <a:extLst>
-              <a:ext uri="{FF2B5EF4-FFF2-40B4-BE49-F238E27FC236}">
-                <a16:creationId xmlns:a16="http://schemas.microsoft.com/office/drawing/2014/main" id="{5ADBA2CA-F061-4FB4-A8E8-4CB0DC9B2C0E}"/>
-              </a:ext>
-            </a:extLst>
-          </p:cNvPr>
-          <p:cNvSpPr>
-            <a:spLocks noGrp="1"/>
-          </p:cNvSpPr>
-          <p:nvPr>
-            <p:ph type="dt" sz="half" idx="10"/>
-          </p:nvPr>
-        </p:nvSpPr>
-        <p:spPr/>
-        <p:txBody>
-          <a:bodyPr/>
+          <a:bodyPr rtlCol="0"/>
           <a:lstStyle/>
           <a:p>
             <a:fld id="{8737B4F4-F1D3-43E2-B425-0E71FA0E012F}" type="datetimeFigureOut">
               <a:rPr lang="zh-TW" altLang="en-US" smtClean="0"/>
-              <a:t>2020/5/2</a:t>
+              <a:t>2020/5/3</a:t>
             </a:fld>
             <a:endParaRPr lang="zh-TW" altLang="en-US"/>
           </a:p>
@@ -1419,13 +4428,7 @@
       </p:sp>
       <p:sp>
         <p:nvSpPr>
-          <p:cNvPr id="6" name="頁尾版面配置區 5">
-            <a:extLst>
-              <a:ext uri="{FF2B5EF4-FFF2-40B4-BE49-F238E27FC236}">
-                <a16:creationId xmlns:a16="http://schemas.microsoft.com/office/drawing/2014/main" id="{FB893F07-E2A3-4154-AC21-2BD4A42D136C}"/>
-              </a:ext>
-            </a:extLst>
-          </p:cNvPr>
+          <p:cNvPr id="6" name="頁尾版面配置區 5"/>
           <p:cNvSpPr>
             <a:spLocks noGrp="1"/>
           </p:cNvSpPr>
@@ -1435,7 +4438,7 @@
         </p:nvSpPr>
         <p:spPr/>
         <p:txBody>
-          <a:bodyPr/>
+          <a:bodyPr rtlCol="0"/>
           <a:lstStyle/>
           <a:p>
             <a:endParaRPr lang="zh-TW" altLang="en-US"/>
@@ -1444,13 +4447,7 @@
       </p:sp>
       <p:sp>
         <p:nvSpPr>
-          <p:cNvPr id="7" name="投影片編號版面配置區 6">
-            <a:extLst>
-              <a:ext uri="{FF2B5EF4-FFF2-40B4-BE49-F238E27FC236}">
-                <a16:creationId xmlns:a16="http://schemas.microsoft.com/office/drawing/2014/main" id="{912ADEDB-96BF-47E1-BE5B-723EF3F94D63}"/>
-              </a:ext>
-            </a:extLst>
-          </p:cNvPr>
+          <p:cNvPr id="7" name="投影片編號預留位置 6"/>
           <p:cNvSpPr>
             <a:spLocks noGrp="1"/>
           </p:cNvSpPr>
@@ -1460,7 +4457,7 @@
         </p:nvSpPr>
         <p:spPr/>
         <p:txBody>
-          <a:bodyPr/>
+          <a:bodyPr rtlCol="0"/>
           <a:lstStyle/>
           <a:p>
             <a:fld id="{C111C88A-28B0-4C11-A1A5-4D9ACEAA0798}" type="slidenum">
@@ -1474,7 +4471,7 @@
     </p:spTree>
     <p:extLst>
       <p:ext uri="{BB962C8B-B14F-4D97-AF65-F5344CB8AC3E}">
-        <p14:creationId xmlns:p14="http://schemas.microsoft.com/office/powerpoint/2010/main" val="2182183120"/>
+        <p14:creationId xmlns:p14="http://schemas.microsoft.com/office/powerpoint/2010/main" val="2663073035"/>
       </p:ext>
     </p:extLst>
   </p:cSld>
@@ -1501,15 +4498,39 @@
           <a:chExt cx="0" cy="0"/>
         </a:xfrm>
       </p:grpSpPr>
-      <p:sp>
-        <p:nvSpPr>
-          <p:cNvPr id="2" name="標題 1">
+      <p:pic>
+        <p:nvPicPr>
+          <p:cNvPr id="15" name="圖片 14" descr="水滴-HD-內容-R1d.png"/>
+          <p:cNvPicPr>
+            <a:picLocks noChangeAspect="1"/>
+          </p:cNvPicPr>
+          <p:nvPr/>
+        </p:nvPicPr>
+        <p:blipFill>
+          <a:blip r:embed="rId2">
             <a:extLst>
-              <a:ext uri="{FF2B5EF4-FFF2-40B4-BE49-F238E27FC236}">
-                <a16:creationId xmlns:a16="http://schemas.microsoft.com/office/drawing/2014/main" id="{804E27E4-8568-4764-B3AA-035C357F3242}"/>
+              <a:ext uri="{28A0092B-C50C-407E-A947-70E740481C1C}">
+                <a14:useLocalDpi xmlns:a14="http://schemas.microsoft.com/office/drawing/2010/main" val="0"/>
               </a:ext>
             </a:extLst>
-          </p:cNvPr>
+          </a:blip>
+          <a:stretch>
+            <a:fillRect/>
+          </a:stretch>
+        </p:blipFill>
+        <p:spPr>
+          <a:xfrm>
+            <a:off x="0" y="0"/>
+            <a:ext cx="12192000" cy="6858000"/>
+          </a:xfrm>
+          <a:prstGeom prst="rect">
+            <a:avLst/>
+          </a:prstGeom>
+        </p:spPr>
+      </p:pic>
+      <p:sp>
+        <p:nvSpPr>
+          <p:cNvPr id="14" name="標題 1"/>
           <p:cNvSpPr>
             <a:spLocks noGrp="1"/>
           </p:cNvSpPr>
@@ -1519,30 +4540,26 @@
         </p:nvSpPr>
         <p:spPr>
           <a:xfrm>
-            <a:off x="839788" y="365125"/>
-            <a:ext cx="10515600" cy="1325563"/>
-          </a:xfrm>
-        </p:spPr>
-        <p:txBody>
-          <a:bodyPr/>
-          <a:lstStyle/>
-          <a:p>
-            <a:r>
-              <a:rPr lang="zh-TW" altLang="en-US"/>
+            <a:off x="913775" y="618517"/>
+            <a:ext cx="10364451" cy="1596177"/>
+          </a:xfrm>
+        </p:spPr>
+        <p:txBody>
+          <a:bodyPr rtlCol="0"/>
+          <a:lstStyle/>
+          <a:p>
+            <a:pPr rtl="0"/>
+            <a:r>
+              <a:rPr lang="zh-TW" altLang="en-US" noProof="0"/>
               <a:t>按一下以編輯母片標題樣式</a:t>
             </a:r>
-          </a:p>
-        </p:txBody>
-      </p:sp>
-      <p:sp>
-        <p:nvSpPr>
-          <p:cNvPr id="3" name="文字版面配置區 2">
-            <a:extLst>
-              <a:ext uri="{FF2B5EF4-FFF2-40B4-BE49-F238E27FC236}">
-                <a16:creationId xmlns:a16="http://schemas.microsoft.com/office/drawing/2014/main" id="{D908B289-239C-45C3-980C-2F69D132B9C0}"/>
-              </a:ext>
-            </a:extLst>
-          </p:cNvPr>
+            <a:endParaRPr lang="zh-TW" altLang="en-US" noProof="0" dirty="0"/>
+          </a:p>
+        </p:txBody>
+      </p:sp>
+      <p:sp>
+        <p:nvSpPr>
+          <p:cNvPr id="3" name="文字預留位置 2"/>
           <p:cNvSpPr>
             <a:spLocks noGrp="1"/>
           </p:cNvSpPr>
@@ -1552,16 +4569,25 @@
         </p:nvSpPr>
         <p:spPr>
           <a:xfrm>
-            <a:off x="839788" y="1681163"/>
-            <a:ext cx="5157787" cy="823912"/>
-          </a:xfrm>
-        </p:spPr>
-        <p:txBody>
-          <a:bodyPr anchor="b"/>
+            <a:off x="1146328" y="2371018"/>
+            <a:ext cx="4873474" cy="679994"/>
+          </a:xfrm>
+        </p:spPr>
+        <p:txBody>
+          <a:bodyPr rtlCol="0" anchor="b">
+            <a:noAutofit/>
+          </a:bodyPr>
           <a:lstStyle>
             <a:lvl1pPr marL="0" indent="0">
-              <a:buNone/>
-              <a:defRPr sz="2400" b="1"/>
+              <a:lnSpc>
+                <a:spcPct val="85000"/>
+              </a:lnSpc>
+              <a:buNone/>
+              <a:defRPr sz="2600" b="0">
+                <a:solidFill>
+                  <a:schemeClr val="tx1"/>
+                </a:solidFill>
+              </a:defRPr>
             </a:lvl1pPr>
             <a:lvl2pPr marL="457200" indent="0">
               <a:buNone/>
@@ -1597,9 +4623,9 @@
             </a:lvl9pPr>
           </a:lstStyle>
           <a:p>
-            <a:pPr lvl="0"/>
-            <a:r>
-              <a:rPr lang="zh-TW" altLang="en-US"/>
+            <a:pPr lvl="0" rtl="0"/>
+            <a:r>
+              <a:rPr lang="zh-TW" altLang="en-US" noProof="0"/>
               <a:t>按一下以編輯母片文字樣式</a:t>
             </a:r>
           </a:p>
@@ -1607,75 +4633,64 @@
       </p:sp>
       <p:sp>
         <p:nvSpPr>
-          <p:cNvPr id="4" name="內容版面配置區 3">
-            <a:extLst>
-              <a:ext uri="{FF2B5EF4-FFF2-40B4-BE49-F238E27FC236}">
-                <a16:creationId xmlns:a16="http://schemas.microsoft.com/office/drawing/2014/main" id="{C9C66F53-14DD-48AC-AC46-518D88305A70}"/>
-              </a:ext>
-            </a:extLst>
-          </p:cNvPr>
-          <p:cNvSpPr>
-            <a:spLocks noGrp="1"/>
-          </p:cNvSpPr>
-          <p:nvPr>
-            <p:ph sz="half" idx="2"/>
+          <p:cNvPr id="12" name="內容預留位置 3"/>
+          <p:cNvSpPr>
+            <a:spLocks noGrp="1"/>
+          </p:cNvSpPr>
+          <p:nvPr>
+            <p:ph sz="quarter" idx="13"/>
           </p:nvPr>
         </p:nvSpPr>
         <p:spPr>
           <a:xfrm>
-            <a:off x="839788" y="2505075"/>
-            <a:ext cx="5157787" cy="3684588"/>
-          </a:xfrm>
-        </p:spPr>
-        <p:txBody>
-          <a:bodyPr/>
-          <a:lstStyle/>
-          <a:p>
-            <a:pPr lvl="0"/>
-            <a:r>
-              <a:rPr lang="zh-TW" altLang="en-US"/>
+            <a:off x="913774" y="3051012"/>
+            <a:ext cx="5106027" cy="2740187"/>
+          </a:xfrm>
+        </p:spPr>
+        <p:txBody>
+          <a:bodyPr rtlCol="0"/>
+          <a:lstStyle/>
+          <a:p>
+            <a:pPr lvl="0" rtl="0"/>
+            <a:r>
+              <a:rPr lang="zh-TW" altLang="en-US" noProof="0"/>
               <a:t>按一下以編輯母片文字樣式</a:t>
             </a:r>
           </a:p>
           <a:p>
-            <a:pPr lvl="1"/>
-            <a:r>
-              <a:rPr lang="zh-TW" altLang="en-US"/>
+            <a:pPr lvl="1" rtl="0"/>
+            <a:r>
+              <a:rPr lang="zh-TW" altLang="en-US" noProof="0"/>
               <a:t>第二層</a:t>
             </a:r>
           </a:p>
           <a:p>
-            <a:pPr lvl="2"/>
-            <a:r>
-              <a:rPr lang="zh-TW" altLang="en-US"/>
+            <a:pPr lvl="2" rtl="0"/>
+            <a:r>
+              <a:rPr lang="zh-TW" altLang="en-US" noProof="0"/>
               <a:t>第三層</a:t>
             </a:r>
           </a:p>
           <a:p>
-            <a:pPr lvl="3"/>
-            <a:r>
-              <a:rPr lang="zh-TW" altLang="en-US"/>
+            <a:pPr lvl="3" rtl="0"/>
+            <a:r>
+              <a:rPr lang="zh-TW" altLang="en-US" noProof="0"/>
               <a:t>第四層</a:t>
             </a:r>
           </a:p>
           <a:p>
-            <a:pPr lvl="4"/>
-            <a:r>
-              <a:rPr lang="zh-TW" altLang="en-US"/>
+            <a:pPr lvl="4" rtl="0"/>
+            <a:r>
+              <a:rPr lang="zh-TW" altLang="en-US" noProof="0"/>
               <a:t>第五層</a:t>
             </a:r>
-          </a:p>
-        </p:txBody>
-      </p:sp>
-      <p:sp>
-        <p:nvSpPr>
-          <p:cNvPr id="5" name="文字版面配置區 4">
-            <a:extLst>
-              <a:ext uri="{FF2B5EF4-FFF2-40B4-BE49-F238E27FC236}">
-                <a16:creationId xmlns:a16="http://schemas.microsoft.com/office/drawing/2014/main" id="{DCDD6782-C110-40A3-B63A-29169318EF56}"/>
-              </a:ext>
-            </a:extLst>
-          </p:cNvPr>
+            <a:endParaRPr lang="zh-TW" altLang="en-US" noProof="0" dirty="0"/>
+          </a:p>
+        </p:txBody>
+      </p:sp>
+      <p:sp>
+        <p:nvSpPr>
+          <p:cNvPr id="5" name="文字預留位置 4"/>
           <p:cNvSpPr>
             <a:spLocks noGrp="1"/>
           </p:cNvSpPr>
@@ -1685,16 +4700,25 @@
         </p:nvSpPr>
         <p:spPr>
           <a:xfrm>
-            <a:off x="6172200" y="1681163"/>
-            <a:ext cx="5183188" cy="823912"/>
-          </a:xfrm>
-        </p:spPr>
-        <p:txBody>
-          <a:bodyPr anchor="b"/>
+            <a:off x="6396423" y="2371018"/>
+            <a:ext cx="4881804" cy="679994"/>
+          </a:xfrm>
+        </p:spPr>
+        <p:txBody>
+          <a:bodyPr rtlCol="0" anchor="b">
+            <a:noAutofit/>
+          </a:bodyPr>
           <a:lstStyle>
             <a:lvl1pPr marL="0" indent="0">
-              <a:buNone/>
-              <a:defRPr sz="2400" b="1"/>
+              <a:lnSpc>
+                <a:spcPct val="85000"/>
+              </a:lnSpc>
+              <a:buNone/>
+              <a:defRPr sz="2600" b="0">
+                <a:solidFill>
+                  <a:schemeClr val="tx1"/>
+                </a:solidFill>
+              </a:defRPr>
             </a:lvl1pPr>
             <a:lvl2pPr marL="457200" indent="0">
               <a:buNone/>
@@ -1730,9 +4754,9 @@
             </a:lvl9pPr>
           </a:lstStyle>
           <a:p>
-            <a:pPr lvl="0"/>
-            <a:r>
-              <a:rPr lang="zh-TW" altLang="en-US"/>
+            <a:pPr lvl="0" rtl="0"/>
+            <a:r>
+              <a:rPr lang="zh-TW" altLang="en-US" noProof="0"/>
               <a:t>按一下以編輯母片文字樣式</a:t>
             </a:r>
           </a:p>
@@ -1740,75 +4764,64 @@
       </p:sp>
       <p:sp>
         <p:nvSpPr>
-          <p:cNvPr id="6" name="內容版面配置區 5">
-            <a:extLst>
-              <a:ext uri="{FF2B5EF4-FFF2-40B4-BE49-F238E27FC236}">
-                <a16:creationId xmlns:a16="http://schemas.microsoft.com/office/drawing/2014/main" id="{01A76DBC-79B4-40CA-8E55-D1A9BFB5AA95}"/>
-              </a:ext>
-            </a:extLst>
-          </p:cNvPr>
-          <p:cNvSpPr>
-            <a:spLocks noGrp="1"/>
-          </p:cNvSpPr>
-          <p:nvPr>
-            <p:ph sz="quarter" idx="4"/>
+          <p:cNvPr id="13" name="內容預留位置 5"/>
+          <p:cNvSpPr>
+            <a:spLocks noGrp="1"/>
+          </p:cNvSpPr>
+          <p:nvPr>
+            <p:ph sz="quarter" idx="14"/>
           </p:nvPr>
         </p:nvSpPr>
         <p:spPr>
           <a:xfrm>
-            <a:off x="6172200" y="2505075"/>
-            <a:ext cx="5183188" cy="3684588"/>
-          </a:xfrm>
-        </p:spPr>
-        <p:txBody>
-          <a:bodyPr/>
-          <a:lstStyle/>
-          <a:p>
-            <a:pPr lvl="0"/>
-            <a:r>
-              <a:rPr lang="zh-TW" altLang="en-US"/>
+            <a:off x="6172200" y="3051012"/>
+            <a:ext cx="5105401" cy="2740187"/>
+          </a:xfrm>
+        </p:spPr>
+        <p:txBody>
+          <a:bodyPr rtlCol="0"/>
+          <a:lstStyle/>
+          <a:p>
+            <a:pPr lvl="0" rtl="0"/>
+            <a:r>
+              <a:rPr lang="zh-TW" altLang="en-US" noProof="0"/>
               <a:t>按一下以編輯母片文字樣式</a:t>
             </a:r>
           </a:p>
           <a:p>
-            <a:pPr lvl="1"/>
-            <a:r>
-              <a:rPr lang="zh-TW" altLang="en-US"/>
+            <a:pPr lvl="1" rtl="0"/>
+            <a:r>
+              <a:rPr lang="zh-TW" altLang="en-US" noProof="0"/>
               <a:t>第二層</a:t>
             </a:r>
           </a:p>
           <a:p>
-            <a:pPr lvl="2"/>
-            <a:r>
-              <a:rPr lang="zh-TW" altLang="en-US"/>
+            <a:pPr lvl="2" rtl="0"/>
+            <a:r>
+              <a:rPr lang="zh-TW" altLang="en-US" noProof="0"/>
               <a:t>第三層</a:t>
             </a:r>
           </a:p>
           <a:p>
-            <a:pPr lvl="3"/>
-            <a:r>
-              <a:rPr lang="zh-TW" altLang="en-US"/>
+            <a:pPr lvl="3" rtl="0"/>
+            <a:r>
+              <a:rPr lang="zh-TW" altLang="en-US" noProof="0"/>
               <a:t>第四層</a:t>
             </a:r>
           </a:p>
           <a:p>
-            <a:pPr lvl="4"/>
-            <a:r>
-              <a:rPr lang="zh-TW" altLang="en-US"/>
+            <a:pPr lvl="4" rtl="0"/>
+            <a:r>
+              <a:rPr lang="zh-TW" altLang="en-US" noProof="0"/>
               <a:t>第五層</a:t>
             </a:r>
-          </a:p>
-        </p:txBody>
-      </p:sp>
-      <p:sp>
-        <p:nvSpPr>
-          <p:cNvPr id="7" name="日期版面配置區 6">
-            <a:extLst>
-              <a:ext uri="{FF2B5EF4-FFF2-40B4-BE49-F238E27FC236}">
-                <a16:creationId xmlns:a16="http://schemas.microsoft.com/office/drawing/2014/main" id="{917794A8-5E5B-48B4-B129-80B5F222AB5F}"/>
-              </a:ext>
-            </a:extLst>
-          </p:cNvPr>
+            <a:endParaRPr lang="zh-TW" altLang="en-US" noProof="0" dirty="0"/>
+          </a:p>
+        </p:txBody>
+      </p:sp>
+      <p:sp>
+        <p:nvSpPr>
+          <p:cNvPr id="7" name="日期版面配置區 6"/>
           <p:cNvSpPr>
             <a:spLocks noGrp="1"/>
           </p:cNvSpPr>
@@ -1818,12 +4831,12 @@
         </p:nvSpPr>
         <p:spPr/>
         <p:txBody>
-          <a:bodyPr/>
+          <a:bodyPr rtlCol="0"/>
           <a:lstStyle/>
           <a:p>
             <a:fld id="{8737B4F4-F1D3-43E2-B425-0E71FA0E012F}" type="datetimeFigureOut">
               <a:rPr lang="zh-TW" altLang="en-US" smtClean="0"/>
-              <a:t>2020/5/2</a:t>
+              <a:t>2020/5/3</a:t>
             </a:fld>
             <a:endParaRPr lang="zh-TW" altLang="en-US"/>
           </a:p>
@@ -1831,13 +4844,7 @@
       </p:sp>
       <p:sp>
         <p:nvSpPr>
-          <p:cNvPr id="8" name="頁尾版面配置區 7">
-            <a:extLst>
-              <a:ext uri="{FF2B5EF4-FFF2-40B4-BE49-F238E27FC236}">
-                <a16:creationId xmlns:a16="http://schemas.microsoft.com/office/drawing/2014/main" id="{80E19905-C64A-45A7-BBC7-29668467DE71}"/>
-              </a:ext>
-            </a:extLst>
-          </p:cNvPr>
+          <p:cNvPr id="8" name="頁尾版面配置區 7"/>
           <p:cNvSpPr>
             <a:spLocks noGrp="1"/>
           </p:cNvSpPr>
@@ -1847,7 +4854,7 @@
         </p:nvSpPr>
         <p:spPr/>
         <p:txBody>
-          <a:bodyPr/>
+          <a:bodyPr rtlCol="0"/>
           <a:lstStyle/>
           <a:p>
             <a:endParaRPr lang="zh-TW" altLang="en-US"/>
@@ -1856,13 +4863,7 @@
       </p:sp>
       <p:sp>
         <p:nvSpPr>
-          <p:cNvPr id="9" name="投影片編號版面配置區 8">
-            <a:extLst>
-              <a:ext uri="{FF2B5EF4-FFF2-40B4-BE49-F238E27FC236}">
-                <a16:creationId xmlns:a16="http://schemas.microsoft.com/office/drawing/2014/main" id="{ADCBDD3D-496A-4AF7-B81E-78AA1A1E4555}"/>
-              </a:ext>
-            </a:extLst>
-          </p:cNvPr>
+          <p:cNvPr id="9" name="投影片編號預留位置 8"/>
           <p:cNvSpPr>
             <a:spLocks noGrp="1"/>
           </p:cNvSpPr>
@@ -1872,7 +4873,7 @@
         </p:nvSpPr>
         <p:spPr/>
         <p:txBody>
-          <a:bodyPr/>
+          <a:bodyPr rtlCol="0"/>
           <a:lstStyle/>
           <a:p>
             <a:fld id="{C111C88A-28B0-4C11-A1A5-4D9ACEAA0798}" type="slidenum">
@@ -1886,7 +4887,7 @@
     </p:spTree>
     <p:extLst>
       <p:ext uri="{BB962C8B-B14F-4D97-AF65-F5344CB8AC3E}">
-        <p14:creationId xmlns:p14="http://schemas.microsoft.com/office/powerpoint/2010/main" val="2821336070"/>
+        <p14:creationId xmlns:p14="http://schemas.microsoft.com/office/powerpoint/2010/main" val="373540239"/>
       </p:ext>
     </p:extLst>
   </p:cSld>
@@ -1913,15 +4914,39 @@
           <a:chExt cx="0" cy="0"/>
         </a:xfrm>
       </p:grpSpPr>
-      <p:sp>
-        <p:nvSpPr>
-          <p:cNvPr id="2" name="標題 1">
+      <p:pic>
+        <p:nvPicPr>
+          <p:cNvPr id="8" name="圖片 7" descr="水滴-HD-內容-R1d.png"/>
+          <p:cNvPicPr>
+            <a:picLocks noChangeAspect="1"/>
+          </p:cNvPicPr>
+          <p:nvPr/>
+        </p:nvPicPr>
+        <p:blipFill>
+          <a:blip r:embed="rId2">
             <a:extLst>
-              <a:ext uri="{FF2B5EF4-FFF2-40B4-BE49-F238E27FC236}">
-                <a16:creationId xmlns:a16="http://schemas.microsoft.com/office/drawing/2014/main" id="{7934EF5D-EFFF-44FA-A276-A7847440226A}"/>
+              <a:ext uri="{28A0092B-C50C-407E-A947-70E740481C1C}">
+                <a14:useLocalDpi xmlns:a14="http://schemas.microsoft.com/office/drawing/2010/main" val="0"/>
               </a:ext>
             </a:extLst>
-          </p:cNvPr>
+          </a:blip>
+          <a:stretch>
+            <a:fillRect/>
+          </a:stretch>
+        </p:blipFill>
+        <p:spPr>
+          <a:xfrm>
+            <a:off x="0" y="0"/>
+            <a:ext cx="12192000" cy="6858000"/>
+          </a:xfrm>
+          <a:prstGeom prst="rect">
+            <a:avLst/>
+          </a:prstGeom>
+        </p:spPr>
+      </p:pic>
+      <p:sp>
+        <p:nvSpPr>
+          <p:cNvPr id="2" name="標題 1"/>
           <p:cNvSpPr>
             <a:spLocks noGrp="1"/>
           </p:cNvSpPr>
@@ -1931,25 +4956,21 @@
         </p:nvSpPr>
         <p:spPr/>
         <p:txBody>
-          <a:bodyPr/>
-          <a:lstStyle/>
-          <a:p>
-            <a:r>
-              <a:rPr lang="zh-TW" altLang="en-US"/>
+          <a:bodyPr rtlCol="0"/>
+          <a:lstStyle/>
+          <a:p>
+            <a:pPr rtl="0"/>
+            <a:r>
+              <a:rPr lang="zh-TW" altLang="en-US" noProof="0"/>
               <a:t>按一下以編輯母片標題樣式</a:t>
             </a:r>
-          </a:p>
-        </p:txBody>
-      </p:sp>
-      <p:sp>
-        <p:nvSpPr>
-          <p:cNvPr id="3" name="日期版面配置區 2">
-            <a:extLst>
-              <a:ext uri="{FF2B5EF4-FFF2-40B4-BE49-F238E27FC236}">
-                <a16:creationId xmlns:a16="http://schemas.microsoft.com/office/drawing/2014/main" id="{F6207008-C8DA-4091-90C0-1EDFF820470C}"/>
-              </a:ext>
-            </a:extLst>
-          </p:cNvPr>
+            <a:endParaRPr lang="zh-TW" altLang="en-US" noProof="0" dirty="0"/>
+          </a:p>
+        </p:txBody>
+      </p:sp>
+      <p:sp>
+        <p:nvSpPr>
+          <p:cNvPr id="3" name="日期版面配置區 2"/>
           <p:cNvSpPr>
             <a:spLocks noGrp="1"/>
           </p:cNvSpPr>
@@ -1959,12 +4980,12 @@
         </p:nvSpPr>
         <p:spPr/>
         <p:txBody>
-          <a:bodyPr/>
+          <a:bodyPr rtlCol="0"/>
           <a:lstStyle/>
           <a:p>
             <a:fld id="{8737B4F4-F1D3-43E2-B425-0E71FA0E012F}" type="datetimeFigureOut">
               <a:rPr lang="zh-TW" altLang="en-US" smtClean="0"/>
-              <a:t>2020/5/2</a:t>
+              <a:t>2020/5/3</a:t>
             </a:fld>
             <a:endParaRPr lang="zh-TW" altLang="en-US"/>
           </a:p>
@@ -1972,13 +4993,7 @@
       </p:sp>
       <p:sp>
         <p:nvSpPr>
-          <p:cNvPr id="4" name="頁尾版面配置區 3">
-            <a:extLst>
-              <a:ext uri="{FF2B5EF4-FFF2-40B4-BE49-F238E27FC236}">
-                <a16:creationId xmlns:a16="http://schemas.microsoft.com/office/drawing/2014/main" id="{99C2FBE4-FDC4-44B5-AFC3-CB9C65D39564}"/>
-              </a:ext>
-            </a:extLst>
-          </p:cNvPr>
+          <p:cNvPr id="4" name="頁尾版面配置區 3"/>
           <p:cNvSpPr>
             <a:spLocks noGrp="1"/>
           </p:cNvSpPr>
@@ -1988,7 +5003,7 @@
         </p:nvSpPr>
         <p:spPr/>
         <p:txBody>
-          <a:bodyPr/>
+          <a:bodyPr rtlCol="0"/>
           <a:lstStyle/>
           <a:p>
             <a:endParaRPr lang="zh-TW" altLang="en-US"/>
@@ -1997,13 +5012,7 @@
       </p:sp>
       <p:sp>
         <p:nvSpPr>
-          <p:cNvPr id="5" name="投影片編號版面配置區 4">
-            <a:extLst>
-              <a:ext uri="{FF2B5EF4-FFF2-40B4-BE49-F238E27FC236}">
-                <a16:creationId xmlns:a16="http://schemas.microsoft.com/office/drawing/2014/main" id="{6FC2435A-FCDC-48D9-A463-D0BA89A66001}"/>
-              </a:ext>
-            </a:extLst>
-          </p:cNvPr>
+          <p:cNvPr id="5" name="投影片編號預留位置 4"/>
           <p:cNvSpPr>
             <a:spLocks noGrp="1"/>
           </p:cNvSpPr>
@@ -2013,7 +5022,7 @@
         </p:nvSpPr>
         <p:spPr/>
         <p:txBody>
-          <a:bodyPr/>
+          <a:bodyPr rtlCol="0"/>
           <a:lstStyle/>
           <a:p>
             <a:fld id="{C111C88A-28B0-4C11-A1A5-4D9ACEAA0798}" type="slidenum">
@@ -2027,7 +5036,7 @@
     </p:spTree>
     <p:extLst>
       <p:ext uri="{BB962C8B-B14F-4D97-AF65-F5344CB8AC3E}">
-        <p14:creationId xmlns:p14="http://schemas.microsoft.com/office/powerpoint/2010/main" val="4192858053"/>
+        <p14:creationId xmlns:p14="http://schemas.microsoft.com/office/powerpoint/2010/main" val="4170868746"/>
       </p:ext>
     </p:extLst>
   </p:cSld>
@@ -2054,15 +5063,39 @@
           <a:chExt cx="0" cy="0"/>
         </a:xfrm>
       </p:grpSpPr>
-      <p:sp>
-        <p:nvSpPr>
-          <p:cNvPr id="2" name="日期版面配置區 1">
+      <p:pic>
+        <p:nvPicPr>
+          <p:cNvPr id="7" name="圖片 6" descr="水滴-HD-內容-R1d.png"/>
+          <p:cNvPicPr>
+            <a:picLocks noChangeAspect="1"/>
+          </p:cNvPicPr>
+          <p:nvPr/>
+        </p:nvPicPr>
+        <p:blipFill>
+          <a:blip r:embed="rId2">
             <a:extLst>
-              <a:ext uri="{FF2B5EF4-FFF2-40B4-BE49-F238E27FC236}">
-                <a16:creationId xmlns:a16="http://schemas.microsoft.com/office/drawing/2014/main" id="{C0BE428C-4652-446C-A20D-B81130BD4D70}"/>
+              <a:ext uri="{28A0092B-C50C-407E-A947-70E740481C1C}">
+                <a14:useLocalDpi xmlns:a14="http://schemas.microsoft.com/office/drawing/2010/main" val="0"/>
               </a:ext>
             </a:extLst>
-          </p:cNvPr>
+          </a:blip>
+          <a:stretch>
+            <a:fillRect/>
+          </a:stretch>
+        </p:blipFill>
+        <p:spPr>
+          <a:xfrm>
+            <a:off x="0" y="0"/>
+            <a:ext cx="12192000" cy="6858000"/>
+          </a:xfrm>
+          <a:prstGeom prst="rect">
+            <a:avLst/>
+          </a:prstGeom>
+        </p:spPr>
+      </p:pic>
+      <p:sp>
+        <p:nvSpPr>
+          <p:cNvPr id="2" name="日期版面配置區 1"/>
           <p:cNvSpPr>
             <a:spLocks noGrp="1"/>
           </p:cNvSpPr>
@@ -2072,12 +5105,12 @@
         </p:nvSpPr>
         <p:spPr/>
         <p:txBody>
-          <a:bodyPr/>
+          <a:bodyPr rtlCol="0"/>
           <a:lstStyle/>
           <a:p>
             <a:fld id="{8737B4F4-F1D3-43E2-B425-0E71FA0E012F}" type="datetimeFigureOut">
               <a:rPr lang="zh-TW" altLang="en-US" smtClean="0"/>
-              <a:t>2020/5/2</a:t>
+              <a:t>2020/5/3</a:t>
             </a:fld>
             <a:endParaRPr lang="zh-TW" altLang="en-US"/>
           </a:p>
@@ -2085,13 +5118,7 @@
       </p:sp>
       <p:sp>
         <p:nvSpPr>
-          <p:cNvPr id="3" name="頁尾版面配置區 2">
-            <a:extLst>
-              <a:ext uri="{FF2B5EF4-FFF2-40B4-BE49-F238E27FC236}">
-                <a16:creationId xmlns:a16="http://schemas.microsoft.com/office/drawing/2014/main" id="{51A45021-50ED-4E9E-BDA7-6CD1D60D691C}"/>
-              </a:ext>
-            </a:extLst>
-          </p:cNvPr>
+          <p:cNvPr id="3" name="頁尾版面配置區 2"/>
           <p:cNvSpPr>
             <a:spLocks noGrp="1"/>
           </p:cNvSpPr>
@@ -2101,7 +5128,7 @@
         </p:nvSpPr>
         <p:spPr/>
         <p:txBody>
-          <a:bodyPr/>
+          <a:bodyPr rtlCol="0"/>
           <a:lstStyle/>
           <a:p>
             <a:endParaRPr lang="zh-TW" altLang="en-US"/>
@@ -2110,13 +5137,7 @@
       </p:sp>
       <p:sp>
         <p:nvSpPr>
-          <p:cNvPr id="4" name="投影片編號版面配置區 3">
-            <a:extLst>
-              <a:ext uri="{FF2B5EF4-FFF2-40B4-BE49-F238E27FC236}">
-                <a16:creationId xmlns:a16="http://schemas.microsoft.com/office/drawing/2014/main" id="{964F806C-FDFB-4762-8F67-B37CDA79FDFD}"/>
-              </a:ext>
-            </a:extLst>
-          </p:cNvPr>
+          <p:cNvPr id="4" name="投影片編號預留位置 3"/>
           <p:cNvSpPr>
             <a:spLocks noGrp="1"/>
           </p:cNvSpPr>
@@ -2126,7 +5147,7 @@
         </p:nvSpPr>
         <p:spPr/>
         <p:txBody>
-          <a:bodyPr/>
+          <a:bodyPr rtlCol="0"/>
           <a:lstStyle/>
           <a:p>
             <a:fld id="{C111C88A-28B0-4C11-A1A5-4D9ACEAA0798}" type="slidenum">
@@ -2140,7 +5161,7 @@
     </p:spTree>
     <p:extLst>
       <p:ext uri="{BB962C8B-B14F-4D97-AF65-F5344CB8AC3E}">
-        <p14:creationId xmlns:p14="http://schemas.microsoft.com/office/powerpoint/2010/main" val="588714698"/>
+        <p14:creationId xmlns:p14="http://schemas.microsoft.com/office/powerpoint/2010/main" val="1114225907"/>
       </p:ext>
     </p:extLst>
   </p:cSld>
@@ -2152,7 +5173,7 @@
 
 <file path=ppt/slideLayouts/slideLayout8.xml><?xml version="1.0" encoding="utf-8"?>
 <p:sldLayout xmlns:a="http://schemas.openxmlformats.org/drawingml/2006/main" xmlns:r="http://schemas.openxmlformats.org/officeDocument/2006/relationships" xmlns:p="http://schemas.openxmlformats.org/presentationml/2006/main" type="objTx" preserve="1">
-  <p:cSld name="含輔助字幕的內容">
+  <p:cSld name="含標題的內容">
     <p:spTree>
       <p:nvGrpSpPr>
         <p:cNvPr id="1" name=""/>
@@ -2167,15 +5188,39 @@
           <a:chExt cx="0" cy="0"/>
         </a:xfrm>
       </p:grpSpPr>
-      <p:sp>
-        <p:nvSpPr>
-          <p:cNvPr id="2" name="標題 1">
+      <p:pic>
+        <p:nvPicPr>
+          <p:cNvPr id="11" name="圖片 10" descr="水滴-HD-內容-R1d.png"/>
+          <p:cNvPicPr>
+            <a:picLocks noChangeAspect="1"/>
+          </p:cNvPicPr>
+          <p:nvPr/>
+        </p:nvPicPr>
+        <p:blipFill>
+          <a:blip r:embed="rId2">
             <a:extLst>
-              <a:ext uri="{FF2B5EF4-FFF2-40B4-BE49-F238E27FC236}">
-                <a16:creationId xmlns:a16="http://schemas.microsoft.com/office/drawing/2014/main" id="{3BF41711-2EDB-4A98-9E01-8983A1260D97}"/>
+              <a:ext uri="{28A0092B-C50C-407E-A947-70E740481C1C}">
+                <a14:useLocalDpi xmlns:a14="http://schemas.microsoft.com/office/drawing/2010/main" val="0"/>
               </a:ext>
             </a:extLst>
-          </p:cNvPr>
+          </a:blip>
+          <a:stretch>
+            <a:fillRect/>
+          </a:stretch>
+        </p:blipFill>
+        <p:spPr>
+          <a:xfrm>
+            <a:off x="0" y="0"/>
+            <a:ext cx="12192000" cy="6858000"/>
+          </a:xfrm>
+          <a:prstGeom prst="rect">
+            <a:avLst/>
+          </a:prstGeom>
+        </p:spPr>
+      </p:pic>
+      <p:sp>
+        <p:nvSpPr>
+          <p:cNvPr id="2" name="標題 1"/>
           <p:cNvSpPr>
             <a:spLocks noGrp="1"/>
           </p:cNvSpPr>
@@ -2185,141 +5230,104 @@
         </p:nvSpPr>
         <p:spPr>
           <a:xfrm>
-            <a:off x="839788" y="457200"/>
-            <a:ext cx="3932237" cy="1600200"/>
-          </a:xfrm>
-        </p:spPr>
-        <p:txBody>
-          <a:bodyPr anchor="b"/>
+            <a:off x="913775" y="609600"/>
+            <a:ext cx="3935688" cy="2023252"/>
+          </a:xfrm>
+        </p:spPr>
+        <p:txBody>
+          <a:bodyPr rtlCol="0" anchor="b"/>
           <a:lstStyle>
-            <a:lvl1pPr>
+            <a:lvl1pPr algn="ctr">
               <a:defRPr sz="3200"/>
             </a:lvl1pPr>
           </a:lstStyle>
           <a:p>
-            <a:r>
-              <a:rPr lang="zh-TW" altLang="en-US"/>
+            <a:pPr rtl="0"/>
+            <a:r>
+              <a:rPr lang="zh-TW" altLang="en-US" noProof="0"/>
               <a:t>按一下以編輯母片標題樣式</a:t>
             </a:r>
-          </a:p>
-        </p:txBody>
-      </p:sp>
-      <p:sp>
-        <p:nvSpPr>
-          <p:cNvPr id="3" name="內容版面配置區 2">
-            <a:extLst>
-              <a:ext uri="{FF2B5EF4-FFF2-40B4-BE49-F238E27FC236}">
-                <a16:creationId xmlns:a16="http://schemas.microsoft.com/office/drawing/2014/main" id="{AB3796FA-59F4-4CF0-94B2-6C8950F4DA11}"/>
-              </a:ext>
-            </a:extLst>
-          </p:cNvPr>
-          <p:cNvSpPr>
-            <a:spLocks noGrp="1"/>
-          </p:cNvSpPr>
-          <p:nvPr>
-            <p:ph idx="1"/>
+            <a:endParaRPr lang="zh-TW" altLang="en-US" noProof="0" dirty="0"/>
+          </a:p>
+        </p:txBody>
+      </p:sp>
+      <p:sp>
+        <p:nvSpPr>
+          <p:cNvPr id="10" name="內容預留位置 2"/>
+          <p:cNvSpPr>
+            <a:spLocks noGrp="1"/>
+          </p:cNvSpPr>
+          <p:nvPr>
+            <p:ph sz="quarter" idx="13"/>
           </p:nvPr>
         </p:nvSpPr>
         <p:spPr>
           <a:xfrm>
-            <a:off x="5183188" y="987425"/>
-            <a:ext cx="6172200" cy="4873625"/>
-          </a:xfrm>
-        </p:spPr>
-        <p:txBody>
-          <a:bodyPr/>
+            <a:off x="5078062" y="609600"/>
+            <a:ext cx="6200163" cy="5181599"/>
+          </a:xfrm>
+        </p:spPr>
+        <p:txBody>
+          <a:bodyPr rtlCol="0"/>
+          <a:lstStyle/>
+          <a:p>
+            <a:pPr lvl="0" rtl="0"/>
+            <a:r>
+              <a:rPr lang="zh-TW" altLang="en-US" noProof="0"/>
+              <a:t>按一下以編輯母片文字樣式</a:t>
+            </a:r>
+          </a:p>
+          <a:p>
+            <a:pPr lvl="1" rtl="0"/>
+            <a:r>
+              <a:rPr lang="zh-TW" altLang="en-US" noProof="0"/>
+              <a:t>第二層</a:t>
+            </a:r>
+          </a:p>
+          <a:p>
+            <a:pPr lvl="2" rtl="0"/>
+            <a:r>
+              <a:rPr lang="zh-TW" altLang="en-US" noProof="0"/>
+              <a:t>第三層</a:t>
+            </a:r>
+          </a:p>
+          <a:p>
+            <a:pPr lvl="3" rtl="0"/>
+            <a:r>
+              <a:rPr lang="zh-TW" altLang="en-US" noProof="0"/>
+              <a:t>第四層</a:t>
+            </a:r>
+          </a:p>
+          <a:p>
+            <a:pPr lvl="4" rtl="0"/>
+            <a:r>
+              <a:rPr lang="zh-TW" altLang="en-US" noProof="0"/>
+              <a:t>第五層</a:t>
+            </a:r>
+            <a:endParaRPr lang="zh-TW" altLang="en-US" noProof="0" dirty="0"/>
+          </a:p>
+        </p:txBody>
+      </p:sp>
+      <p:sp>
+        <p:nvSpPr>
+          <p:cNvPr id="4" name="文字預留位置 3"/>
+          <p:cNvSpPr>
+            <a:spLocks noGrp="1"/>
+          </p:cNvSpPr>
+          <p:nvPr>
+            <p:ph type="body" sz="half" idx="2"/>
+          </p:nvPr>
+        </p:nvSpPr>
+        <p:spPr>
+          <a:xfrm>
+            <a:off x="913774" y="2632852"/>
+            <a:ext cx="3935689" cy="3158348"/>
+          </a:xfrm>
+        </p:spPr>
+        <p:txBody>
+          <a:bodyPr rtlCol="0"/>
           <a:lstStyle>
-            <a:lvl1pPr>
-              <a:defRPr sz="3200"/>
-            </a:lvl1pPr>
-            <a:lvl2pPr>
-              <a:defRPr sz="2800"/>
-            </a:lvl2pPr>
-            <a:lvl3pPr>
-              <a:defRPr sz="2400"/>
-            </a:lvl3pPr>
-            <a:lvl4pPr>
-              <a:defRPr sz="2000"/>
-            </a:lvl4pPr>
-            <a:lvl5pPr>
-              <a:defRPr sz="2000"/>
-            </a:lvl5pPr>
-            <a:lvl6pPr>
-              <a:defRPr sz="2000"/>
-            </a:lvl6pPr>
-            <a:lvl7pPr>
-              <a:defRPr sz="2000"/>
-            </a:lvl7pPr>
-            <a:lvl8pPr>
-              <a:defRPr sz="2000"/>
-            </a:lvl8pPr>
-            <a:lvl9pPr>
-              <a:defRPr sz="2000"/>
-            </a:lvl9pPr>
-          </a:lstStyle>
-          <a:p>
-            <a:pPr lvl="0"/>
-            <a:r>
-              <a:rPr lang="zh-TW" altLang="en-US"/>
-              <a:t>按一下以編輯母片文字樣式</a:t>
-            </a:r>
-          </a:p>
-          <a:p>
-            <a:pPr lvl="1"/>
-            <a:r>
-              <a:rPr lang="zh-TW" altLang="en-US"/>
-              <a:t>第二層</a:t>
-            </a:r>
-          </a:p>
-          <a:p>
-            <a:pPr lvl="2"/>
-            <a:r>
-              <a:rPr lang="zh-TW" altLang="en-US"/>
-              <a:t>第三層</a:t>
-            </a:r>
-          </a:p>
-          <a:p>
-            <a:pPr lvl="3"/>
-            <a:r>
-              <a:rPr lang="zh-TW" altLang="en-US"/>
-              <a:t>第四層</a:t>
-            </a:r>
-          </a:p>
-          <a:p>
-            <a:pPr lvl="4"/>
-            <a:r>
-              <a:rPr lang="zh-TW" altLang="en-US"/>
-              <a:t>第五層</a:t>
-            </a:r>
-          </a:p>
-        </p:txBody>
-      </p:sp>
-      <p:sp>
-        <p:nvSpPr>
-          <p:cNvPr id="4" name="文字版面配置區 3">
-            <a:extLst>
-              <a:ext uri="{FF2B5EF4-FFF2-40B4-BE49-F238E27FC236}">
-                <a16:creationId xmlns:a16="http://schemas.microsoft.com/office/drawing/2014/main" id="{81D87174-A325-4CEE-B8D7-ED01DD679B05}"/>
-              </a:ext>
-            </a:extLst>
-          </p:cNvPr>
-          <p:cNvSpPr>
-            <a:spLocks noGrp="1"/>
-          </p:cNvSpPr>
-          <p:nvPr>
-            <p:ph type="body" sz="half" idx="2"/>
-          </p:nvPr>
-        </p:nvSpPr>
-        <p:spPr>
-          <a:xfrm>
-            <a:off x="839788" y="2057400"/>
-            <a:ext cx="3932237" cy="3811588"/>
-          </a:xfrm>
-        </p:spPr>
-        <p:txBody>
-          <a:bodyPr/>
-          <a:lstStyle>
-            <a:lvl1pPr marL="0" indent="0">
+            <a:lvl1pPr marL="0" indent="0" algn="ctr">
               <a:buNone/>
               <a:defRPr sz="1600"/>
             </a:lvl1pPr>
@@ -2357,9 +5365,9 @@
             </a:lvl9pPr>
           </a:lstStyle>
           <a:p>
-            <a:pPr lvl="0"/>
-            <a:r>
-              <a:rPr lang="zh-TW" altLang="en-US"/>
+            <a:pPr lvl="0" rtl="0"/>
+            <a:r>
+              <a:rPr lang="zh-TW" altLang="en-US" noProof="0"/>
               <a:t>按一下以編輯母片文字樣式</a:t>
             </a:r>
           </a:p>
@@ -2367,13 +5375,7 @@
       </p:sp>
       <p:sp>
         <p:nvSpPr>
-          <p:cNvPr id="5" name="日期版面配置區 4">
-            <a:extLst>
-              <a:ext uri="{FF2B5EF4-FFF2-40B4-BE49-F238E27FC236}">
-                <a16:creationId xmlns:a16="http://schemas.microsoft.com/office/drawing/2014/main" id="{77365F9E-510C-436D-86DC-974507B34E1F}"/>
-              </a:ext>
-            </a:extLst>
-          </p:cNvPr>
+          <p:cNvPr id="5" name="日期版面配置區 4"/>
           <p:cNvSpPr>
             <a:spLocks noGrp="1"/>
           </p:cNvSpPr>
@@ -2383,12 +5385,12 @@
         </p:nvSpPr>
         <p:spPr/>
         <p:txBody>
-          <a:bodyPr/>
+          <a:bodyPr rtlCol="0"/>
           <a:lstStyle/>
           <a:p>
             <a:fld id="{8737B4F4-F1D3-43E2-B425-0E71FA0E012F}" type="datetimeFigureOut">
               <a:rPr lang="zh-TW" altLang="en-US" smtClean="0"/>
-              <a:t>2020/5/2</a:t>
+              <a:t>2020/5/3</a:t>
             </a:fld>
             <a:endParaRPr lang="zh-TW" altLang="en-US"/>
           </a:p>
@@ -2396,13 +5398,7 @@
       </p:sp>
       <p:sp>
         <p:nvSpPr>
-          <p:cNvPr id="6" name="頁尾版面配置區 5">
-            <a:extLst>
-              <a:ext uri="{FF2B5EF4-FFF2-40B4-BE49-F238E27FC236}">
-                <a16:creationId xmlns:a16="http://schemas.microsoft.com/office/drawing/2014/main" id="{72BCE6B7-79E2-4410-9288-38D82FEAD5E0}"/>
-              </a:ext>
-            </a:extLst>
-          </p:cNvPr>
+          <p:cNvPr id="6" name="頁尾版面配置區 5"/>
           <p:cNvSpPr>
             <a:spLocks noGrp="1"/>
           </p:cNvSpPr>
@@ -2412,7 +5408,7 @@
         </p:nvSpPr>
         <p:spPr/>
         <p:txBody>
-          <a:bodyPr/>
+          <a:bodyPr rtlCol="0"/>
           <a:lstStyle/>
           <a:p>
             <a:endParaRPr lang="zh-TW" altLang="en-US"/>
@@ -2421,13 +5417,7 @@
       </p:sp>
       <p:sp>
         <p:nvSpPr>
-          <p:cNvPr id="7" name="投影片編號版面配置區 6">
-            <a:extLst>
-              <a:ext uri="{FF2B5EF4-FFF2-40B4-BE49-F238E27FC236}">
-                <a16:creationId xmlns:a16="http://schemas.microsoft.com/office/drawing/2014/main" id="{C381C764-A007-4DD5-995E-D09A4F894E49}"/>
-              </a:ext>
-            </a:extLst>
-          </p:cNvPr>
+          <p:cNvPr id="7" name="投影片編號預留位置 6"/>
           <p:cNvSpPr>
             <a:spLocks noGrp="1"/>
           </p:cNvSpPr>
@@ -2437,7 +5427,7 @@
         </p:nvSpPr>
         <p:spPr/>
         <p:txBody>
-          <a:bodyPr/>
+          <a:bodyPr rtlCol="0"/>
           <a:lstStyle/>
           <a:p>
             <a:fld id="{C111C88A-28B0-4C11-A1A5-4D9ACEAA0798}" type="slidenum">
@@ -2451,7 +5441,7 @@
     </p:spTree>
     <p:extLst>
       <p:ext uri="{BB962C8B-B14F-4D97-AF65-F5344CB8AC3E}">
-        <p14:creationId xmlns:p14="http://schemas.microsoft.com/office/powerpoint/2010/main" val="3876591348"/>
+        <p14:creationId xmlns:p14="http://schemas.microsoft.com/office/powerpoint/2010/main" val="3907434607"/>
       </p:ext>
     </p:extLst>
   </p:cSld>
@@ -2463,7 +5453,7 @@
 
 <file path=ppt/slideLayouts/slideLayout9.xml><?xml version="1.0" encoding="utf-8"?>
 <p:sldLayout xmlns:a="http://schemas.openxmlformats.org/drawingml/2006/main" xmlns:r="http://schemas.openxmlformats.org/officeDocument/2006/relationships" xmlns:p="http://schemas.openxmlformats.org/presentationml/2006/main" type="picTx" preserve="1">
-  <p:cSld name="含輔助字幕的圖片">
+  <p:cSld name="含標題的圖片">
     <p:spTree>
       <p:nvGrpSpPr>
         <p:cNvPr id="1" name=""/>
@@ -2478,15 +5468,39 @@
           <a:chExt cx="0" cy="0"/>
         </a:xfrm>
       </p:grpSpPr>
-      <p:sp>
-        <p:nvSpPr>
-          <p:cNvPr id="2" name="標題 1">
+      <p:pic>
+        <p:nvPicPr>
+          <p:cNvPr id="10" name="圖片 9" descr="水滴-HD-內容-R1d.png"/>
+          <p:cNvPicPr>
+            <a:picLocks noChangeAspect="1"/>
+          </p:cNvPicPr>
+          <p:nvPr/>
+        </p:nvPicPr>
+        <p:blipFill>
+          <a:blip r:embed="rId2">
             <a:extLst>
-              <a:ext uri="{FF2B5EF4-FFF2-40B4-BE49-F238E27FC236}">
-                <a16:creationId xmlns:a16="http://schemas.microsoft.com/office/drawing/2014/main" id="{2BE92009-0387-455C-A9B1-7F46A7BA7D47}"/>
+              <a:ext uri="{28A0092B-C50C-407E-A947-70E740481C1C}">
+                <a14:useLocalDpi xmlns:a14="http://schemas.microsoft.com/office/drawing/2010/main" val="0"/>
               </a:ext>
             </a:extLst>
-          </p:cNvPr>
+          </a:blip>
+          <a:stretch>
+            <a:fillRect/>
+          </a:stretch>
+        </p:blipFill>
+        <p:spPr>
+          <a:xfrm>
+            <a:off x="0" y="0"/>
+            <a:ext cx="12192000" cy="6858000"/>
+          </a:xfrm>
+          <a:prstGeom prst="rect">
+            <a:avLst/>
+          </a:prstGeom>
+        </p:spPr>
+      </p:pic>
+      <p:sp>
+        <p:nvSpPr>
+          <p:cNvPr id="2" name="標題 1"/>
           <p:cNvSpPr>
             <a:spLocks noGrp="1"/>
           </p:cNvSpPr>
@@ -2496,36 +5510,32 @@
         </p:nvSpPr>
         <p:spPr>
           <a:xfrm>
-            <a:off x="839788" y="457200"/>
-            <a:ext cx="3932237" cy="1600200"/>
-          </a:xfrm>
-        </p:spPr>
-        <p:txBody>
-          <a:bodyPr anchor="b"/>
+            <a:off x="913774" y="609600"/>
+            <a:ext cx="5934969" cy="2023254"/>
+          </a:xfrm>
+        </p:spPr>
+        <p:txBody>
+          <a:bodyPr rtlCol="0" anchor="b"/>
           <a:lstStyle>
-            <a:lvl1pPr>
+            <a:lvl1pPr algn="ctr">
               <a:defRPr sz="3200"/>
             </a:lvl1pPr>
           </a:lstStyle>
           <a:p>
-            <a:r>
-              <a:rPr lang="zh-TW" altLang="en-US"/>
+            <a:pPr rtl="0"/>
+            <a:r>
+              <a:rPr lang="zh-TW" altLang="en-US" noProof="0"/>
               <a:t>按一下以編輯母片標題樣式</a:t>
             </a:r>
-          </a:p>
-        </p:txBody>
-      </p:sp>
-      <p:sp>
-        <p:nvSpPr>
-          <p:cNvPr id="3" name="圖片版面配置區 2">
-            <a:extLst>
-              <a:ext uri="{FF2B5EF4-FFF2-40B4-BE49-F238E27FC236}">
-                <a16:creationId xmlns:a16="http://schemas.microsoft.com/office/drawing/2014/main" id="{E7AF2E31-D14C-4EB2-AB9B-A7EE06E5134B}"/>
-              </a:ext>
-            </a:extLst>
-          </p:cNvPr>
-          <p:cNvSpPr>
-            <a:spLocks noGrp="1"/>
+            <a:endParaRPr lang="zh-TW" altLang="en-US" noProof="0" dirty="0"/>
+          </a:p>
+        </p:txBody>
+      </p:sp>
+      <p:sp>
+        <p:nvSpPr>
+          <p:cNvPr id="3" name="圖片預留位置 2"/>
+          <p:cNvSpPr>
+            <a:spLocks noGrp="1" noChangeAspect="1"/>
           </p:cNvSpPr>
           <p:nvPr>
             <p:ph type="pic" idx="1"/>
@@ -2533,12 +5543,37 @@
         </p:nvSpPr>
         <p:spPr>
           <a:xfrm>
-            <a:off x="5183188" y="987425"/>
-            <a:ext cx="6172200" cy="4873625"/>
-          </a:xfrm>
-        </p:spPr>
-        <p:txBody>
-          <a:bodyPr/>
+            <a:off x="7424803" y="609601"/>
+            <a:ext cx="3255358" cy="5181600"/>
+          </a:xfrm>
+          <a:prstGeom prst="roundRect">
+            <a:avLst>
+              <a:gd name="adj" fmla="val 4943"/>
+            </a:avLst>
+          </a:prstGeom>
+          <a:noFill/>
+          <a:ln w="82550" cap="sq">
+            <a:solidFill>
+              <a:srgbClr val="EAEAEA"/>
+            </a:solidFill>
+            <a:miter lim="800000"/>
+          </a:ln>
+          <a:effectLst/>
+          <a:scene3d>
+            <a:camera prst="orthographicFront"/>
+            <a:lightRig rig="threePt" dir="t">
+              <a:rot lat="0" lon="0" rev="2700000"/>
+            </a:lightRig>
+          </a:scene3d>
+          <a:sp3d contourW="6350">
+            <a:bevelT h="38100"/>
+            <a:contourClr>
+              <a:srgbClr val="C0C0C0"/>
+            </a:contourClr>
+          </a:sp3d>
+        </p:spPr>
+        <p:txBody>
+          <a:bodyPr rtlCol="0" anchor="t"/>
           <a:lstStyle>
             <a:lvl1pPr marL="0" indent="0">
               <a:buNone/>
@@ -2578,19 +5613,18 @@
             </a:lvl9pPr>
           </a:lstStyle>
           <a:p>
-            <a:endParaRPr lang="zh-TW" altLang="en-US"/>
-          </a:p>
-        </p:txBody>
-      </p:sp>
-      <p:sp>
-        <p:nvSpPr>
-          <p:cNvPr id="4" name="文字版面配置區 3">
-            <a:extLst>
-              <a:ext uri="{FF2B5EF4-FFF2-40B4-BE49-F238E27FC236}">
-                <a16:creationId xmlns:a16="http://schemas.microsoft.com/office/drawing/2014/main" id="{4E4BB2E4-03F8-4B4E-A504-31CAA89BE12C}"/>
-              </a:ext>
-            </a:extLst>
-          </p:cNvPr>
+            <a:pPr rtl="0"/>
+            <a:r>
+              <a:rPr lang="zh-TW" altLang="en-US" noProof="0"/>
+              <a:t>按一下圖示以新增圖片</a:t>
+            </a:r>
+            <a:endParaRPr lang="zh-TW" altLang="en-US" noProof="0" dirty="0"/>
+          </a:p>
+        </p:txBody>
+      </p:sp>
+      <p:sp>
+        <p:nvSpPr>
+          <p:cNvPr id="4" name="文字預留位置 3"/>
           <p:cNvSpPr>
             <a:spLocks noGrp="1"/>
           </p:cNvSpPr>
@@ -2600,14 +5634,14 @@
         </p:nvSpPr>
         <p:spPr>
           <a:xfrm>
-            <a:off x="839788" y="2057400"/>
-            <a:ext cx="3932237" cy="3811588"/>
-          </a:xfrm>
-        </p:spPr>
-        <p:txBody>
-          <a:bodyPr/>
+            <a:off x="913794" y="2632852"/>
+            <a:ext cx="5934949" cy="3158347"/>
+          </a:xfrm>
+        </p:spPr>
+        <p:txBody>
+          <a:bodyPr rtlCol="0"/>
           <a:lstStyle>
-            <a:lvl1pPr marL="0" indent="0">
+            <a:lvl1pPr marL="0" indent="0" algn="ctr">
               <a:buNone/>
               <a:defRPr sz="1600"/>
             </a:lvl1pPr>
@@ -2645,9 +5679,9 @@
             </a:lvl9pPr>
           </a:lstStyle>
           <a:p>
-            <a:pPr lvl="0"/>
-            <a:r>
-              <a:rPr lang="zh-TW" altLang="en-US"/>
+            <a:pPr lvl="0" rtl="0"/>
+            <a:r>
+              <a:rPr lang="zh-TW" altLang="en-US" noProof="0"/>
               <a:t>按一下以編輯母片文字樣式</a:t>
             </a:r>
           </a:p>
@@ -2655,13 +5689,7 @@
       </p:sp>
       <p:sp>
         <p:nvSpPr>
-          <p:cNvPr id="5" name="日期版面配置區 4">
-            <a:extLst>
-              <a:ext uri="{FF2B5EF4-FFF2-40B4-BE49-F238E27FC236}">
-                <a16:creationId xmlns:a16="http://schemas.microsoft.com/office/drawing/2014/main" id="{8A702B60-09E9-46F8-880A-F23EE40C540F}"/>
-              </a:ext>
-            </a:extLst>
-          </p:cNvPr>
+          <p:cNvPr id="5" name="日期版面配置區 4"/>
           <p:cNvSpPr>
             <a:spLocks noGrp="1"/>
           </p:cNvSpPr>
@@ -2671,12 +5699,12 @@
         </p:nvSpPr>
         <p:spPr/>
         <p:txBody>
-          <a:bodyPr/>
+          <a:bodyPr rtlCol="0"/>
           <a:lstStyle/>
           <a:p>
             <a:fld id="{8737B4F4-F1D3-43E2-B425-0E71FA0E012F}" type="datetimeFigureOut">
               <a:rPr lang="zh-TW" altLang="en-US" smtClean="0"/>
-              <a:t>2020/5/2</a:t>
+              <a:t>2020/5/3</a:t>
             </a:fld>
             <a:endParaRPr lang="zh-TW" altLang="en-US"/>
           </a:p>
@@ -2684,13 +5712,7 @@
       </p:sp>
       <p:sp>
         <p:nvSpPr>
-          <p:cNvPr id="6" name="頁尾版面配置區 5">
-            <a:extLst>
-              <a:ext uri="{FF2B5EF4-FFF2-40B4-BE49-F238E27FC236}">
-                <a16:creationId xmlns:a16="http://schemas.microsoft.com/office/drawing/2014/main" id="{E92E6D16-69E3-466B-9E53-EB69C3C0C038}"/>
-              </a:ext>
-            </a:extLst>
-          </p:cNvPr>
+          <p:cNvPr id="6" name="頁尾版面配置區 5"/>
           <p:cNvSpPr>
             <a:spLocks noGrp="1"/>
           </p:cNvSpPr>
@@ -2700,7 +5722,7 @@
         </p:nvSpPr>
         <p:spPr/>
         <p:txBody>
-          <a:bodyPr/>
+          <a:bodyPr rtlCol="0"/>
           <a:lstStyle/>
           <a:p>
             <a:endParaRPr lang="zh-TW" altLang="en-US"/>
@@ -2709,13 +5731,7 @@
       </p:sp>
       <p:sp>
         <p:nvSpPr>
-          <p:cNvPr id="7" name="投影片編號版面配置區 6">
-            <a:extLst>
-              <a:ext uri="{FF2B5EF4-FFF2-40B4-BE49-F238E27FC236}">
-                <a16:creationId xmlns:a16="http://schemas.microsoft.com/office/drawing/2014/main" id="{D0C7908E-2260-4476-BB2C-C28F424AE385}"/>
-              </a:ext>
-            </a:extLst>
-          </p:cNvPr>
+          <p:cNvPr id="7" name="投影片編號預留位置 6"/>
           <p:cNvSpPr>
             <a:spLocks noGrp="1"/>
           </p:cNvSpPr>
@@ -2725,7 +5741,7 @@
         </p:nvSpPr>
         <p:spPr/>
         <p:txBody>
-          <a:bodyPr/>
+          <a:bodyPr rtlCol="0"/>
           <a:lstStyle/>
           <a:p>
             <a:fld id="{C111C88A-28B0-4C11-A1A5-4D9ACEAA0798}" type="slidenum">
@@ -2739,7 +5755,7 @@
     </p:spTree>
     <p:extLst>
       <p:ext uri="{BB962C8B-B14F-4D97-AF65-F5344CB8AC3E}">
-        <p14:creationId xmlns:p14="http://schemas.microsoft.com/office/powerpoint/2010/main" val="2805318909"/>
+        <p14:creationId xmlns:p14="http://schemas.microsoft.com/office/powerpoint/2010/main" val="388098604"/>
       </p:ext>
     </p:extLst>
   </p:cSld>
@@ -2753,7 +5769,7 @@
 <p:sldMaster xmlns:a="http://schemas.openxmlformats.org/drawingml/2006/main" xmlns:r="http://schemas.openxmlformats.org/officeDocument/2006/relationships" xmlns:p="http://schemas.openxmlformats.org/presentationml/2006/main">
   <p:cSld>
     <p:bg>
-      <p:bgRef idx="1001">
+      <p:bgRef idx="1002">
         <a:schemeClr val="bg1"/>
       </p:bgRef>
     </p:bg>
@@ -2771,30 +5787,66 @@
           <a:chExt cx="0" cy="0"/>
         </a:xfrm>
       </p:grpSpPr>
-      <p:sp>
-        <p:nvSpPr>
-          <p:cNvPr id="2" name="標題版面配置區 1">
+      <p:pic>
+        <p:nvPicPr>
+          <p:cNvPr id="1026" name="圖片 2" descr="\\DROBO-FS\QuickDrops\JB\PPTX NG\Droplets\LightingOverlay.png"/>
+          <p:cNvPicPr>
+            <a:picLocks noChangeAspect="1" noChangeArrowheads="1"/>
+          </p:cNvPicPr>
+          <p:nvPr/>
+        </p:nvPicPr>
+        <p:blipFill>
+          <a:blip r:embed="rId20">
+            <a:alphaModFix/>
             <a:extLst>
-              <a:ext uri="{FF2B5EF4-FFF2-40B4-BE49-F238E27FC236}">
-                <a16:creationId xmlns:a16="http://schemas.microsoft.com/office/drawing/2014/main" id="{9BC0D064-6EAD-47C8-AF54-DF610683DBE5}"/>
+              <a:ext uri="{28A0092B-C50C-407E-A947-70E740481C1C}">
+                <a14:useLocalDpi xmlns:a14="http://schemas.microsoft.com/office/drawing/2010/main" val="0"/>
               </a:ext>
             </a:extLst>
-          </p:cNvPr>
-          <p:cNvSpPr>
-            <a:spLocks noGrp="1"/>
-          </p:cNvSpPr>
-          <p:nvPr>
-            <p:ph type="title"/>
-          </p:nvPr>
-        </p:nvSpPr>
-        <p:spPr>
+          </a:blip>
+          <a:srcRect/>
+          <a:stretch>
+            <a:fillRect/>
+          </a:stretch>
+        </p:blipFill>
+        <p:spPr bwMode="auto">
           <a:xfrm>
-            <a:off x="838200" y="365125"/>
-            <a:ext cx="10515600" cy="1325563"/>
+            <a:off x="0" y="-1"/>
+            <a:ext cx="12192003" cy="6858001"/>
           </a:xfrm>
           <a:prstGeom prst="rect">
             <a:avLst/>
           </a:prstGeom>
+          <a:noFill/>
+          <a:extLst>
+            <a:ext uri="{909E8E84-426E-40DD-AFC4-6F175D3DCCD1}">
+              <a14:hiddenFill xmlns:a14="http://schemas.microsoft.com/office/drawing/2010/main">
+                <a:solidFill>
+                  <a:srgbClr val="FFFFFF"/>
+                </a:solidFill>
+              </a14:hiddenFill>
+            </a:ext>
+          </a:extLst>
+        </p:spPr>
+      </p:pic>
+      <p:sp>
+        <p:nvSpPr>
+          <p:cNvPr id="2" name="標題預留位置 1"/>
+          <p:cNvSpPr>
+            <a:spLocks noGrp="1"/>
+          </p:cNvSpPr>
+          <p:nvPr>
+            <p:ph type="title"/>
+          </p:nvPr>
+        </p:nvSpPr>
+        <p:spPr>
+          <a:xfrm>
+            <a:off x="913775" y="618517"/>
+            <a:ext cx="10364451" cy="1596177"/>
+          </a:xfrm>
+          <a:prstGeom prst="rect">
+            <a:avLst/>
+          </a:prstGeom>
         </p:spPr>
         <p:txBody>
           <a:bodyPr vert="horz" lIns="91440" tIns="45720" rIns="91440" bIns="45720" rtlCol="0" anchor="ctr">
@@ -2802,8 +5854,9 @@
           </a:bodyPr>
           <a:lstStyle/>
           <a:p>
-            <a:r>
-              <a:rPr lang="zh-TW" altLang="en-US"/>
+            <a:pPr rtl="0"/>
+            <a:r>
+              <a:rPr lang="zh-TW" altLang="en-US" noProof="0" dirty="0"/>
               <a:t>按一下以編輯母片標題樣式</a:t>
             </a:r>
           </a:p>
@@ -2811,13 +5864,7 @@
       </p:sp>
       <p:sp>
         <p:nvSpPr>
-          <p:cNvPr id="3" name="文字版面配置區 2">
-            <a:extLst>
-              <a:ext uri="{FF2B5EF4-FFF2-40B4-BE49-F238E27FC236}">
-                <a16:creationId xmlns:a16="http://schemas.microsoft.com/office/drawing/2014/main" id="{50AF37D2-D4A2-4F7A-8284-130030293B88}"/>
-              </a:ext>
-            </a:extLst>
-          </p:cNvPr>
+          <p:cNvPr id="3" name="文字預留位置 2"/>
           <p:cNvSpPr>
             <a:spLocks noGrp="1"/>
           </p:cNvSpPr>
@@ -2827,8 +5874,8 @@
         </p:nvSpPr>
         <p:spPr>
           <a:xfrm>
-            <a:off x="838200" y="1825625"/>
-            <a:ext cx="10515600" cy="4351338"/>
+            <a:off x="913775" y="2367093"/>
+            <a:ext cx="10364452" cy="3424107"/>
           </a:xfrm>
           <a:prstGeom prst="rect">
             <a:avLst/>
@@ -2840,37 +5887,37 @@
           </a:bodyPr>
           <a:lstStyle/>
           <a:p>
-            <a:pPr lvl="0"/>
-            <a:r>
-              <a:rPr lang="zh-TW" altLang="en-US"/>
+            <a:pPr lvl="0" rtl="0"/>
+            <a:r>
+              <a:rPr lang="zh-TW" altLang="en-US" noProof="0" dirty="0"/>
               <a:t>按一下以編輯母片文字樣式</a:t>
             </a:r>
           </a:p>
           <a:p>
-            <a:pPr lvl="1"/>
-            <a:r>
-              <a:rPr lang="zh-TW" altLang="en-US"/>
+            <a:pPr lvl="1" rtl="0"/>
+            <a:r>
+              <a:rPr lang="zh-TW" altLang="en-US" noProof="0" dirty="0"/>
               <a:t>第二層</a:t>
             </a:r>
           </a:p>
           <a:p>
-            <a:pPr lvl="2"/>
-            <a:r>
-              <a:rPr lang="zh-TW" altLang="en-US"/>
+            <a:pPr lvl="2" rtl="0"/>
+            <a:r>
+              <a:rPr lang="zh-TW" altLang="en-US" noProof="0" dirty="0"/>
               <a:t>第三層</a:t>
             </a:r>
           </a:p>
           <a:p>
-            <a:pPr lvl="3"/>
-            <a:r>
-              <a:rPr lang="zh-TW" altLang="en-US"/>
+            <a:pPr lvl="3" rtl="0"/>
+            <a:r>
+              <a:rPr lang="zh-TW" altLang="en-US" noProof="0" dirty="0"/>
               <a:t>第四層</a:t>
             </a:r>
           </a:p>
           <a:p>
-            <a:pPr lvl="4"/>
-            <a:r>
-              <a:rPr lang="zh-TW" altLang="en-US"/>
+            <a:pPr lvl="4" rtl="0"/>
+            <a:r>
+              <a:rPr lang="zh-TW" altLang="en-US" noProof="0" dirty="0"/>
               <a:t>第五層</a:t>
             </a:r>
           </a:p>
@@ -2878,13 +5925,7 @@
       </p:sp>
       <p:sp>
         <p:nvSpPr>
-          <p:cNvPr id="4" name="日期版面配置區 3">
-            <a:extLst>
-              <a:ext uri="{FF2B5EF4-FFF2-40B4-BE49-F238E27FC236}">
-                <a16:creationId xmlns:a16="http://schemas.microsoft.com/office/drawing/2014/main" id="{09976660-C3B1-4A11-ACED-0F598F10413D}"/>
-              </a:ext>
-            </a:extLst>
-          </p:cNvPr>
+          <p:cNvPr id="4" name="日期版面配置區 3"/>
           <p:cNvSpPr>
             <a:spLocks noGrp="1"/>
           </p:cNvSpPr>
@@ -2894,7 +5935,7 @@
         </p:nvSpPr>
         <p:spPr>
           <a:xfrm>
-            <a:off x="838200" y="6356350"/>
+            <a:off x="7678737" y="5883275"/>
             <a:ext cx="2743200" cy="365125"/>
           </a:xfrm>
           <a:prstGeom prst="rect">
@@ -2904,20 +5945,20 @@
         <p:txBody>
           <a:bodyPr vert="horz" lIns="91440" tIns="45720" rIns="91440" bIns="45720" rtlCol="0" anchor="ctr"/>
           <a:lstStyle>
-            <a:lvl1pPr algn="l">
-              <a:defRPr sz="1200">
+            <a:lvl1pPr algn="r">
+              <a:defRPr sz="1000">
                 <a:solidFill>
-                  <a:schemeClr val="tx1">
-                    <a:tint val="75000"/>
-                  </a:schemeClr>
+                  <a:schemeClr val="tx1"/>
                 </a:solidFill>
+                <a:latin typeface="Microsoft JhengHei UI" panose="020B0604030504040204" pitchFamily="34" charset="-120"/>
+                <a:ea typeface="Microsoft JhengHei UI" panose="020B0604030504040204" pitchFamily="34" charset="-120"/>
               </a:defRPr>
             </a:lvl1pPr>
           </a:lstStyle>
           <a:p>
             <a:fld id="{8737B4F4-F1D3-43E2-B425-0E71FA0E012F}" type="datetimeFigureOut">
               <a:rPr lang="zh-TW" altLang="en-US" smtClean="0"/>
-              <a:t>2020/5/2</a:t>
+              <a:t>2020/5/3</a:t>
             </a:fld>
             <a:endParaRPr lang="zh-TW" altLang="en-US"/>
           </a:p>
@@ -2925,13 +5966,7 @@
       </p:sp>
       <p:sp>
         <p:nvSpPr>
-          <p:cNvPr id="5" name="頁尾版面配置區 4">
-            <a:extLst>
-              <a:ext uri="{FF2B5EF4-FFF2-40B4-BE49-F238E27FC236}">
-                <a16:creationId xmlns:a16="http://schemas.microsoft.com/office/drawing/2014/main" id="{BF441195-B718-452F-8229-587FC243398E}"/>
-              </a:ext>
-            </a:extLst>
-          </p:cNvPr>
+          <p:cNvPr id="5" name="頁尾預留位置 4"/>
           <p:cNvSpPr>
             <a:spLocks noGrp="1"/>
           </p:cNvSpPr>
@@ -2941,8 +5976,8 @@
         </p:nvSpPr>
         <p:spPr>
           <a:xfrm>
-            <a:off x="4038600" y="6356350"/>
-            <a:ext cx="4114800" cy="365125"/>
+            <a:off x="913774" y="5883275"/>
+            <a:ext cx="6672887" cy="365125"/>
           </a:xfrm>
           <a:prstGeom prst="rect">
             <a:avLst/>
@@ -2951,13 +5986,13 @@
         <p:txBody>
           <a:bodyPr vert="horz" lIns="91440" tIns="45720" rIns="91440" bIns="45720" rtlCol="0" anchor="ctr"/>
           <a:lstStyle>
-            <a:lvl1pPr algn="ctr">
-              <a:defRPr sz="1200">
+            <a:lvl1pPr algn="l">
+              <a:defRPr sz="1000">
                 <a:solidFill>
-                  <a:schemeClr val="tx1">
-                    <a:tint val="75000"/>
-                  </a:schemeClr>
+                  <a:schemeClr val="tx1"/>
                 </a:solidFill>
+                <a:latin typeface="Microsoft JhengHei UI" panose="020B0604030504040204" pitchFamily="34" charset="-120"/>
+                <a:ea typeface="Microsoft JhengHei UI" panose="020B0604030504040204" pitchFamily="34" charset="-120"/>
               </a:defRPr>
             </a:lvl1pPr>
           </a:lstStyle>
@@ -2968,13 +6003,7 @@
       </p:sp>
       <p:sp>
         <p:nvSpPr>
-          <p:cNvPr id="6" name="投影片編號版面配置區 5">
-            <a:extLst>
-              <a:ext uri="{FF2B5EF4-FFF2-40B4-BE49-F238E27FC236}">
-                <a16:creationId xmlns:a16="http://schemas.microsoft.com/office/drawing/2014/main" id="{71899B7F-699D-4813-A1AF-EA865A3A3049}"/>
-              </a:ext>
-            </a:extLst>
-          </p:cNvPr>
+          <p:cNvPr id="6" name="投影片編號版面配置區 5"/>
           <p:cNvSpPr>
             <a:spLocks noGrp="1"/>
           </p:cNvSpPr>
@@ -2984,8 +6013,8 @@
         </p:nvSpPr>
         <p:spPr>
           <a:xfrm>
-            <a:off x="8610600" y="6356350"/>
-            <a:ext cx="2743200" cy="365125"/>
+            <a:off x="10514011" y="5883275"/>
+            <a:ext cx="764215" cy="365125"/>
           </a:xfrm>
           <a:prstGeom prst="rect">
             <a:avLst/>
@@ -2995,12 +6024,12 @@
           <a:bodyPr vert="horz" lIns="91440" tIns="45720" rIns="91440" bIns="45720" rtlCol="0" anchor="ctr"/>
           <a:lstStyle>
             <a:lvl1pPr algn="r">
-              <a:defRPr sz="1200">
+              <a:defRPr sz="1000">
                 <a:solidFill>
-                  <a:schemeClr val="tx1">
-                    <a:tint val="75000"/>
-                  </a:schemeClr>
+                  <a:schemeClr val="tx1"/>
                 </a:solidFill>
+                <a:latin typeface="Microsoft JhengHei UI" panose="020B0604030504040204" pitchFamily="34" charset="-120"/>
+                <a:ea typeface="Microsoft JhengHei UI" panose="020B0604030504040204" pitchFamily="34" charset="-120"/>
               </a:defRPr>
             </a:lvl1pPr>
           </a:lstStyle>
@@ -3016,27 +6045,34 @@
     </p:spTree>
     <p:extLst>
       <p:ext uri="{BB962C8B-B14F-4D97-AF65-F5344CB8AC3E}">
-        <p14:creationId xmlns:p14="http://schemas.microsoft.com/office/powerpoint/2010/main" val="826539865"/>
+        <p14:creationId xmlns:p14="http://schemas.microsoft.com/office/powerpoint/2010/main" val="2977124313"/>
       </p:ext>
     </p:extLst>
   </p:cSld>
   <p:clrMap bg1="lt1" tx1="dk1" bg2="lt2" tx2="dk2" accent1="accent1" accent2="accent2" accent3="accent3" accent4="accent4" accent5="accent5" accent6="accent6" hlink="hlink" folHlink="folHlink"/>
   <p:sldLayoutIdLst>
-    <p:sldLayoutId id="2147483649" r:id="rId1"/>
-    <p:sldLayoutId id="2147483650" r:id="rId2"/>
-    <p:sldLayoutId id="2147483651" r:id="rId3"/>
-    <p:sldLayoutId id="2147483652" r:id="rId4"/>
-    <p:sldLayoutId id="2147483653" r:id="rId5"/>
-    <p:sldLayoutId id="2147483654" r:id="rId6"/>
-    <p:sldLayoutId id="2147483655" r:id="rId7"/>
-    <p:sldLayoutId id="2147483656" r:id="rId8"/>
-    <p:sldLayoutId id="2147483657" r:id="rId9"/>
-    <p:sldLayoutId id="2147483658" r:id="rId10"/>
-    <p:sldLayoutId id="2147483659" r:id="rId11"/>
+    <p:sldLayoutId id="2147483661" r:id="rId1"/>
+    <p:sldLayoutId id="2147483662" r:id="rId2"/>
+    <p:sldLayoutId id="2147483663" r:id="rId3"/>
+    <p:sldLayoutId id="2147483664" r:id="rId4"/>
+    <p:sldLayoutId id="2147483665" r:id="rId5"/>
+    <p:sldLayoutId id="2147483666" r:id="rId6"/>
+    <p:sldLayoutId id="2147483667" r:id="rId7"/>
+    <p:sldLayoutId id="2147483668" r:id="rId8"/>
+    <p:sldLayoutId id="2147483669" r:id="rId9"/>
+    <p:sldLayoutId id="2147483670" r:id="rId10"/>
+    <p:sldLayoutId id="2147483671" r:id="rId11"/>
+    <p:sldLayoutId id="2147483672" r:id="rId12"/>
+    <p:sldLayoutId id="2147483673" r:id="rId13"/>
+    <p:sldLayoutId id="2147483674" r:id="rId14"/>
+    <p:sldLayoutId id="2147483675" r:id="rId15"/>
+    <p:sldLayoutId id="2147483676" r:id="rId16"/>
+    <p:sldLayoutId id="2147483677" r:id="rId17"/>
+    <p:sldLayoutId id="2147483678" r:id="rId18"/>
   </p:sldLayoutIdLst>
   <p:txStyles>
     <p:titleStyle>
-      <a:lvl1pPr algn="l" defTabSz="914400" rtl="0" eaLnBrk="1" latinLnBrk="0" hangingPunct="1">
+      <a:lvl1pPr algn="ctr" defTabSz="914400" rtl="0" eaLnBrk="1" latinLnBrk="0" hangingPunct="1">
         <a:lnSpc>
           <a:spcPct val="90000"/>
         </a:lnSpc>
@@ -3044,12 +6080,13 @@
           <a:spcPct val="0"/>
         </a:spcBef>
         <a:buNone/>
-        <a:defRPr sz="4400" kern="1200">
+        <a:defRPr sz="3600" kern="1200" cap="all" baseline="0">
           <a:solidFill>
             <a:schemeClr val="tx1"/>
           </a:solidFill>
-          <a:latin typeface="+mj-lt"/>
-          <a:ea typeface="+mj-ea"/>
+          <a:effectLst/>
+          <a:latin typeface="Microsoft JhengHei UI" panose="020B0604030504040204" pitchFamily="34" charset="-120"/>
+          <a:ea typeface="Microsoft JhengHei UI" panose="020B0604030504040204" pitchFamily="34" charset="-120"/>
           <a:cs typeface="+mj-cs"/>
         </a:defRPr>
       </a:lvl1pPr>
@@ -3057,107 +6094,131 @@
     <p:bodyStyle>
       <a:lvl1pPr marL="228600" indent="-228600" algn="l" defTabSz="914400" rtl="0" eaLnBrk="1" latinLnBrk="0" hangingPunct="1">
         <a:lnSpc>
-          <a:spcPct val="90000"/>
+          <a:spcPct val="120000"/>
         </a:lnSpc>
         <a:spcBef>
           <a:spcPts val="1000"/>
         </a:spcBef>
+        <a:buClr>
+          <a:schemeClr val="tx1"/>
+        </a:buClr>
         <a:buFont typeface="Arial" panose="020B0604020202020204" pitchFamily="34" charset="0"/>
         <a:buChar char="•"/>
-        <a:defRPr sz="2800" kern="1200">
+        <a:defRPr sz="2000" kern="1200" cap="all" baseline="0">
           <a:solidFill>
             <a:schemeClr val="tx1"/>
           </a:solidFill>
-          <a:latin typeface="+mn-lt"/>
-          <a:ea typeface="+mn-ea"/>
+          <a:effectLst/>
+          <a:latin typeface="Microsoft JhengHei UI" panose="020B0604030504040204" pitchFamily="34" charset="-120"/>
+          <a:ea typeface="Microsoft JhengHei UI" panose="020B0604030504040204" pitchFamily="34" charset="-120"/>
           <a:cs typeface="+mn-cs"/>
         </a:defRPr>
       </a:lvl1pPr>
       <a:lvl2pPr marL="685800" indent="-228600" algn="l" defTabSz="914400" rtl="0" eaLnBrk="1" latinLnBrk="0" hangingPunct="1">
         <a:lnSpc>
-          <a:spcPct val="90000"/>
+          <a:spcPct val="120000"/>
         </a:lnSpc>
         <a:spcBef>
           <a:spcPts val="500"/>
         </a:spcBef>
+        <a:buClr>
+          <a:schemeClr val="tx1"/>
+        </a:buClr>
         <a:buFont typeface="Arial" panose="020B0604020202020204" pitchFamily="34" charset="0"/>
         <a:buChar char="•"/>
-        <a:defRPr sz="2400" kern="1200">
+        <a:defRPr sz="1800" kern="1200" cap="all" baseline="0">
           <a:solidFill>
             <a:schemeClr val="tx1"/>
           </a:solidFill>
-          <a:latin typeface="+mn-lt"/>
-          <a:ea typeface="+mn-ea"/>
+          <a:effectLst/>
+          <a:latin typeface="Microsoft JhengHei UI" panose="020B0604030504040204" pitchFamily="34" charset="-120"/>
+          <a:ea typeface="Microsoft JhengHei UI" panose="020B0604030504040204" pitchFamily="34" charset="-120"/>
           <a:cs typeface="+mn-cs"/>
         </a:defRPr>
       </a:lvl2pPr>
       <a:lvl3pPr marL="1143000" indent="-228600" algn="l" defTabSz="914400" rtl="0" eaLnBrk="1" latinLnBrk="0" hangingPunct="1">
         <a:lnSpc>
-          <a:spcPct val="90000"/>
+          <a:spcPct val="120000"/>
         </a:lnSpc>
         <a:spcBef>
           <a:spcPts val="500"/>
         </a:spcBef>
+        <a:buClr>
+          <a:schemeClr val="tx1"/>
+        </a:buClr>
         <a:buFont typeface="Arial" panose="020B0604020202020204" pitchFamily="34" charset="0"/>
         <a:buChar char="•"/>
-        <a:defRPr sz="2000" kern="1200">
+        <a:defRPr sz="1600" kern="1200" cap="all" baseline="0">
           <a:solidFill>
             <a:schemeClr val="tx1"/>
           </a:solidFill>
-          <a:latin typeface="+mn-lt"/>
-          <a:ea typeface="+mn-ea"/>
+          <a:effectLst/>
+          <a:latin typeface="Microsoft JhengHei UI" panose="020B0604030504040204" pitchFamily="34" charset="-120"/>
+          <a:ea typeface="Microsoft JhengHei UI" panose="020B0604030504040204" pitchFamily="34" charset="-120"/>
           <a:cs typeface="+mn-cs"/>
         </a:defRPr>
       </a:lvl3pPr>
       <a:lvl4pPr marL="1600200" indent="-228600" algn="l" defTabSz="914400" rtl="0" eaLnBrk="1" latinLnBrk="0" hangingPunct="1">
         <a:lnSpc>
-          <a:spcPct val="90000"/>
+          <a:spcPct val="120000"/>
         </a:lnSpc>
         <a:spcBef>
           <a:spcPts val="500"/>
         </a:spcBef>
+        <a:buClr>
+          <a:schemeClr val="tx1"/>
+        </a:buClr>
         <a:buFont typeface="Arial" panose="020B0604020202020204" pitchFamily="34" charset="0"/>
         <a:buChar char="•"/>
-        <a:defRPr sz="1800" kern="1200">
+        <a:defRPr sz="1400" kern="1200" cap="all" baseline="0">
           <a:solidFill>
             <a:schemeClr val="tx1"/>
           </a:solidFill>
-          <a:latin typeface="+mn-lt"/>
-          <a:ea typeface="+mn-ea"/>
+          <a:effectLst/>
+          <a:latin typeface="Microsoft JhengHei UI" panose="020B0604030504040204" pitchFamily="34" charset="-120"/>
+          <a:ea typeface="Microsoft JhengHei UI" panose="020B0604030504040204" pitchFamily="34" charset="-120"/>
           <a:cs typeface="+mn-cs"/>
         </a:defRPr>
       </a:lvl4pPr>
       <a:lvl5pPr marL="2057400" indent="-228600" algn="l" defTabSz="914400" rtl="0" eaLnBrk="1" latinLnBrk="0" hangingPunct="1">
         <a:lnSpc>
-          <a:spcPct val="90000"/>
+          <a:spcPct val="120000"/>
         </a:lnSpc>
         <a:spcBef>
           <a:spcPts val="500"/>
         </a:spcBef>
+        <a:buClr>
+          <a:schemeClr val="tx1"/>
+        </a:buClr>
         <a:buFont typeface="Arial" panose="020B0604020202020204" pitchFamily="34" charset="0"/>
         <a:buChar char="•"/>
-        <a:defRPr sz="1800" kern="1200">
+        <a:defRPr sz="1400" kern="1200" cap="all" baseline="0">
           <a:solidFill>
             <a:schemeClr val="tx1"/>
           </a:solidFill>
-          <a:latin typeface="+mn-lt"/>
-          <a:ea typeface="+mn-ea"/>
+          <a:effectLst/>
+          <a:latin typeface="Microsoft JhengHei UI" panose="020B0604030504040204" pitchFamily="34" charset="-120"/>
+          <a:ea typeface="Microsoft JhengHei UI" panose="020B0604030504040204" pitchFamily="34" charset="-120"/>
           <a:cs typeface="+mn-cs"/>
         </a:defRPr>
       </a:lvl5pPr>
       <a:lvl6pPr marL="2514600" indent="-228600" algn="l" defTabSz="914400" rtl="0" eaLnBrk="1" latinLnBrk="0" hangingPunct="1">
         <a:lnSpc>
-          <a:spcPct val="90000"/>
+          <a:spcPct val="120000"/>
         </a:lnSpc>
         <a:spcBef>
           <a:spcPts val="500"/>
         </a:spcBef>
+        <a:buClr>
+          <a:schemeClr val="tx1"/>
+        </a:buClr>
         <a:buFont typeface="Arial" panose="020B0604020202020204" pitchFamily="34" charset="0"/>
         <a:buChar char="•"/>
-        <a:defRPr sz="1800" kern="1200">
+        <a:defRPr sz="1400" kern="1200" cap="all" baseline="0">
           <a:solidFill>
             <a:schemeClr val="tx1"/>
           </a:solidFill>
+          <a:effectLst/>
           <a:latin typeface="+mn-lt"/>
           <a:ea typeface="+mn-ea"/>
           <a:cs typeface="+mn-cs"/>
@@ -3165,17 +6226,21 @@
       </a:lvl6pPr>
       <a:lvl7pPr marL="2971800" indent="-228600" algn="l" defTabSz="914400" rtl="0" eaLnBrk="1" latinLnBrk="0" hangingPunct="1">
         <a:lnSpc>
-          <a:spcPct val="90000"/>
+          <a:spcPct val="120000"/>
         </a:lnSpc>
         <a:spcBef>
           <a:spcPts val="500"/>
         </a:spcBef>
+        <a:buClr>
+          <a:schemeClr val="tx1"/>
+        </a:buClr>
         <a:buFont typeface="Arial" panose="020B0604020202020204" pitchFamily="34" charset="0"/>
         <a:buChar char="•"/>
-        <a:defRPr sz="1800" kern="1200">
+        <a:defRPr sz="1400" kern="1200" cap="all" baseline="0">
           <a:solidFill>
             <a:schemeClr val="tx1"/>
           </a:solidFill>
+          <a:effectLst/>
           <a:latin typeface="+mn-lt"/>
           <a:ea typeface="+mn-ea"/>
           <a:cs typeface="+mn-cs"/>
@@ -3183,17 +6248,21 @@
       </a:lvl7pPr>
       <a:lvl8pPr marL="3429000" indent="-228600" algn="l" defTabSz="914400" rtl="0" eaLnBrk="1" latinLnBrk="0" hangingPunct="1">
         <a:lnSpc>
-          <a:spcPct val="90000"/>
+          <a:spcPct val="120000"/>
         </a:lnSpc>
         <a:spcBef>
           <a:spcPts val="500"/>
         </a:spcBef>
+        <a:buClr>
+          <a:schemeClr val="tx1"/>
+        </a:buClr>
         <a:buFont typeface="Arial" panose="020B0604020202020204" pitchFamily="34" charset="0"/>
         <a:buChar char="•"/>
-        <a:defRPr sz="1800" kern="1200">
+        <a:defRPr sz="1400" kern="1200" cap="all" baseline="0">
           <a:solidFill>
             <a:schemeClr val="tx1"/>
           </a:solidFill>
+          <a:effectLst/>
           <a:latin typeface="+mn-lt"/>
           <a:ea typeface="+mn-ea"/>
           <a:cs typeface="+mn-cs"/>
@@ -3201,17 +6270,21 @@
       </a:lvl8pPr>
       <a:lvl9pPr marL="3886200" indent="-228600" algn="l" defTabSz="914400" rtl="0" eaLnBrk="1" latinLnBrk="0" hangingPunct="1">
         <a:lnSpc>
-          <a:spcPct val="90000"/>
+          <a:spcPct val="120000"/>
         </a:lnSpc>
         <a:spcBef>
           <a:spcPts val="500"/>
         </a:spcBef>
+        <a:buClr>
+          <a:schemeClr val="tx1"/>
+        </a:buClr>
         <a:buFont typeface="Arial" panose="020B0604020202020204" pitchFamily="34" charset="0"/>
         <a:buChar char="•"/>
-        <a:defRPr sz="1800" kern="1200">
+        <a:defRPr sz="1400" kern="1200" cap="all" baseline="0">
           <a:solidFill>
             <a:schemeClr val="tx1"/>
           </a:solidFill>
+          <a:effectLst/>
           <a:latin typeface="+mn-lt"/>
           <a:ea typeface="+mn-ea"/>
           <a:cs typeface="+mn-cs"/>
@@ -3220,7 +6293,7 @@
     </p:bodyStyle>
     <p:otherStyle>
       <a:defPPr>
-        <a:defRPr lang="zh-TW"/>
+        <a:defRPr lang="en-US"/>
       </a:defPPr>
       <a:lvl1pPr marL="0" algn="l" defTabSz="914400" rtl="0" eaLnBrk="1" latinLnBrk="0" hangingPunct="1">
         <a:defRPr sz="1800" kern="1200">
@@ -3336,34 +6409,6 @@
       </p:grpSpPr>
       <p:sp>
         <p:nvSpPr>
-          <p:cNvPr id="2" name="標題 1">
-            <a:extLst>
-              <a:ext uri="{FF2B5EF4-FFF2-40B4-BE49-F238E27FC236}">
-                <a16:creationId xmlns:a16="http://schemas.microsoft.com/office/drawing/2014/main" id="{E6DB2E82-8D5A-4449-9C57-1AC7A00ACC3E}"/>
-              </a:ext>
-            </a:extLst>
-          </p:cNvPr>
-          <p:cNvSpPr>
-            <a:spLocks noGrp="1"/>
-          </p:cNvSpPr>
-          <p:nvPr>
-            <p:ph type="ctrTitle"/>
-          </p:nvPr>
-        </p:nvSpPr>
-        <p:spPr/>
-        <p:txBody>
-          <a:bodyPr/>
-          <a:lstStyle/>
-          <a:p>
-            <a:r>
-              <a:rPr lang="zh-TW" altLang="en-US" dirty="0"/>
-              <a:t>專題題目</a:t>
-            </a:r>
-          </a:p>
-        </p:txBody>
-      </p:sp>
-      <p:sp>
-        <p:nvSpPr>
           <p:cNvPr id="3" name="副標題 2">
             <a:extLst>
               <a:ext uri="{FF2B5EF4-FFF2-40B4-BE49-F238E27FC236}">
@@ -3380,24 +6425,274 @@
         </p:nvSpPr>
         <p:spPr/>
         <p:txBody>
-          <a:bodyPr/>
-          <a:lstStyle/>
-          <a:p>
-            <a:r>
-              <a:rPr lang="zh-TW" altLang="en-US" dirty="0"/>
-              <a:t>共享傘</a:t>
+          <a:bodyPr>
+            <a:normAutofit fontScale="92500" lnSpcReduction="20000"/>
+          </a:bodyPr>
+          <a:lstStyle/>
+          <a:p>
+            <a:r>
+              <a:rPr lang="zh-TW" altLang="en-US" dirty="0">
+                <a:latin typeface="標楷體" panose="03000509000000000000" pitchFamily="65" charset="-120"/>
+                <a:ea typeface="標楷體" panose="03000509000000000000" pitchFamily="65" charset="-120"/>
+              </a:rPr>
+              <a:t>組員</a:t>
+            </a:r>
+            <a:r>
+              <a:rPr lang="en-US" altLang="zh-TW" dirty="0">
+                <a:latin typeface="標楷體" panose="03000509000000000000" pitchFamily="65" charset="-120"/>
+                <a:ea typeface="標楷體" panose="03000509000000000000" pitchFamily="65" charset="-120"/>
+              </a:rPr>
+              <a:t>:10646003 </a:t>
+            </a:r>
+            <a:r>
+              <a:rPr lang="zh-TW" altLang="en-US" dirty="0">
+                <a:latin typeface="標楷體" panose="03000509000000000000" pitchFamily="65" charset="-120"/>
+                <a:ea typeface="標楷體" panose="03000509000000000000" pitchFamily="65" charset="-120"/>
+              </a:rPr>
+              <a:t>黃俊彥</a:t>
             </a:r>
             <a:br>
-              <a:rPr lang="en-US" altLang="zh-TW" dirty="0"/>
+              <a:rPr lang="en-US" altLang="zh-TW" dirty="0">
+                <a:latin typeface="標楷體" panose="03000509000000000000" pitchFamily="65" charset="-120"/>
+                <a:ea typeface="標楷體" panose="03000509000000000000" pitchFamily="65" charset="-120"/>
+              </a:rPr>
             </a:br>
             <a:r>
-              <a:rPr lang="zh-TW" altLang="en-US" dirty="0"/>
-              <a:t>組員</a:t>
+              <a:rPr lang="zh-TW" altLang="en-US" dirty="0">
+                <a:latin typeface="標楷體" panose="03000509000000000000" pitchFamily="65" charset="-120"/>
+                <a:ea typeface="標楷體" panose="03000509000000000000" pitchFamily="65" charset="-120"/>
+              </a:rPr>
+              <a:t>     </a:t>
+            </a:r>
+            <a:r>
+              <a:rPr lang="en-US" altLang="zh-TW" dirty="0">
+                <a:latin typeface="標楷體" panose="03000509000000000000" pitchFamily="65" charset="-120"/>
+                <a:ea typeface="標楷體" panose="03000509000000000000" pitchFamily="65" charset="-120"/>
+              </a:rPr>
+              <a:t>10646006</a:t>
+            </a:r>
+            <a:r>
+              <a:rPr lang="zh-TW" altLang="en-US" dirty="0">
+                <a:latin typeface="標楷體" panose="03000509000000000000" pitchFamily="65" charset="-120"/>
+                <a:ea typeface="標楷體" panose="03000509000000000000" pitchFamily="65" charset="-120"/>
+              </a:rPr>
+              <a:t> 詹壹婷     </a:t>
             </a:r>
             <a:br>
-              <a:rPr lang="en-US" altLang="zh-TW" dirty="0"/>
+              <a:rPr lang="en-US" altLang="zh-TW" dirty="0">
+                <a:latin typeface="標楷體" panose="03000509000000000000" pitchFamily="65" charset="-120"/>
+                <a:ea typeface="標楷體" panose="03000509000000000000" pitchFamily="65" charset="-120"/>
+              </a:rPr>
             </a:br>
-            <a:endParaRPr lang="zh-TW" altLang="en-US" dirty="0"/>
+            <a:r>
+              <a:rPr lang="zh-TW" altLang="en-US" dirty="0">
+                <a:latin typeface="標楷體" panose="03000509000000000000" pitchFamily="65" charset="-120"/>
+                <a:ea typeface="標楷體" panose="03000509000000000000" pitchFamily="65" charset="-120"/>
+              </a:rPr>
+              <a:t>     </a:t>
+            </a:r>
+            <a:r>
+              <a:rPr lang="en-US" altLang="zh-TW" dirty="0">
+                <a:latin typeface="標楷體" panose="03000509000000000000" pitchFamily="65" charset="-120"/>
+                <a:ea typeface="標楷體" panose="03000509000000000000" pitchFamily="65" charset="-120"/>
+              </a:rPr>
+              <a:t>10646007</a:t>
+            </a:r>
+            <a:r>
+              <a:rPr lang="zh-TW" altLang="en-US" dirty="0">
+                <a:latin typeface="標楷體" panose="03000509000000000000" pitchFamily="65" charset="-120"/>
+                <a:ea typeface="標楷體" panose="03000509000000000000" pitchFamily="65" charset="-120"/>
+              </a:rPr>
+              <a:t> 李恩瑋</a:t>
+            </a:r>
+            <a:br>
+              <a:rPr lang="en-US" altLang="zh-TW" dirty="0">
+                <a:latin typeface="標楷體" panose="03000509000000000000" pitchFamily="65" charset="-120"/>
+                <a:ea typeface="標楷體" panose="03000509000000000000" pitchFamily="65" charset="-120"/>
+              </a:rPr>
+            </a:br>
+            <a:r>
+              <a:rPr lang="zh-TW" altLang="en-US" dirty="0">
+                <a:latin typeface="標楷體" panose="03000509000000000000" pitchFamily="65" charset="-120"/>
+                <a:ea typeface="標楷體" panose="03000509000000000000" pitchFamily="65" charset="-120"/>
+              </a:rPr>
+              <a:t>     </a:t>
+            </a:r>
+            <a:r>
+              <a:rPr lang="en-US" altLang="zh-TW" dirty="0">
+                <a:latin typeface="標楷體" panose="03000509000000000000" pitchFamily="65" charset="-120"/>
+                <a:ea typeface="標楷體" panose="03000509000000000000" pitchFamily="65" charset="-120"/>
+              </a:rPr>
+              <a:t>10646016</a:t>
+            </a:r>
+            <a:r>
+              <a:rPr lang="zh-TW" altLang="en-US" dirty="0">
+                <a:latin typeface="標楷體" panose="03000509000000000000" pitchFamily="65" charset="-120"/>
+                <a:ea typeface="標楷體" panose="03000509000000000000" pitchFamily="65" charset="-120"/>
+              </a:rPr>
+              <a:t> 吳宇量</a:t>
+            </a:r>
+          </a:p>
+        </p:txBody>
+      </p:sp>
+      <p:sp>
+        <p:nvSpPr>
+          <p:cNvPr id="4" name="矩形 3">
+            <a:extLst>
+              <a:ext uri="{FF2B5EF4-FFF2-40B4-BE49-F238E27FC236}">
+                <a16:creationId xmlns:a16="http://schemas.microsoft.com/office/drawing/2014/main" id="{E091D486-CA34-4B42-8B77-C3BFA0E916FE}"/>
+              </a:ext>
+            </a:extLst>
+          </p:cNvPr>
+          <p:cNvSpPr/>
+          <p:nvPr/>
+        </p:nvSpPr>
+        <p:spPr>
+          <a:xfrm>
+            <a:off x="5081786" y="1620984"/>
+            <a:ext cx="2268570" cy="923330"/>
+          </a:xfrm>
+          <a:prstGeom prst="rect">
+            <a:avLst/>
+          </a:prstGeom>
+          <a:noFill/>
+        </p:spPr>
+        <p:txBody>
+          <a:bodyPr wrap="none" lIns="91440" tIns="45720" rIns="91440" bIns="45720">
+            <a:spAutoFit/>
+          </a:bodyPr>
+          <a:lstStyle/>
+          <a:p>
+            <a:pPr algn="ctr"/>
+            <a:r>
+              <a:rPr lang="en-US" altLang="zh-TW" sz="5400" b="1" dirty="0">
+                <a:ln w="12700">
+                  <a:solidFill>
+                    <a:schemeClr val="accent5"/>
+                  </a:solidFill>
+                  <a:prstDash val="solid"/>
+                </a:ln>
+                <a:pattFill prst="ltDnDiag">
+                  <a:fgClr>
+                    <a:schemeClr val="accent5">
+                      <a:lumMod val="60000"/>
+                      <a:lumOff val="40000"/>
+                    </a:schemeClr>
+                  </a:fgClr>
+                  <a:bgClr>
+                    <a:schemeClr val="bg1"/>
+                  </a:bgClr>
+                </a:pattFill>
+                <a:latin typeface="Times New Roman" panose="02020603050405020304" pitchFamily="18" charset="0"/>
+              </a:rPr>
+              <a:t>I</a:t>
+            </a:r>
+            <a:r>
+              <a:rPr lang="zh-TW" altLang="en-US" sz="5400" b="1" dirty="0">
+                <a:ln w="12700">
+                  <a:solidFill>
+                    <a:schemeClr val="accent5"/>
+                  </a:solidFill>
+                  <a:prstDash val="solid"/>
+                </a:ln>
+                <a:pattFill prst="ltDnDiag">
+                  <a:fgClr>
+                    <a:schemeClr val="accent5">
+                      <a:lumMod val="60000"/>
+                      <a:lumOff val="40000"/>
+                    </a:schemeClr>
+                  </a:fgClr>
+                  <a:bgClr>
+                    <a:schemeClr val="bg1"/>
+                  </a:bgClr>
+                </a:pattFill>
+                <a:latin typeface="Times New Roman" panose="02020603050405020304" pitchFamily="18" charset="0"/>
+              </a:rPr>
+              <a:t> </a:t>
+            </a:r>
+            <a:r>
+              <a:rPr lang="zh-TW" altLang="en-US" sz="4000" dirty="0">
+                <a:latin typeface="Times New Roman" panose="02020603050405020304" pitchFamily="18" charset="0"/>
+              </a:rPr>
+              <a:t>心傘</a:t>
+            </a:r>
+            <a:r>
+              <a:rPr lang="en-US" altLang="zh-TW" sz="1600" dirty="0">
+                <a:latin typeface="Times New Roman" panose="02020603050405020304" pitchFamily="18" charset="0"/>
+              </a:rPr>
+              <a:t>109409</a:t>
+            </a:r>
+            <a:endParaRPr lang="zh-TW" altLang="en-US" sz="1600" b="1" dirty="0">
+              <a:ln w="12700">
+                <a:solidFill>
+                  <a:schemeClr val="accent5"/>
+                </a:solidFill>
+                <a:prstDash val="solid"/>
+              </a:ln>
+              <a:pattFill prst="ltDnDiag">
+                <a:fgClr>
+                  <a:schemeClr val="accent5">
+                    <a:lumMod val="60000"/>
+                    <a:lumOff val="40000"/>
+                  </a:schemeClr>
+                </a:fgClr>
+                <a:bgClr>
+                  <a:schemeClr val="bg1"/>
+                </a:bgClr>
+              </a:pattFill>
+            </a:endParaRPr>
+          </a:p>
+        </p:txBody>
+      </p:sp>
+      <p:sp>
+        <p:nvSpPr>
+          <p:cNvPr id="7" name="心形 6">
+            <a:extLst>
+              <a:ext uri="{FF2B5EF4-FFF2-40B4-BE49-F238E27FC236}">
+                <a16:creationId xmlns:a16="http://schemas.microsoft.com/office/drawing/2014/main" id="{96B7AE79-CF2A-45FD-8879-CEB498394C08}"/>
+              </a:ext>
+            </a:extLst>
+          </p:cNvPr>
+          <p:cNvSpPr/>
+          <p:nvPr/>
+        </p:nvSpPr>
+        <p:spPr>
+          <a:xfrm>
+            <a:off x="4904509" y="1620984"/>
+            <a:ext cx="831273" cy="875144"/>
+          </a:xfrm>
+          <a:prstGeom prst="heart">
+            <a:avLst/>
+          </a:prstGeom>
+          <a:noFill/>
+          <a:ln>
+            <a:solidFill>
+              <a:srgbClr val="EE7A6E"/>
+            </a:solidFill>
+          </a:ln>
+        </p:spPr>
+        <p:style>
+          <a:lnRef idx="2">
+            <a:schemeClr val="accent1">
+              <a:shade val="50000"/>
+            </a:schemeClr>
+          </a:lnRef>
+          <a:fillRef idx="1">
+            <a:schemeClr val="accent1"/>
+          </a:fillRef>
+          <a:effectRef idx="0">
+            <a:schemeClr val="accent1"/>
+          </a:effectRef>
+          <a:fontRef idx="minor">
+            <a:schemeClr val="lt1"/>
+          </a:fontRef>
+        </p:style>
+        <p:txBody>
+          <a:bodyPr rtlCol="0" anchor="ctr"/>
+          <a:lstStyle/>
+          <a:p>
+            <a:pPr algn="ctr"/>
+            <a:endParaRPr lang="zh-TW" altLang="en-US"/>
           </a:p>
         </p:txBody>
       </p:sp>
@@ -3405,6 +6700,244 @@
     <p:extLst>
       <p:ext uri="{BB962C8B-B14F-4D97-AF65-F5344CB8AC3E}">
         <p14:creationId xmlns:p14="http://schemas.microsoft.com/office/powerpoint/2010/main" val="1518381046"/>
+      </p:ext>
+    </p:extLst>
+  </p:cSld>
+  <p:clrMapOvr>
+    <a:masterClrMapping/>
+  </p:clrMapOvr>
+</p:sld>
+</file>
+
+<file path=ppt/slides/slide10.xml><?xml version="1.0" encoding="utf-8"?>
+<p:sld xmlns:a="http://schemas.openxmlformats.org/drawingml/2006/main" xmlns:r="http://schemas.openxmlformats.org/officeDocument/2006/relationships" xmlns:p="http://schemas.openxmlformats.org/presentationml/2006/main">
+  <p:cSld>
+    <p:spTree>
+      <p:nvGrpSpPr>
+        <p:cNvPr id="1" name=""/>
+        <p:cNvGrpSpPr/>
+        <p:nvPr/>
+      </p:nvGrpSpPr>
+      <p:grpSpPr>
+        <a:xfrm>
+          <a:off x="0" y="0"/>
+          <a:ext cx="0" cy="0"/>
+          <a:chOff x="0" y="0"/>
+          <a:chExt cx="0" cy="0"/>
+        </a:xfrm>
+      </p:grpSpPr>
+      <p:sp>
+        <p:nvSpPr>
+          <p:cNvPr id="2" name="標題 1">
+            <a:extLst>
+              <a:ext uri="{FF2B5EF4-FFF2-40B4-BE49-F238E27FC236}">
+                <a16:creationId xmlns:a16="http://schemas.microsoft.com/office/drawing/2014/main" id="{ED10DAAC-E7C0-42F7-9B00-59797C9AC964}"/>
+              </a:ext>
+            </a:extLst>
+          </p:cNvPr>
+          <p:cNvSpPr>
+            <a:spLocks noGrp="1"/>
+          </p:cNvSpPr>
+          <p:nvPr>
+            <p:ph type="title"/>
+          </p:nvPr>
+        </p:nvSpPr>
+        <p:spPr/>
+        <p:txBody>
+          <a:bodyPr/>
+          <a:lstStyle/>
+          <a:p>
+            <a:r>
+              <a:rPr lang="zh-TW" altLang="en-US" dirty="0"/>
+              <a:t>分工</a:t>
+            </a:r>
+          </a:p>
+        </p:txBody>
+      </p:sp>
+      <p:sp>
+        <p:nvSpPr>
+          <p:cNvPr id="3" name="內容版面配置區 2">
+            <a:extLst>
+              <a:ext uri="{FF2B5EF4-FFF2-40B4-BE49-F238E27FC236}">
+                <a16:creationId xmlns:a16="http://schemas.microsoft.com/office/drawing/2014/main" id="{09B8F923-FAED-4EE0-A608-5C40E9E51979}"/>
+              </a:ext>
+            </a:extLst>
+          </p:cNvPr>
+          <p:cNvSpPr>
+            <a:spLocks noGrp="1"/>
+          </p:cNvSpPr>
+          <p:nvPr>
+            <p:ph idx="1"/>
+          </p:nvPr>
+        </p:nvSpPr>
+        <p:spPr/>
+        <p:txBody>
+          <a:bodyPr/>
+          <a:lstStyle/>
+          <a:p>
+            <a:endParaRPr lang="zh-TW" altLang="en-US"/>
+          </a:p>
+        </p:txBody>
+      </p:sp>
+      <p:pic>
+        <p:nvPicPr>
+          <p:cNvPr id="4" name="圖片 3">
+            <a:extLst>
+              <a:ext uri="{FF2B5EF4-FFF2-40B4-BE49-F238E27FC236}">
+                <a16:creationId xmlns:a16="http://schemas.microsoft.com/office/drawing/2014/main" id="{8074EB49-DDC0-4F16-84F9-9E4E2E5C714D}"/>
+              </a:ext>
+            </a:extLst>
+          </p:cNvPr>
+          <p:cNvPicPr>
+            <a:picLocks noChangeAspect="1"/>
+          </p:cNvPicPr>
+          <p:nvPr/>
+        </p:nvPicPr>
+        <p:blipFill rotWithShape="1">
+          <a:blip r:embed="rId2">
+            <a:extLst>
+              <a:ext uri="{28A0092B-C50C-407E-A947-70E740481C1C}">
+                <a14:useLocalDpi xmlns:a14="http://schemas.microsoft.com/office/drawing/2010/main" val="0"/>
+              </a:ext>
+            </a:extLst>
+          </a:blip>
+          <a:srcRect l="21048" t="19863" r="21566" b="29140"/>
+          <a:stretch/>
+        </p:blipFill>
+        <p:spPr>
+          <a:xfrm rot="19879535">
+            <a:off x="4705165" y="613287"/>
+            <a:ext cx="1393796" cy="1242875"/>
+          </a:xfrm>
+          <a:prstGeom prst="rect">
+            <a:avLst/>
+          </a:prstGeom>
+        </p:spPr>
+      </p:pic>
+    </p:spTree>
+    <p:extLst>
+      <p:ext uri="{BB962C8B-B14F-4D97-AF65-F5344CB8AC3E}">
+        <p14:creationId xmlns:p14="http://schemas.microsoft.com/office/powerpoint/2010/main" val="1671561016"/>
+      </p:ext>
+    </p:extLst>
+  </p:cSld>
+  <p:clrMapOvr>
+    <a:masterClrMapping/>
+  </p:clrMapOvr>
+</p:sld>
+</file>
+
+<file path=ppt/slides/slide11.xml><?xml version="1.0" encoding="utf-8"?>
+<p:sld xmlns:a="http://schemas.openxmlformats.org/drawingml/2006/main" xmlns:r="http://schemas.openxmlformats.org/officeDocument/2006/relationships" xmlns:p="http://schemas.openxmlformats.org/presentationml/2006/main">
+  <p:cSld>
+    <p:spTree>
+      <p:nvGrpSpPr>
+        <p:cNvPr id="1" name=""/>
+        <p:cNvGrpSpPr/>
+        <p:nvPr/>
+      </p:nvGrpSpPr>
+      <p:grpSpPr>
+        <a:xfrm>
+          <a:off x="0" y="0"/>
+          <a:ext cx="0" cy="0"/>
+          <a:chOff x="0" y="0"/>
+          <a:chExt cx="0" cy="0"/>
+        </a:xfrm>
+      </p:grpSpPr>
+      <p:sp>
+        <p:nvSpPr>
+          <p:cNvPr id="2" name="標題 1">
+            <a:extLst>
+              <a:ext uri="{FF2B5EF4-FFF2-40B4-BE49-F238E27FC236}">
+                <a16:creationId xmlns:a16="http://schemas.microsoft.com/office/drawing/2014/main" id="{3843CB3F-58CB-474E-B079-65D8887957DE}"/>
+              </a:ext>
+            </a:extLst>
+          </p:cNvPr>
+          <p:cNvSpPr>
+            <a:spLocks noGrp="1"/>
+          </p:cNvSpPr>
+          <p:nvPr>
+            <p:ph type="title"/>
+          </p:nvPr>
+        </p:nvSpPr>
+        <p:spPr>
+          <a:xfrm>
+            <a:off x="4395613" y="2526456"/>
+            <a:ext cx="3400773" cy="1805087"/>
+          </a:xfrm>
+        </p:spPr>
+        <p:txBody>
+          <a:bodyPr>
+            <a:normAutofit/>
+          </a:bodyPr>
+          <a:lstStyle/>
+          <a:p>
+            <a:r>
+              <a:rPr lang="en-US" altLang="zh-TW" sz="9600" b="1" cap="none" dirty="0">
+                <a:ln w="12700">
+                  <a:solidFill>
+                    <a:schemeClr val="tx2">
+                      <a:lumMod val="75000"/>
+                    </a:schemeClr>
+                  </a:solidFill>
+                  <a:prstDash val="solid"/>
+                </a:ln>
+                <a:pattFill prst="dkUpDiag">
+                  <a:fgClr>
+                    <a:schemeClr val="tx2"/>
+                  </a:fgClr>
+                  <a:bgClr>
+                    <a:schemeClr val="tx2">
+                      <a:lumMod val="20000"/>
+                      <a:lumOff val="80000"/>
+                    </a:schemeClr>
+                  </a:bgClr>
+                </a:pattFill>
+                <a:effectLst>
+                  <a:outerShdw dist="38100" dir="2640000" algn="bl" rotWithShape="0">
+                    <a:schemeClr val="tx2">
+                      <a:lumMod val="75000"/>
+                    </a:schemeClr>
+                  </a:outerShdw>
+                </a:effectLst>
+              </a:rPr>
+              <a:t>Q&amp;A</a:t>
+            </a:r>
+            <a:endParaRPr lang="zh-TW" altLang="en-US" sz="9600" b="1" cap="none" dirty="0">
+              <a:ln w="12700">
+                <a:solidFill>
+                  <a:schemeClr val="tx2">
+                    <a:lumMod val="75000"/>
+                  </a:schemeClr>
+                </a:solidFill>
+                <a:prstDash val="solid"/>
+              </a:ln>
+              <a:pattFill prst="dkUpDiag">
+                <a:fgClr>
+                  <a:schemeClr val="tx2"/>
+                </a:fgClr>
+                <a:bgClr>
+                  <a:schemeClr val="tx2">
+                    <a:lumMod val="20000"/>
+                    <a:lumOff val="80000"/>
+                  </a:schemeClr>
+                </a:bgClr>
+              </a:pattFill>
+              <a:effectLst>
+                <a:outerShdw dist="38100" dir="2640000" algn="bl" rotWithShape="0">
+                  <a:schemeClr val="tx2">
+                    <a:lumMod val="75000"/>
+                  </a:schemeClr>
+                </a:outerShdw>
+              </a:effectLst>
+            </a:endParaRPr>
+          </a:p>
+        </p:txBody>
+      </p:sp>
+    </p:spTree>
+    <p:extLst>
+      <p:ext uri="{BB962C8B-B14F-4D97-AF65-F5344CB8AC3E}">
+        <p14:creationId xmlns:p14="http://schemas.microsoft.com/office/powerpoint/2010/main" val="2666799933"/>
       </p:ext>
     </p:extLst>
   </p:cSld>
@@ -3436,7 +6969,7 @@
           <p:cNvPr id="2" name="標題 1">
             <a:extLst>
               <a:ext uri="{FF2B5EF4-FFF2-40B4-BE49-F238E27FC236}">
-                <a16:creationId xmlns:a16="http://schemas.microsoft.com/office/drawing/2014/main" id="{D4C5FC31-4A3F-4578-B779-7A1536637271}"/>
+                <a16:creationId xmlns:a16="http://schemas.microsoft.com/office/drawing/2014/main" id="{D622C8B2-6C72-4366-8122-59A503922500}"/>
               </a:ext>
             </a:extLst>
           </p:cNvPr>
@@ -3447,79 +6980,62 @@
             <p:ph type="title"/>
           </p:nvPr>
         </p:nvSpPr>
-        <p:spPr/>
+        <p:spPr>
+          <a:xfrm>
+            <a:off x="913774" y="334431"/>
+            <a:ext cx="10364451" cy="1596177"/>
+          </a:xfrm>
+        </p:spPr>
         <p:txBody>
           <a:bodyPr/>
           <a:lstStyle/>
           <a:p>
             <a:r>
               <a:rPr lang="zh-TW" altLang="en-US" dirty="0"/>
-              <a:t>動機</a:t>
-            </a:r>
-          </a:p>
-        </p:txBody>
-      </p:sp>
-      <p:sp>
-        <p:nvSpPr>
-          <p:cNvPr id="3" name="內容版面配置區 2">
+              <a:t>目錄</a:t>
+            </a:r>
+          </a:p>
+        </p:txBody>
+      </p:sp>
+      <p:pic>
+        <p:nvPicPr>
+          <p:cNvPr id="7" name="圖片 6">
             <a:extLst>
               <a:ext uri="{FF2B5EF4-FFF2-40B4-BE49-F238E27FC236}">
-                <a16:creationId xmlns:a16="http://schemas.microsoft.com/office/drawing/2014/main" id="{C2023AAE-092E-4931-9D72-F5AA6C0845E2}"/>
+                <a16:creationId xmlns:a16="http://schemas.microsoft.com/office/drawing/2014/main" id="{C3CC461B-DC6F-415E-A35E-455D069C2668}"/>
               </a:ext>
             </a:extLst>
           </p:cNvPr>
-          <p:cNvSpPr>
-            <a:spLocks noGrp="1"/>
-          </p:cNvSpPr>
-          <p:nvPr>
-            <p:ph idx="1"/>
-          </p:nvPr>
-        </p:nvSpPr>
-        <p:spPr/>
-        <p:txBody>
-          <a:bodyPr/>
-          <a:lstStyle/>
-          <a:p>
-            <a:pPr marL="0" indent="0">
-              <a:buNone/>
-            </a:pPr>
-            <a:r>
-              <a:rPr lang="zh-TW" altLang="en-US" dirty="0"/>
-              <a:t>我們希望製作的系統不僅僅只是一次的學習和題目</a:t>
-            </a:r>
-            <a:endParaRPr lang="en-US" altLang="zh-TW" dirty="0"/>
-          </a:p>
-          <a:p>
-            <a:pPr marL="0" indent="0">
-              <a:buNone/>
-            </a:pPr>
-            <a:r>
-              <a:rPr lang="zh-TW" altLang="en-US" dirty="0"/>
-              <a:t>而能夠連帶的成為我們自身問題的一個解決方式</a:t>
-            </a:r>
-            <a:endParaRPr lang="en-US" altLang="zh-TW" dirty="0"/>
-          </a:p>
-          <a:p>
-            <a:pPr marL="0" indent="0">
-              <a:buNone/>
-            </a:pPr>
-            <a:endParaRPr lang="en-US" altLang="zh-TW" dirty="0"/>
-          </a:p>
-          <a:p>
-            <a:pPr marL="0" indent="0">
-              <a:buNone/>
-            </a:pPr>
-            <a:r>
-              <a:rPr lang="zh-TW" altLang="en-US" dirty="0"/>
-              <a:t>以組員們本身身邊遇到的問題作為基礎進行發想</a:t>
-            </a:r>
-          </a:p>
-        </p:txBody>
-      </p:sp>
+          <p:cNvPicPr>
+            <a:picLocks noChangeAspect="1"/>
+          </p:cNvPicPr>
+          <p:nvPr/>
+        </p:nvPicPr>
+        <p:blipFill rotWithShape="1">
+          <a:blip r:embed="rId2">
+            <a:extLst>
+              <a:ext uri="{28A0092B-C50C-407E-A947-70E740481C1C}">
+                <a14:useLocalDpi xmlns:a14="http://schemas.microsoft.com/office/drawing/2010/main" val="0"/>
+              </a:ext>
+            </a:extLst>
+          </a:blip>
+          <a:srcRect l="21048" t="19863" r="21566" b="29140"/>
+          <a:stretch/>
+        </p:blipFill>
+        <p:spPr>
+          <a:xfrm rot="19879535">
+            <a:off x="4705165" y="258181"/>
+            <a:ext cx="1393796" cy="1242875"/>
+          </a:xfrm>
+          <a:prstGeom prst="rect">
+            <a:avLst/>
+          </a:prstGeom>
+        </p:spPr>
+      </p:pic>
     </p:spTree>
     <p:extLst>
       <p:ext uri="{BB962C8B-B14F-4D97-AF65-F5344CB8AC3E}">
-        <p14:creationId xmlns:p14="http://schemas.microsoft.com/office/powerpoint/2010/main" val="3139007920"/>
+        <p14:creationId xmlns:p14="http://schemas.microsoft.com/office/powerpoint/2010/main" val="966809560"/>
       </p:ext>
     </p:extLst>
   </p:cSld>
@@ -3551,7 +7067,7 @@
           <p:cNvPr id="2" name="標題 1">
             <a:extLst>
               <a:ext uri="{FF2B5EF4-FFF2-40B4-BE49-F238E27FC236}">
-                <a16:creationId xmlns:a16="http://schemas.microsoft.com/office/drawing/2014/main" id="{5345CAA4-90E5-4E15-A24F-F58304906AFF}"/>
+                <a16:creationId xmlns:a16="http://schemas.microsoft.com/office/drawing/2014/main" id="{D4C5FC31-4A3F-4578-B779-7A1536637271}"/>
               </a:ext>
             </a:extLst>
           </p:cNvPr>
@@ -3569,7 +7085,7 @@
           <a:p>
             <a:r>
               <a:rPr lang="zh-TW" altLang="en-US" dirty="0"/>
-              <a:t>為何選擇這項題目</a:t>
+              <a:t>動機</a:t>
             </a:r>
           </a:p>
         </p:txBody>
@@ -3579,7 +7095,7 @@
           <p:cNvPr id="3" name="內容版面配置區 2">
             <a:extLst>
               <a:ext uri="{FF2B5EF4-FFF2-40B4-BE49-F238E27FC236}">
-                <a16:creationId xmlns:a16="http://schemas.microsoft.com/office/drawing/2014/main" id="{47E50F4C-424C-4133-BDDD-D075A506037A}"/>
+                <a16:creationId xmlns:a16="http://schemas.microsoft.com/office/drawing/2014/main" id="{C2023AAE-092E-4931-9D72-F5AA6C0845E2}"/>
               </a:ext>
             </a:extLst>
           </p:cNvPr>
@@ -3600,7 +7116,17 @@
             </a:pPr>
             <a:r>
               <a:rPr lang="zh-TW" altLang="en-US" dirty="0"/>
-              <a:t>具有相同類型的系統可做為先例，但數量並不多</a:t>
+              <a:t>我們希望製作的系統不僅僅只是一次的學習和題目</a:t>
+            </a:r>
+            <a:endParaRPr lang="en-US" altLang="zh-TW" dirty="0"/>
+          </a:p>
+          <a:p>
+            <a:pPr marL="0" indent="0">
+              <a:buNone/>
+            </a:pPr>
+            <a:r>
+              <a:rPr lang="zh-TW" altLang="en-US" dirty="0"/>
+              <a:t>而能夠連帶的成為我們自身問題的一個解決方式</a:t>
             </a:r>
             <a:endParaRPr lang="en-US" altLang="zh-TW" dirty="0"/>
           </a:p>
@@ -3614,14 +7140,52 @@
             <a:pPr marL="0" indent="0">
               <a:buNone/>
             </a:pPr>
-            <a:endParaRPr lang="zh-TW" altLang="en-US" dirty="0"/>
-          </a:p>
-        </p:txBody>
-      </p:sp>
+            <a:r>
+              <a:rPr lang="zh-TW" altLang="en-US" dirty="0"/>
+              <a:t>以組員們本身身邊遇到的問題作為基礎進行發想</a:t>
+            </a:r>
+          </a:p>
+        </p:txBody>
+      </p:sp>
+      <p:pic>
+        <p:nvPicPr>
+          <p:cNvPr id="4" name="圖片 3">
+            <a:extLst>
+              <a:ext uri="{FF2B5EF4-FFF2-40B4-BE49-F238E27FC236}">
+                <a16:creationId xmlns:a16="http://schemas.microsoft.com/office/drawing/2014/main" id="{9E9CC831-6351-48DD-A40A-F14BFC1C98A9}"/>
+              </a:ext>
+            </a:extLst>
+          </p:cNvPr>
+          <p:cNvPicPr>
+            <a:picLocks noChangeAspect="1"/>
+          </p:cNvPicPr>
+          <p:nvPr/>
+        </p:nvPicPr>
+        <p:blipFill rotWithShape="1">
+          <a:blip r:embed="rId2">
+            <a:extLst>
+              <a:ext uri="{28A0092B-C50C-407E-A947-70E740481C1C}">
+                <a14:useLocalDpi xmlns:a14="http://schemas.microsoft.com/office/drawing/2010/main" val="0"/>
+              </a:ext>
+            </a:extLst>
+          </a:blip>
+          <a:srcRect l="21048" t="19863" r="21566" b="29140"/>
+          <a:stretch/>
+        </p:blipFill>
+        <p:spPr>
+          <a:xfrm rot="19879535">
+            <a:off x="4687410" y="622165"/>
+            <a:ext cx="1393796" cy="1242875"/>
+          </a:xfrm>
+          <a:prstGeom prst="rect">
+            <a:avLst/>
+          </a:prstGeom>
+        </p:spPr>
+      </p:pic>
     </p:spTree>
     <p:extLst>
       <p:ext uri="{BB962C8B-B14F-4D97-AF65-F5344CB8AC3E}">
-        <p14:creationId xmlns:p14="http://schemas.microsoft.com/office/powerpoint/2010/main" val="411240175"/>
+        <p14:creationId xmlns:p14="http://schemas.microsoft.com/office/powerpoint/2010/main" val="3139007920"/>
       </p:ext>
     </p:extLst>
   </p:cSld>
@@ -3653,7 +7217,7 @@
           <p:cNvPr id="2" name="標題 1">
             <a:extLst>
               <a:ext uri="{FF2B5EF4-FFF2-40B4-BE49-F238E27FC236}">
-                <a16:creationId xmlns:a16="http://schemas.microsoft.com/office/drawing/2014/main" id="{BC3D1F19-BBC7-4FCA-96A6-7446A8A24924}"/>
+                <a16:creationId xmlns:a16="http://schemas.microsoft.com/office/drawing/2014/main" id="{5345CAA4-90E5-4E15-A24F-F58304906AFF}"/>
               </a:ext>
             </a:extLst>
           </p:cNvPr>
@@ -3671,7 +7235,7 @@
           <a:p>
             <a:r>
               <a:rPr lang="zh-TW" altLang="en-US" dirty="0"/>
-              <a:t>系統簡介</a:t>
+              <a:t>為何選擇這項題目</a:t>
             </a:r>
           </a:p>
         </p:txBody>
@@ -3681,7 +7245,7 @@
           <p:cNvPr id="3" name="內容版面配置區 2">
             <a:extLst>
               <a:ext uri="{FF2B5EF4-FFF2-40B4-BE49-F238E27FC236}">
-                <a16:creationId xmlns:a16="http://schemas.microsoft.com/office/drawing/2014/main" id="{1E30E622-2568-4322-B28E-20121A976581}"/>
+                <a16:creationId xmlns:a16="http://schemas.microsoft.com/office/drawing/2014/main" id="{47E50F4C-424C-4133-BDDD-D075A506037A}"/>
               </a:ext>
             </a:extLst>
           </p:cNvPr>
@@ -3702,16 +7266,14 @@
             </a:pPr>
             <a:r>
               <a:rPr lang="zh-TW" altLang="en-US" dirty="0"/>
-              <a:t>使用</a:t>
-            </a:r>
-            <a:r>
-              <a:rPr lang="en-US" altLang="zh-TW" dirty="0"/>
-              <a:t>APP</a:t>
-            </a:r>
-            <a:r>
-              <a:rPr lang="zh-TW" altLang="en-US" dirty="0"/>
-              <a:t>作為使用者媒介，用手機推送訊號請求後進行借取和歸還等動作，使用伺服器進行判斷租借的同意與否，再由資料庫儲存使用者資料</a:t>
-            </a:r>
+              <a:t>具有相同類型的系統可做為先例，但數量並不多</a:t>
+            </a:r>
+            <a:endParaRPr lang="en-US" altLang="zh-TW" dirty="0"/>
+          </a:p>
+          <a:p>
+            <a:pPr marL="0" indent="0">
+              <a:buNone/>
+            </a:pPr>
             <a:endParaRPr lang="en-US" altLang="zh-TW" dirty="0"/>
           </a:p>
           <a:p>
@@ -3722,10 +7284,45 @@
           </a:p>
         </p:txBody>
       </p:sp>
+      <p:pic>
+        <p:nvPicPr>
+          <p:cNvPr id="4" name="圖片 3">
+            <a:extLst>
+              <a:ext uri="{FF2B5EF4-FFF2-40B4-BE49-F238E27FC236}">
+                <a16:creationId xmlns:a16="http://schemas.microsoft.com/office/drawing/2014/main" id="{82403E3A-43AF-4EC7-94FC-D503B5E63F3B}"/>
+              </a:ext>
+            </a:extLst>
+          </p:cNvPr>
+          <p:cNvPicPr>
+            <a:picLocks noChangeAspect="1"/>
+          </p:cNvPicPr>
+          <p:nvPr/>
+        </p:nvPicPr>
+        <p:blipFill rotWithShape="1">
+          <a:blip r:embed="rId2">
+            <a:extLst>
+              <a:ext uri="{28A0092B-C50C-407E-A947-70E740481C1C}">
+                <a14:useLocalDpi xmlns:a14="http://schemas.microsoft.com/office/drawing/2010/main" val="0"/>
+              </a:ext>
+            </a:extLst>
+          </a:blip>
+          <a:srcRect l="21048" t="19863" r="21566" b="29140"/>
+          <a:stretch/>
+        </p:blipFill>
+        <p:spPr>
+          <a:xfrm rot="19879535">
+            <a:off x="3302493" y="684086"/>
+            <a:ext cx="1393796" cy="1242875"/>
+          </a:xfrm>
+          <a:prstGeom prst="rect">
+            <a:avLst/>
+          </a:prstGeom>
+        </p:spPr>
+      </p:pic>
     </p:spTree>
     <p:extLst>
       <p:ext uri="{BB962C8B-B14F-4D97-AF65-F5344CB8AC3E}">
-        <p14:creationId xmlns:p14="http://schemas.microsoft.com/office/powerpoint/2010/main" val="2081795463"/>
+        <p14:creationId xmlns:p14="http://schemas.microsoft.com/office/powerpoint/2010/main" val="411240175"/>
       </p:ext>
     </p:extLst>
   </p:cSld>
@@ -3757,7 +7354,7 @@
           <p:cNvPr id="2" name="標題 1">
             <a:extLst>
               <a:ext uri="{FF2B5EF4-FFF2-40B4-BE49-F238E27FC236}">
-                <a16:creationId xmlns:a16="http://schemas.microsoft.com/office/drawing/2014/main" id="{025F5AA0-4F22-4FF4-B69C-BF4F11CF85A8}"/>
+                <a16:creationId xmlns:a16="http://schemas.microsoft.com/office/drawing/2014/main" id="{BC3D1F19-BBC7-4FCA-96A6-7446A8A24924}"/>
               </a:ext>
             </a:extLst>
           </p:cNvPr>
@@ -3775,7 +7372,7 @@
           <a:p>
             <a:r>
               <a:rPr lang="zh-TW" altLang="en-US" dirty="0"/>
-              <a:t>系統運作流程</a:t>
+              <a:t>系統簡介</a:t>
             </a:r>
           </a:p>
         </p:txBody>
@@ -3785,7 +7382,7 @@
           <p:cNvPr id="3" name="內容版面配置區 2">
             <a:extLst>
               <a:ext uri="{FF2B5EF4-FFF2-40B4-BE49-F238E27FC236}">
-                <a16:creationId xmlns:a16="http://schemas.microsoft.com/office/drawing/2014/main" id="{F1041CE4-66ED-4756-A504-D6F7C08EB264}"/>
+                <a16:creationId xmlns:a16="http://schemas.microsoft.com/office/drawing/2014/main" id="{1E30E622-2568-4322-B28E-20121A976581}"/>
               </a:ext>
             </a:extLst>
           </p:cNvPr>
@@ -3804,14 +7401,67 @@
             <a:pPr marL="0" indent="0">
               <a:buNone/>
             </a:pPr>
+            <a:r>
+              <a:rPr lang="zh-TW" altLang="en-US" dirty="0"/>
+              <a:t>使用</a:t>
+            </a:r>
+            <a:r>
+              <a:rPr lang="en-US" altLang="zh-TW" dirty="0"/>
+              <a:t>APP</a:t>
+            </a:r>
+            <a:r>
+              <a:rPr lang="zh-TW" altLang="en-US" dirty="0"/>
+              <a:t>作為使用者媒介，用手機推送訊號請求後進行借取和歸還等動作，使用伺服器進行判斷租借的同意與否，再由資料庫儲存使用者資料</a:t>
+            </a:r>
+            <a:endParaRPr lang="en-US" altLang="zh-TW" dirty="0"/>
+          </a:p>
+          <a:p>
+            <a:pPr marL="0" indent="0">
+              <a:buNone/>
+            </a:pPr>
             <a:endParaRPr lang="zh-TW" altLang="en-US" dirty="0"/>
           </a:p>
         </p:txBody>
       </p:sp>
+      <p:pic>
+        <p:nvPicPr>
+          <p:cNvPr id="4" name="圖片 3">
+            <a:extLst>
+              <a:ext uri="{FF2B5EF4-FFF2-40B4-BE49-F238E27FC236}">
+                <a16:creationId xmlns:a16="http://schemas.microsoft.com/office/drawing/2014/main" id="{E994AD4F-CCBD-450A-BA48-F77B7AAEF08A}"/>
+              </a:ext>
+            </a:extLst>
+          </p:cNvPr>
+          <p:cNvPicPr>
+            <a:picLocks noChangeAspect="1"/>
+          </p:cNvPicPr>
+          <p:nvPr/>
+        </p:nvPicPr>
+        <p:blipFill rotWithShape="1">
+          <a:blip r:embed="rId2">
+            <a:extLst>
+              <a:ext uri="{28A0092B-C50C-407E-A947-70E740481C1C}">
+                <a14:useLocalDpi xmlns:a14="http://schemas.microsoft.com/office/drawing/2010/main" val="0"/>
+              </a:ext>
+            </a:extLst>
+          </a:blip>
+          <a:srcRect l="21048" t="19863" r="21566" b="29140"/>
+          <a:stretch/>
+        </p:blipFill>
+        <p:spPr>
+          <a:xfrm rot="19879535">
+            <a:off x="4252403" y="604410"/>
+            <a:ext cx="1393796" cy="1242875"/>
+          </a:xfrm>
+          <a:prstGeom prst="rect">
+            <a:avLst/>
+          </a:prstGeom>
+        </p:spPr>
+      </p:pic>
     </p:spTree>
     <p:extLst>
       <p:ext uri="{BB962C8B-B14F-4D97-AF65-F5344CB8AC3E}">
-        <p14:creationId xmlns:p14="http://schemas.microsoft.com/office/powerpoint/2010/main" val="1063548416"/>
+        <p14:creationId xmlns:p14="http://schemas.microsoft.com/office/powerpoint/2010/main" val="2081795463"/>
       </p:ext>
     </p:extLst>
   </p:cSld>
@@ -3843,7 +7493,7 @@
           <p:cNvPr id="2" name="標題 1">
             <a:extLst>
               <a:ext uri="{FF2B5EF4-FFF2-40B4-BE49-F238E27FC236}">
-                <a16:creationId xmlns:a16="http://schemas.microsoft.com/office/drawing/2014/main" id="{D203246C-6649-4A6E-A58F-CF91137CDB27}"/>
+                <a16:creationId xmlns:a16="http://schemas.microsoft.com/office/drawing/2014/main" id="{025F5AA0-4F22-4FF4-B69C-BF4F11CF85A8}"/>
               </a:ext>
             </a:extLst>
           </p:cNvPr>
@@ -3861,7 +7511,7 @@
           <a:p>
             <a:r>
               <a:rPr lang="zh-TW" altLang="en-US" dirty="0"/>
-              <a:t>系統預期目標</a:t>
+              <a:t>系統運作流程</a:t>
             </a:r>
           </a:p>
         </p:txBody>
@@ -3871,7 +7521,7 @@
           <p:cNvPr id="3" name="內容版面配置區 2">
             <a:extLst>
               <a:ext uri="{FF2B5EF4-FFF2-40B4-BE49-F238E27FC236}">
-                <a16:creationId xmlns:a16="http://schemas.microsoft.com/office/drawing/2014/main" id="{E37F86A0-CF6F-4D3E-89C5-10CF65CA5311}"/>
+                <a16:creationId xmlns:a16="http://schemas.microsoft.com/office/drawing/2014/main" id="{F1041CE4-66ED-4756-A504-D6F7C08EB264}"/>
               </a:ext>
             </a:extLst>
           </p:cNvPr>
@@ -3890,25 +7540,49 @@
             <a:pPr marL="0" indent="0">
               <a:buNone/>
             </a:pPr>
-            <a:r>
-              <a:rPr lang="zh-TW" altLang="en-US" dirty="0"/>
-              <a:t>能夠同時處理多方的租借請求、拒絕黑名單使用者的租借，以及</a:t>
-            </a:r>
-            <a:r>
-              <a:rPr lang="en-US" altLang="zh-TW" dirty="0"/>
-              <a:t>APP</a:t>
-            </a:r>
-            <a:r>
-              <a:rPr lang="zh-TW" altLang="en-US" dirty="0"/>
-              <a:t>推播提醒訊息</a:t>
-            </a:r>
-          </a:p>
-        </p:txBody>
-      </p:sp>
+            <a:endParaRPr lang="zh-TW" altLang="en-US" dirty="0"/>
+          </a:p>
+        </p:txBody>
+      </p:sp>
+      <p:pic>
+        <p:nvPicPr>
+          <p:cNvPr id="4" name="圖片 3">
+            <a:extLst>
+              <a:ext uri="{FF2B5EF4-FFF2-40B4-BE49-F238E27FC236}">
+                <a16:creationId xmlns:a16="http://schemas.microsoft.com/office/drawing/2014/main" id="{24F147A7-0E68-4BE9-8531-74304A91F694}"/>
+              </a:ext>
+            </a:extLst>
+          </p:cNvPr>
+          <p:cNvPicPr>
+            <a:picLocks noChangeAspect="1"/>
+          </p:cNvPicPr>
+          <p:nvPr/>
+        </p:nvPicPr>
+        <p:blipFill rotWithShape="1">
+          <a:blip r:embed="rId2">
+            <a:extLst>
+              <a:ext uri="{28A0092B-C50C-407E-A947-70E740481C1C}">
+                <a14:useLocalDpi xmlns:a14="http://schemas.microsoft.com/office/drawing/2010/main" val="0"/>
+              </a:ext>
+            </a:extLst>
+          </a:blip>
+          <a:srcRect l="21048" t="19863" r="21566" b="29140"/>
+          <a:stretch/>
+        </p:blipFill>
+        <p:spPr>
+          <a:xfrm rot="19879535">
+            <a:off x="3852908" y="713638"/>
+            <a:ext cx="1393796" cy="1242875"/>
+          </a:xfrm>
+          <a:prstGeom prst="rect">
+            <a:avLst/>
+          </a:prstGeom>
+        </p:spPr>
+      </p:pic>
     </p:spTree>
     <p:extLst>
       <p:ext uri="{BB962C8B-B14F-4D97-AF65-F5344CB8AC3E}">
-        <p14:creationId xmlns:p14="http://schemas.microsoft.com/office/powerpoint/2010/main" val="2793360384"/>
+        <p14:creationId xmlns:p14="http://schemas.microsoft.com/office/powerpoint/2010/main" val="1063548416"/>
       </p:ext>
     </p:extLst>
   </p:cSld>
@@ -3940,7 +7614,7 @@
           <p:cNvPr id="2" name="標題 1">
             <a:extLst>
               <a:ext uri="{FF2B5EF4-FFF2-40B4-BE49-F238E27FC236}">
-                <a16:creationId xmlns:a16="http://schemas.microsoft.com/office/drawing/2014/main" id="{BE2548BE-3509-4465-A17F-71898EC080D7}"/>
+                <a16:creationId xmlns:a16="http://schemas.microsoft.com/office/drawing/2014/main" id="{D203246C-6649-4A6E-A58F-CF91137CDB27}"/>
               </a:ext>
             </a:extLst>
           </p:cNvPr>
@@ -3958,7 +7632,7 @@
           <a:p>
             <a:r>
               <a:rPr lang="zh-TW" altLang="en-US" dirty="0"/>
-              <a:t>使用工具</a:t>
+              <a:t>系統預期目標</a:t>
             </a:r>
           </a:p>
         </p:txBody>
@@ -3968,7 +7642,7 @@
           <p:cNvPr id="3" name="內容版面配置區 2">
             <a:extLst>
               <a:ext uri="{FF2B5EF4-FFF2-40B4-BE49-F238E27FC236}">
-                <a16:creationId xmlns:a16="http://schemas.microsoft.com/office/drawing/2014/main" id="{116A94A8-4CBF-4D2F-80AA-5BD08E23B131}"/>
+                <a16:creationId xmlns:a16="http://schemas.microsoft.com/office/drawing/2014/main" id="{E37F86A0-CF6F-4D3E-89C5-10CF65CA5311}"/>
               </a:ext>
             </a:extLst>
           </p:cNvPr>
@@ -3987,14 +7661,60 @@
             <a:pPr marL="0" indent="0">
               <a:buNone/>
             </a:pPr>
-            <a:endParaRPr lang="zh-TW" altLang="en-US" dirty="0"/>
-          </a:p>
-        </p:txBody>
-      </p:sp>
+            <a:r>
+              <a:rPr lang="zh-TW" altLang="en-US" dirty="0"/>
+              <a:t>能夠同時處理多方的租借請求、拒絕黑名單使用者的租借，以及</a:t>
+            </a:r>
+            <a:r>
+              <a:rPr lang="en-US" altLang="zh-TW" dirty="0"/>
+              <a:t>APP</a:t>
+            </a:r>
+            <a:r>
+              <a:rPr lang="zh-TW" altLang="en-US" dirty="0"/>
+              <a:t>推播提醒訊息</a:t>
+            </a:r>
+          </a:p>
+        </p:txBody>
+      </p:sp>
+      <p:pic>
+        <p:nvPicPr>
+          <p:cNvPr id="4" name="圖片 3">
+            <a:extLst>
+              <a:ext uri="{FF2B5EF4-FFF2-40B4-BE49-F238E27FC236}">
+                <a16:creationId xmlns:a16="http://schemas.microsoft.com/office/drawing/2014/main" id="{CC87532E-DDF1-4544-BC6F-A293DBC40D56}"/>
+              </a:ext>
+            </a:extLst>
+          </p:cNvPr>
+          <p:cNvPicPr>
+            <a:picLocks noChangeAspect="1"/>
+          </p:cNvPicPr>
+          <p:nvPr/>
+        </p:nvPicPr>
+        <p:blipFill rotWithShape="1">
+          <a:blip r:embed="rId2">
+            <a:extLst>
+              <a:ext uri="{28A0092B-C50C-407E-A947-70E740481C1C}">
+                <a14:useLocalDpi xmlns:a14="http://schemas.microsoft.com/office/drawing/2010/main" val="0"/>
+              </a:ext>
+            </a:extLst>
+          </a:blip>
+          <a:srcRect l="21048" t="19863" r="21566" b="29140"/>
+          <a:stretch/>
+        </p:blipFill>
+        <p:spPr>
+          <a:xfrm rot="19879535">
+            <a:off x="3817398" y="639921"/>
+            <a:ext cx="1393796" cy="1242875"/>
+          </a:xfrm>
+          <a:prstGeom prst="rect">
+            <a:avLst/>
+          </a:prstGeom>
+        </p:spPr>
+      </p:pic>
     </p:spTree>
     <p:extLst>
       <p:ext uri="{BB962C8B-B14F-4D97-AF65-F5344CB8AC3E}">
-        <p14:creationId xmlns:p14="http://schemas.microsoft.com/office/powerpoint/2010/main" val="2801785869"/>
+        <p14:creationId xmlns:p14="http://schemas.microsoft.com/office/powerpoint/2010/main" val="2793360384"/>
       </p:ext>
     </p:extLst>
   </p:cSld>
@@ -4026,7 +7746,7 @@
           <p:cNvPr id="2" name="標題 1">
             <a:extLst>
               <a:ext uri="{FF2B5EF4-FFF2-40B4-BE49-F238E27FC236}">
-                <a16:creationId xmlns:a16="http://schemas.microsoft.com/office/drawing/2014/main" id="{9CF78026-384A-42F6-86FB-02856FDC007F}"/>
+                <a16:creationId xmlns:a16="http://schemas.microsoft.com/office/drawing/2014/main" id="{BE2548BE-3509-4465-A17F-71898EC080D7}"/>
               </a:ext>
             </a:extLst>
           </p:cNvPr>
@@ -4044,7 +7764,7 @@
           <a:p>
             <a:r>
               <a:rPr lang="zh-TW" altLang="en-US" dirty="0"/>
-              <a:t>系統軟硬體需求及技術平台</a:t>
+              <a:t>使用工具</a:t>
             </a:r>
           </a:p>
         </p:txBody>
@@ -4054,7 +7774,7 @@
           <p:cNvPr id="3" name="內容版面配置區 2">
             <a:extLst>
               <a:ext uri="{FF2B5EF4-FFF2-40B4-BE49-F238E27FC236}">
-                <a16:creationId xmlns:a16="http://schemas.microsoft.com/office/drawing/2014/main" id="{B3A85A79-EA2A-4D35-86EE-12D929512EE9}"/>
+                <a16:creationId xmlns:a16="http://schemas.microsoft.com/office/drawing/2014/main" id="{116A94A8-4CBF-4D2F-80AA-5BD08E23B131}"/>
               </a:ext>
             </a:extLst>
           </p:cNvPr>
@@ -4077,10 +7797,45 @@
           </a:p>
         </p:txBody>
       </p:sp>
+      <p:pic>
+        <p:nvPicPr>
+          <p:cNvPr id="4" name="圖片 3">
+            <a:extLst>
+              <a:ext uri="{FF2B5EF4-FFF2-40B4-BE49-F238E27FC236}">
+                <a16:creationId xmlns:a16="http://schemas.microsoft.com/office/drawing/2014/main" id="{55965CD3-B9B2-4360-A044-2C7069743BD9}"/>
+              </a:ext>
+            </a:extLst>
+          </p:cNvPr>
+          <p:cNvPicPr>
+            <a:picLocks noChangeAspect="1"/>
+          </p:cNvPicPr>
+          <p:nvPr/>
+        </p:nvPicPr>
+        <p:blipFill rotWithShape="1">
+          <a:blip r:embed="rId2">
+            <a:extLst>
+              <a:ext uri="{28A0092B-C50C-407E-A947-70E740481C1C}">
+                <a14:useLocalDpi xmlns:a14="http://schemas.microsoft.com/office/drawing/2010/main" val="0"/>
+              </a:ext>
+            </a:extLst>
+          </a:blip>
+          <a:srcRect l="21048" t="19863" r="21566" b="29140"/>
+          <a:stretch/>
+        </p:blipFill>
+        <p:spPr>
+          <a:xfrm rot="19879535">
+            <a:off x="4314547" y="631043"/>
+            <a:ext cx="1393796" cy="1242875"/>
+          </a:xfrm>
+          <a:prstGeom prst="rect">
+            <a:avLst/>
+          </a:prstGeom>
+        </p:spPr>
+      </p:pic>
     </p:spTree>
     <p:extLst>
       <p:ext uri="{BB962C8B-B14F-4D97-AF65-F5344CB8AC3E}">
-        <p14:creationId xmlns:p14="http://schemas.microsoft.com/office/powerpoint/2010/main" val="3867794750"/>
+        <p14:creationId xmlns:p14="http://schemas.microsoft.com/office/powerpoint/2010/main" val="2801785869"/>
       </p:ext>
     </p:extLst>
   </p:cSld>
@@ -4112,7 +7867,7 @@
           <p:cNvPr id="2" name="標題 1">
             <a:extLst>
               <a:ext uri="{FF2B5EF4-FFF2-40B4-BE49-F238E27FC236}">
-                <a16:creationId xmlns:a16="http://schemas.microsoft.com/office/drawing/2014/main" id="{ED10DAAC-E7C0-42F7-9B00-59797C9AC964}"/>
+                <a16:creationId xmlns:a16="http://schemas.microsoft.com/office/drawing/2014/main" id="{9CF78026-384A-42F6-86FB-02856FDC007F}"/>
               </a:ext>
             </a:extLst>
           </p:cNvPr>
@@ -4130,7 +7885,7 @@
           <a:p>
             <a:r>
               <a:rPr lang="zh-TW" altLang="en-US" dirty="0"/>
-              <a:t>分工</a:t>
+              <a:t>系統軟硬體需求及技術平台</a:t>
             </a:r>
           </a:p>
         </p:txBody>
@@ -4140,7 +7895,7 @@
           <p:cNvPr id="3" name="內容版面配置區 2">
             <a:extLst>
               <a:ext uri="{FF2B5EF4-FFF2-40B4-BE49-F238E27FC236}">
-                <a16:creationId xmlns:a16="http://schemas.microsoft.com/office/drawing/2014/main" id="{09B8F923-FAED-4EE0-A608-5C40E9E51979}"/>
+                <a16:creationId xmlns:a16="http://schemas.microsoft.com/office/drawing/2014/main" id="{B3A85A79-EA2A-4D35-86EE-12D929512EE9}"/>
               </a:ext>
             </a:extLst>
           </p:cNvPr>
@@ -4156,14 +7911,52 @@
           <a:bodyPr/>
           <a:lstStyle/>
           <a:p>
-            <a:endParaRPr lang="zh-TW" altLang="en-US"/>
-          </a:p>
-        </p:txBody>
-      </p:sp>
+            <a:pPr marL="0" indent="0">
+              <a:buNone/>
+            </a:pPr>
+            <a:endParaRPr lang="zh-TW" altLang="en-US" dirty="0"/>
+          </a:p>
+        </p:txBody>
+      </p:sp>
+      <p:pic>
+        <p:nvPicPr>
+          <p:cNvPr id="4" name="圖片 3">
+            <a:extLst>
+              <a:ext uri="{FF2B5EF4-FFF2-40B4-BE49-F238E27FC236}">
+                <a16:creationId xmlns:a16="http://schemas.microsoft.com/office/drawing/2014/main" id="{B69B69BA-B2CE-4AC8-84B1-129F8838F542}"/>
+              </a:ext>
+            </a:extLst>
+          </p:cNvPr>
+          <p:cNvPicPr>
+            <a:picLocks noChangeAspect="1"/>
+          </p:cNvPicPr>
+          <p:nvPr/>
+        </p:nvPicPr>
+        <p:blipFill rotWithShape="1">
+          <a:blip r:embed="rId2">
+            <a:extLst>
+              <a:ext uri="{28A0092B-C50C-407E-A947-70E740481C1C}">
+                <a14:useLocalDpi xmlns:a14="http://schemas.microsoft.com/office/drawing/2010/main" val="0"/>
+              </a:ext>
+            </a:extLst>
+          </a:blip>
+          <a:srcRect l="21048" t="19863" r="21566" b="29140"/>
+          <a:stretch/>
+        </p:blipFill>
+        <p:spPr>
+          <a:xfrm rot="19879535">
+            <a:off x="2476870" y="648798"/>
+            <a:ext cx="1393796" cy="1242875"/>
+          </a:xfrm>
+          <a:prstGeom prst="rect">
+            <a:avLst/>
+          </a:prstGeom>
+        </p:spPr>
+      </p:pic>
     </p:spTree>
     <p:extLst>
       <p:ext uri="{BB962C8B-B14F-4D97-AF65-F5344CB8AC3E}">
-        <p14:creationId xmlns:p14="http://schemas.microsoft.com/office/powerpoint/2010/main" val="1671561016"/>
+        <p14:creationId xmlns:p14="http://schemas.microsoft.com/office/powerpoint/2010/main" val="3867794750"/>
       </p:ext>
     </p:extLst>
   </p:cSld>
@@ -4174,9 +7967,9 @@
 </file>
 
 <file path=ppt/theme/theme1.xml><?xml version="1.0" encoding="utf-8"?>
-<a:theme xmlns:a="http://schemas.openxmlformats.org/drawingml/2006/main" name="Office 佈景主題">
+<a:theme xmlns:a="http://schemas.openxmlformats.org/drawingml/2006/main" name="小水滴">
   <a:themeElements>
-    <a:clrScheme name="Office">
+    <a:clrScheme name="小水滴">
       <a:dk1>
         <a:sysClr val="windowText" lastClr="000000"/>
       </a:dk1>
@@ -4184,44 +7977,44 @@
         <a:sysClr val="window" lastClr="FFFFFF"/>
       </a:lt1>
       <a:dk2>
-        <a:srgbClr val="44546A"/>
+        <a:srgbClr val="355071"/>
       </a:dk2>
       <a:lt2>
-        <a:srgbClr val="E7E6E6"/>
+        <a:srgbClr val="AABED7"/>
       </a:lt2>
       <a:accent1>
-        <a:srgbClr val="4472C4"/>
+        <a:srgbClr val="2FA3EE"/>
       </a:accent1>
       <a:accent2>
-        <a:srgbClr val="ED7D31"/>
+        <a:srgbClr val="4BCAAD"/>
       </a:accent2>
       <a:accent3>
-        <a:srgbClr val="A5A5A5"/>
+        <a:srgbClr val="86C157"/>
       </a:accent3>
       <a:accent4>
-        <a:srgbClr val="FFC000"/>
+        <a:srgbClr val="D99C3F"/>
       </a:accent4>
       <a:accent5>
-        <a:srgbClr val="5B9BD5"/>
+        <a:srgbClr val="CE6633"/>
       </a:accent5>
       <a:accent6>
-        <a:srgbClr val="70AD47"/>
+        <a:srgbClr val="A35DD1"/>
       </a:accent6>
       <a:hlink>
-        <a:srgbClr val="0563C1"/>
+        <a:srgbClr val="56BCFE"/>
       </a:hlink>
       <a:folHlink>
-        <a:srgbClr val="954F72"/>
+        <a:srgbClr val="97C5E3"/>
       </a:folHlink>
     </a:clrScheme>
-    <a:fontScheme name="Office">
+    <a:fontScheme name="小水滴">
       <a:majorFont>
-        <a:latin typeface="Calibri Light" panose="020F0302020204030204"/>
+        <a:latin typeface="Tw Cen MT" panose="020B0602020104020603"/>
         <a:ea typeface=""/>
         <a:cs typeface=""/>
-        <a:font script="Jpan" typeface="游ゴシック Light"/>
+        <a:font script="Jpan" typeface="ＭＳ Ｐゴシック"/>
         <a:font script="Hang" typeface="맑은 고딕"/>
-        <a:font script="Hans" typeface="等线 Light"/>
+        <a:font script="Hans" typeface="宋体"/>
         <a:font script="Hant" typeface="新細明體"/>
         <a:font script="Arab" typeface="Times New Roman"/>
         <a:font script="Hebr" typeface="Times New Roman"/>
@@ -4249,31 +8042,14 @@
         <a:font script="Viet" typeface="Times New Roman"/>
         <a:font script="Uigh" typeface="Microsoft Uighur"/>
         <a:font script="Geor" typeface="Sylfaen"/>
-        <a:font script="Armn" typeface="Arial"/>
-        <a:font script="Bugi" typeface="Leelawadee UI"/>
-        <a:font script="Bopo" typeface="Microsoft JhengHei"/>
-        <a:font script="Java" typeface="Javanese Text"/>
-        <a:font script="Lisu" typeface="Segoe UI"/>
-        <a:font script="Mymr" typeface="Myanmar Text"/>
-        <a:font script="Nkoo" typeface="Ebrima"/>
-        <a:font script="Olck" typeface="Nirmala UI"/>
-        <a:font script="Osma" typeface="Ebrima"/>
-        <a:font script="Phag" typeface="Phagspa"/>
-        <a:font script="Syrn" typeface="Estrangelo Edessa"/>
-        <a:font script="Syrj" typeface="Estrangelo Edessa"/>
-        <a:font script="Syre" typeface="Estrangelo Edessa"/>
-        <a:font script="Sora" typeface="Nirmala UI"/>
-        <a:font script="Tale" typeface="Microsoft Tai Le"/>
-        <a:font script="Talu" typeface="Microsoft New Tai Lue"/>
-        <a:font script="Tfng" typeface="Ebrima"/>
       </a:majorFont>
       <a:minorFont>
-        <a:latin typeface="Calibri" panose="020F0502020204030204"/>
+        <a:latin typeface="Tw Cen MT" panose="020B0602020104020603"/>
         <a:ea typeface=""/>
         <a:cs typeface=""/>
-        <a:font script="Jpan" typeface="游ゴシック"/>
+        <a:font script="Jpan" typeface="ＭＳ Ｐゴシック"/>
         <a:font script="Hang" typeface="맑은 고딕"/>
-        <a:font script="Hans" typeface="等线"/>
+        <a:font script="Hans" typeface="宋体"/>
         <a:font script="Hant" typeface="新細明體"/>
         <a:font script="Arab" typeface="Arial"/>
         <a:font script="Hebr" typeface="Arial"/>
@@ -4301,27 +8077,105 @@
         <a:font script="Viet" typeface="Arial"/>
         <a:font script="Uigh" typeface="Microsoft Uighur"/>
         <a:font script="Geor" typeface="Sylfaen"/>
-        <a:font script="Armn" typeface="Arial"/>
-        <a:font script="Bugi" typeface="Leelawadee UI"/>
-        <a:font script="Bopo" typeface="Microsoft JhengHei"/>
-        <a:font script="Java" typeface="Javanese Text"/>
-        <a:font script="Lisu" typeface="Segoe UI"/>
-        <a:font script="Mymr" typeface="Myanmar Text"/>
-        <a:font script="Nkoo" typeface="Ebrima"/>
-        <a:font script="Olck" typeface="Nirmala UI"/>
-        <a:font script="Osma" typeface="Ebrima"/>
-        <a:font script="Phag" typeface="Phagspa"/>
-        <a:font script="Syrn" typeface="Estrangelo Edessa"/>
-        <a:font script="Syrj" typeface="Estrangelo Edessa"/>
-        <a:font script="Syre" typeface="Estrangelo Edessa"/>
-        <a:font script="Sora" typeface="Nirmala UI"/>
-        <a:font script="Tale" typeface="Microsoft Tai Le"/>
-        <a:font script="Talu" typeface="Microsoft New Tai Lue"/>
-        <a:font script="Tfng" typeface="Ebrima"/>
       </a:minorFont>
     </a:fontScheme>
-    <a:fmtScheme name="Office">
+    <a:fmtScheme name="小水滴">
       <a:fillStyleLst>
+        <a:solidFill>
+          <a:schemeClr val="phClr"/>
+        </a:solidFill>
+        <a:solidFill>
+          <a:schemeClr val="phClr">
+            <a:tint val="69000"/>
+            <a:satMod val="105000"/>
+            <a:lumMod val="110000"/>
+          </a:schemeClr>
+        </a:solidFill>
+        <a:gradFill rotWithShape="1">
+          <a:gsLst>
+            <a:gs pos="0">
+              <a:schemeClr val="phClr">
+                <a:tint val="94000"/>
+                <a:satMod val="100000"/>
+                <a:lumMod val="108000"/>
+              </a:schemeClr>
+            </a:gs>
+            <a:gs pos="50000">
+              <a:schemeClr val="phClr">
+                <a:tint val="98000"/>
+                <a:shade val="100000"/>
+                <a:satMod val="100000"/>
+                <a:lumMod val="100000"/>
+              </a:schemeClr>
+            </a:gs>
+            <a:gs pos="100000">
+              <a:schemeClr val="phClr">
+                <a:shade val="72000"/>
+                <a:satMod val="120000"/>
+                <a:lumMod val="100000"/>
+              </a:schemeClr>
+            </a:gs>
+          </a:gsLst>
+          <a:lin ang="5400000" scaled="0"/>
+        </a:gradFill>
+      </a:fillStyleLst>
+      <a:lnStyleLst>
+        <a:ln w="9525" cap="flat" cmpd="sng" algn="ctr">
+          <a:solidFill>
+            <a:schemeClr val="phClr">
+              <a:shade val="60000"/>
+            </a:schemeClr>
+          </a:solidFill>
+          <a:prstDash val="solid"/>
+        </a:ln>
+        <a:ln w="15875" cap="flat" cmpd="sng" algn="ctr">
+          <a:solidFill>
+            <a:schemeClr val="phClr"/>
+          </a:solidFill>
+          <a:prstDash val="solid"/>
+        </a:ln>
+        <a:ln w="22225" cap="flat" cmpd="sng" algn="ctr">
+          <a:solidFill>
+            <a:schemeClr val="phClr"/>
+          </a:solidFill>
+          <a:prstDash val="solid"/>
+        </a:ln>
+      </a:lnStyleLst>
+      <a:effectStyleLst>
+        <a:effectStyle>
+          <a:effectLst/>
+        </a:effectStyle>
+        <a:effectStyle>
+          <a:effectLst>
+            <a:outerShdw blurRad="50800" dist="25400" dir="5400000" rotWithShape="0">
+              <a:srgbClr val="000000">
+                <a:alpha val="28000"/>
+              </a:srgbClr>
+            </a:outerShdw>
+          </a:effectLst>
+        </a:effectStyle>
+        <a:effectStyle>
+          <a:effectLst>
+            <a:outerShdw blurRad="63500" dist="25400" dir="5400000" algn="ctr" rotWithShape="0">
+              <a:srgbClr val="000000">
+                <a:alpha val="69000"/>
+              </a:srgbClr>
+            </a:outerShdw>
+          </a:effectLst>
+          <a:scene3d>
+            <a:camera prst="orthographicFront">
+              <a:rot lat="0" lon="0" rev="0"/>
+            </a:camera>
+            <a:lightRig rig="balanced" dir="t">
+              <a:rot lat="0" lon="0" rev="1200000"/>
+            </a:lightRig>
+          </a:scene3d>
+          <a:sp3d prstMaterial="plastic">
+            <a:bevelT w="25400" h="25400"/>
+          </a:sp3d>
+        </a:effectStyle>
+      </a:effectStyleLst>
+      <a:bgFillStyleLst>
         <a:solidFill>
           <a:schemeClr val="phClr"/>
         </a:solidFill>
@@ -4329,23 +8183,14 @@
           <a:gsLst>
             <a:gs pos="0">
               <a:schemeClr val="phClr">
+                <a:tint val="90000"/>
                 <a:lumMod val="110000"/>
-                <a:satMod val="105000"/>
-                <a:tint val="67000"/>
-              </a:schemeClr>
-            </a:gs>
-            <a:gs pos="50000">
-              <a:schemeClr val="phClr">
-                <a:lumMod val="105000"/>
-                <a:satMod val="103000"/>
-                <a:tint val="73000"/>
               </a:schemeClr>
             </a:gs>
             <a:gs pos="100000">
               <a:schemeClr val="phClr">
-                <a:lumMod val="105000"/>
-                <a:satMod val="109000"/>
-                <a:tint val="81000"/>
+                <a:shade val="64000"/>
+                <a:lumMod val="88000"/>
               </a:schemeClr>
             </a:gs>
           </a:gsLst>
@@ -4355,101 +8200,18 @@
           <a:gsLst>
             <a:gs pos="0">
               <a:schemeClr val="phClr">
-                <a:satMod val="103000"/>
-                <a:lumMod val="102000"/>
-                <a:tint val="94000"/>
-              </a:schemeClr>
-            </a:gs>
-            <a:gs pos="50000">
-              <a:schemeClr val="phClr">
-                <a:satMod val="110000"/>
-                <a:lumMod val="100000"/>
+                <a:tint val="84000"/>
                 <a:shade val="100000"/>
+                <a:hueMod val="130000"/>
+                <a:satMod val="150000"/>
+                <a:lumMod val="112000"/>
               </a:schemeClr>
             </a:gs>
             <a:gs pos="100000">
               <a:schemeClr val="phClr">
-                <a:lumMod val="99000"/>
-                <a:satMod val="120000"/>
-                <a:shade val="78000"/>
-              </a:schemeClr>
-            </a:gs>
-          </a:gsLst>
-          <a:lin ang="5400000" scaled="0"/>
-        </a:gradFill>
-      </a:fillStyleLst>
-      <a:lnStyleLst>
-        <a:ln w="6350" cap="flat" cmpd="sng" algn="ctr">
-          <a:solidFill>
-            <a:schemeClr val="phClr"/>
-          </a:solidFill>
-          <a:prstDash val="solid"/>
-          <a:miter lim="800000"/>
-        </a:ln>
-        <a:ln w="12700" cap="flat" cmpd="sng" algn="ctr">
-          <a:solidFill>
-            <a:schemeClr val="phClr"/>
-          </a:solidFill>
-          <a:prstDash val="solid"/>
-          <a:miter lim="800000"/>
-        </a:ln>
-        <a:ln w="19050" cap="flat" cmpd="sng" algn="ctr">
-          <a:solidFill>
-            <a:schemeClr val="phClr"/>
-          </a:solidFill>
-          <a:prstDash val="solid"/>
-          <a:miter lim="800000"/>
-        </a:ln>
-      </a:lnStyleLst>
-      <a:effectStyleLst>
-        <a:effectStyle>
-          <a:effectLst/>
-        </a:effectStyle>
-        <a:effectStyle>
-          <a:effectLst/>
-        </a:effectStyle>
-        <a:effectStyle>
-          <a:effectLst>
-            <a:outerShdw blurRad="57150" dist="19050" dir="5400000" algn="ctr" rotWithShape="0">
-              <a:srgbClr val="000000">
-                <a:alpha val="63000"/>
-              </a:srgbClr>
-            </a:outerShdw>
-          </a:effectLst>
-        </a:effectStyle>
-      </a:effectStyleLst>
-      <a:bgFillStyleLst>
-        <a:solidFill>
-          <a:schemeClr val="phClr"/>
-        </a:solidFill>
-        <a:solidFill>
-          <a:schemeClr val="phClr">
-            <a:tint val="95000"/>
-            <a:satMod val="170000"/>
-          </a:schemeClr>
-        </a:solidFill>
-        <a:gradFill rotWithShape="1">
-          <a:gsLst>
-            <a:gs pos="0">
-              <a:schemeClr val="phClr">
-                <a:tint val="93000"/>
-                <a:satMod val="150000"/>
-                <a:shade val="98000"/>
-                <a:lumMod val="102000"/>
-              </a:schemeClr>
-            </a:gs>
-            <a:gs pos="50000">
-              <a:schemeClr val="phClr">
-                <a:tint val="98000"/>
-                <a:satMod val="130000"/>
-                <a:shade val="90000"/>
-                <a:lumMod val="103000"/>
-              </a:schemeClr>
-            </a:gs>
-            <a:gs pos="100000">
-              <a:schemeClr val="phClr">
-                <a:shade val="63000"/>
-                <a:satMod val="120000"/>
+                <a:shade val="92000"/>
+                <a:satMod val="140000"/>
+                <a:lumMod val="110000"/>
               </a:schemeClr>
             </a:gs>
           </a:gsLst>
@@ -4462,7 +8224,7 @@
   <a:extraClrSchemeLst/>
   <a:extLst>
     <a:ext uri="{05A4C25C-085E-4340-85A3-A5531E510DB2}">
-      <thm15:themeFamily xmlns:thm15="http://schemas.microsoft.com/office/thememl/2012/main" name="Office Theme" id="{62F939B6-93AF-4DB8-9C6B-D6C7DFDC589F}" vid="{4A3C46E8-61CC-4603-A589-7422A47A8E4A}"/>
+      <thm15:themeFamily xmlns:thm15="http://schemas.microsoft.com/office/thememl/2012/main" name="Office_36804169_TF34316244.potx" id="{A34BCA18-85BB-4F06-A9B1-8FDFE89EE5A0}" vid="{B019DDDF-4536-4FA0-8678-C7C946B5971C}"/>
     </a:ext>
   </a:extLst>
 </a:theme>
